--- a/slides/lec08.pptx
+++ b/slides/lec08.pptx
@@ -5,7 +5,7 @@
     <p:sldMasterId id="2147483682" r:id="rId1"/>
   </p:sldMasterIdLst>
   <p:notesMasterIdLst>
-    <p:notesMasterId r:id="rId36"/>
+    <p:notesMasterId r:id="rId35"/>
   </p:notesMasterIdLst>
   <p:sldIdLst>
     <p:sldId id="256" r:id="rId2"/>
@@ -41,7 +41,6 @@
     <p:sldId id="278" r:id="rId32"/>
     <p:sldId id="279" r:id="rId33"/>
     <p:sldId id="290" r:id="rId34"/>
-    <p:sldId id="266" r:id="rId35"/>
   </p:sldIdLst>
   <p:sldSz cx="9144000" cy="5143500" type="screen16x9"/>
   <p:notesSz cx="6858000" cy="9144000"/>
@@ -225,7 +224,7 @@
           <a:p>
             <a:fld id="{17BC01BB-0F6B-8741-87E1-81F74B7307B5}" type="datetimeFigureOut">
               <a:rPr lang="en-US" smtClean="0"/>
-              <a:t>3/5/18</a:t>
+              <a:t>3/11/18</a:t>
             </a:fld>
             <a:endParaRPr lang="en-US"/>
           </a:p>
@@ -1580,7 +1579,7 @@
           <a:p>
             <a:fld id="{BE0C0E61-328B-004C-895F-863BE19FADF6}" type="datetimeFigureOut">
               <a:rPr lang="en-US" smtClean="0"/>
-              <a:t>3/4/18</a:t>
+              <a:t>3/11/18</a:t>
             </a:fld>
             <a:endParaRPr lang="en-US"/>
           </a:p>
@@ -1750,7 +1749,7 @@
           <a:p>
             <a:fld id="{BE0C0E61-328B-004C-895F-863BE19FADF6}" type="datetimeFigureOut">
               <a:rPr lang="en-US" smtClean="0"/>
-              <a:t>3/4/18</a:t>
+              <a:t>3/11/18</a:t>
             </a:fld>
             <a:endParaRPr lang="en-US"/>
           </a:p>
@@ -1930,7 +1929,7 @@
           <a:p>
             <a:fld id="{BE0C0E61-328B-004C-895F-863BE19FADF6}" type="datetimeFigureOut">
               <a:rPr lang="en-US" smtClean="0"/>
-              <a:t>3/4/18</a:t>
+              <a:t>3/11/18</a:t>
             </a:fld>
             <a:endParaRPr lang="en-US"/>
           </a:p>
@@ -2100,7 +2099,7 @@
           <a:p>
             <a:fld id="{BE0C0E61-328B-004C-895F-863BE19FADF6}" type="datetimeFigureOut">
               <a:rPr lang="en-US" smtClean="0"/>
-              <a:t>3/4/18</a:t>
+              <a:t>3/11/18</a:t>
             </a:fld>
             <a:endParaRPr lang="en-US"/>
           </a:p>
@@ -2346,7 +2345,7 @@
           <a:p>
             <a:fld id="{BE0C0E61-328B-004C-895F-863BE19FADF6}" type="datetimeFigureOut">
               <a:rPr lang="en-US" smtClean="0"/>
-              <a:t>3/4/18</a:t>
+              <a:t>3/11/18</a:t>
             </a:fld>
             <a:endParaRPr lang="en-US"/>
           </a:p>
@@ -2634,7 +2633,7 @@
           <a:p>
             <a:fld id="{BE0C0E61-328B-004C-895F-863BE19FADF6}" type="datetimeFigureOut">
               <a:rPr lang="en-US" smtClean="0"/>
-              <a:t>3/4/18</a:t>
+              <a:t>3/11/18</a:t>
             </a:fld>
             <a:endParaRPr lang="en-US"/>
           </a:p>
@@ -3056,7 +3055,7 @@
           <a:p>
             <a:fld id="{BE0C0E61-328B-004C-895F-863BE19FADF6}" type="datetimeFigureOut">
               <a:rPr lang="en-US" smtClean="0"/>
-              <a:t>3/4/18</a:t>
+              <a:t>3/11/18</a:t>
             </a:fld>
             <a:endParaRPr lang="en-US"/>
           </a:p>
@@ -3174,7 +3173,7 @@
           <a:p>
             <a:fld id="{BE0C0E61-328B-004C-895F-863BE19FADF6}" type="datetimeFigureOut">
               <a:rPr lang="en-US" smtClean="0"/>
-              <a:t>3/4/18</a:t>
+              <a:t>3/11/18</a:t>
             </a:fld>
             <a:endParaRPr lang="en-US"/>
           </a:p>
@@ -3269,7 +3268,7 @@
           <a:p>
             <a:fld id="{BE0C0E61-328B-004C-895F-863BE19FADF6}" type="datetimeFigureOut">
               <a:rPr lang="en-US" smtClean="0"/>
-              <a:t>3/4/18</a:t>
+              <a:t>3/11/18</a:t>
             </a:fld>
             <a:endParaRPr lang="en-US"/>
           </a:p>
@@ -3546,7 +3545,7 @@
           <a:p>
             <a:fld id="{BE0C0E61-328B-004C-895F-863BE19FADF6}" type="datetimeFigureOut">
               <a:rPr lang="en-US" smtClean="0"/>
-              <a:t>3/4/18</a:t>
+              <a:t>3/11/18</a:t>
             </a:fld>
             <a:endParaRPr lang="en-US"/>
           </a:p>
@@ -3803,7 +3802,7 @@
           <a:p>
             <a:fld id="{BE0C0E61-328B-004C-895F-863BE19FADF6}" type="datetimeFigureOut">
               <a:rPr lang="en-US" smtClean="0"/>
-              <a:t>3/4/18</a:t>
+              <a:t>3/11/18</a:t>
             </a:fld>
             <a:endParaRPr lang="en-US"/>
           </a:p>
@@ -4016,7 +4015,7 @@
           <a:p>
             <a:fld id="{BE0C0E61-328B-004C-895F-863BE19FADF6}" type="datetimeFigureOut">
               <a:rPr lang="en-US" smtClean="0"/>
-              <a:t>3/4/18</a:t>
+              <a:t>3/11/18</a:t>
             </a:fld>
             <a:endParaRPr lang="en-US"/>
           </a:p>
@@ -4902,17 +4901,7 @@
                 <a:latin typeface="Courier"/>
                 <a:cs typeface="Courier"/>
               </a:rPr>
-              <a:t>t</a:t>
-            </a:r>
-            <a:r>
-              <a:rPr lang="en-US" dirty="0" err="1" smtClean="0">
-                <a:solidFill>
-                  <a:schemeClr val="tx1"/>
-                </a:solidFill>
-                <a:latin typeface="Courier"/>
-                <a:cs typeface="Courier"/>
-              </a:rPr>
-              <a:t>xns</a:t>
+              <a:t>txns</a:t>
             </a:r>
             <a:endParaRPr lang="en-US" dirty="0" smtClean="0">
               <a:solidFill>
@@ -5013,17 +5002,92 @@
                 <a:latin typeface="Courier"/>
                 <a:cs typeface="Courier"/>
               </a:rPr>
-              <a:t>ash:</a:t>
-            </a:r>
-            <a:r>
-              <a:rPr lang="en-US" dirty="0" smtClean="0">
+              <a:t>ash:0092 </a:t>
+            </a:r>
+          </a:p>
+        </p:txBody>
+      </p:sp>
+      <p:sp>
+        <p:nvSpPr>
+          <p:cNvPr id="32" name="Rectangle 31"/>
+          <p:cNvSpPr/>
+          <p:nvPr/>
+        </p:nvSpPr>
+        <p:spPr>
+          <a:xfrm>
+            <a:off x="337865" y="1352938"/>
+            <a:ext cx="1746161" cy="952443"/>
+          </a:xfrm>
+          <a:prstGeom prst="rect">
+            <a:avLst/>
+          </a:prstGeom>
+          <a:noFill/>
+          <a:ln>
+            <a:solidFill>
+              <a:schemeClr val="tx1"/>
+            </a:solidFill>
+          </a:ln>
+          <a:effectLst/>
+        </p:spPr>
+        <p:style>
+          <a:lnRef idx="1">
+            <a:schemeClr val="accent1"/>
+          </a:lnRef>
+          <a:fillRef idx="3">
+            <a:schemeClr val="accent1"/>
+          </a:fillRef>
+          <a:effectRef idx="2">
+            <a:schemeClr val="accent1"/>
+          </a:effectRef>
+          <a:fontRef idx="minor">
+            <a:schemeClr val="lt1"/>
+          </a:fontRef>
+        </p:style>
+        <p:txBody>
+          <a:bodyPr rtlCol="0" anchor="ctr"/>
+          <a:lstStyle/>
+          <a:p>
+            <a:r>
+              <a:rPr lang="en-US" dirty="0" err="1">
                 <a:solidFill>
                   <a:schemeClr val="tx1"/>
                 </a:solidFill>
                 <a:latin typeface="Courier"/>
                 <a:cs typeface="Courier"/>
               </a:rPr>
-              <a:t>0092 </a:t>
+              <a:t>p</a:t>
+            </a:r>
+            <a:r>
+              <a:rPr lang="en-US" dirty="0" err="1" smtClean="0">
+                <a:solidFill>
+                  <a:schemeClr val="tx1"/>
+                </a:solidFill>
+                <a:latin typeface="Courier"/>
+                <a:cs typeface="Courier"/>
+              </a:rPr>
+              <a:t>rev</a:t>
+            </a:r>
+            <a:r>
+              <a:rPr lang="en-US" dirty="0" smtClean="0">
+                <a:solidFill>
+                  <a:schemeClr val="tx1"/>
+                </a:solidFill>
+                <a:latin typeface="Courier"/>
+                <a:cs typeface="Courier"/>
+              </a:rPr>
+              <a:t>: 00db</a:t>
+            </a:r>
+          </a:p>
+          <a:p>
+            <a:r>
+              <a:rPr lang="en-US" dirty="0" err="1" smtClean="0">
+                <a:solidFill>
+                  <a:schemeClr val="tx1"/>
+                </a:solidFill>
+                <a:latin typeface="Courier"/>
+                <a:cs typeface="Courier"/>
+              </a:rPr>
+              <a:t>txns</a:t>
             </a:r>
             <a:endParaRPr lang="en-US" dirty="0" smtClean="0">
               <a:solidFill>
@@ -5033,17 +5097,111 @@
               <a:cs typeface="Courier"/>
             </a:endParaRPr>
           </a:p>
-        </p:txBody>
-      </p:sp>
-      <p:sp>
-        <p:nvSpPr>
-          <p:cNvPr id="32" name="Rectangle 31"/>
+          <a:p>
+            <a:r>
+              <a:rPr lang="en-US" dirty="0">
+                <a:solidFill>
+                  <a:schemeClr val="tx1"/>
+                </a:solidFill>
+                <a:latin typeface="Courier"/>
+                <a:cs typeface="Courier"/>
+              </a:rPr>
+              <a:t>n</a:t>
+            </a:r>
+            <a:r>
+              <a:rPr lang="en-US" dirty="0" smtClean="0">
+                <a:solidFill>
+                  <a:schemeClr val="tx1"/>
+                </a:solidFill>
+                <a:latin typeface="Courier"/>
+                <a:cs typeface="Courier"/>
+              </a:rPr>
+              <a:t>once: 582c</a:t>
+            </a:r>
+            <a:endParaRPr lang="en-US" dirty="0">
+              <a:solidFill>
+                <a:schemeClr val="tx1"/>
+              </a:solidFill>
+              <a:latin typeface="Courier"/>
+              <a:cs typeface="Courier"/>
+            </a:endParaRPr>
+          </a:p>
+        </p:txBody>
+      </p:sp>
+      <p:sp>
+        <p:nvSpPr>
+          <p:cNvPr id="33" name="Rectangle 32"/>
           <p:cNvSpPr/>
           <p:nvPr/>
         </p:nvSpPr>
         <p:spPr>
           <a:xfrm>
-            <a:off x="337865" y="1352938"/>
+            <a:off x="2084026" y="2585378"/>
+            <a:ext cx="882286" cy="545728"/>
+          </a:xfrm>
+          <a:prstGeom prst="rect">
+            <a:avLst/>
+          </a:prstGeom>
+          <a:solidFill>
+            <a:schemeClr val="bg1">
+              <a:lumMod val="65000"/>
+            </a:schemeClr>
+          </a:solidFill>
+          <a:ln>
+            <a:noFill/>
+          </a:ln>
+          <a:effectLst/>
+        </p:spPr>
+        <p:style>
+          <a:lnRef idx="1">
+            <a:schemeClr val="accent1"/>
+          </a:lnRef>
+          <a:fillRef idx="3">
+            <a:schemeClr val="accent1"/>
+          </a:fillRef>
+          <a:effectRef idx="2">
+            <a:schemeClr val="accent1"/>
+          </a:effectRef>
+          <a:fontRef idx="minor">
+            <a:schemeClr val="lt1"/>
+          </a:fontRef>
+        </p:style>
+        <p:txBody>
+          <a:bodyPr rtlCol="0" anchor="ctr"/>
+          <a:lstStyle/>
+          <a:p>
+            <a:r>
+              <a:rPr lang="en-US" dirty="0">
+                <a:solidFill>
+                  <a:schemeClr val="tx1"/>
+                </a:solidFill>
+                <a:latin typeface="Courier"/>
+                <a:cs typeface="Courier"/>
+              </a:rPr>
+              <a:t>h</a:t>
+            </a:r>
+            <a:r>
+              <a:rPr lang="en-US" dirty="0" smtClean="0">
+                <a:solidFill>
+                  <a:schemeClr val="tx1"/>
+                </a:solidFill>
+                <a:latin typeface="Courier"/>
+                <a:cs typeface="Courier"/>
+              </a:rPr>
+              <a:t>ash:002b </a:t>
+            </a:r>
+          </a:p>
+        </p:txBody>
+      </p:sp>
+      <p:sp>
+        <p:nvSpPr>
+          <p:cNvPr id="34" name="Rectangle 33"/>
+          <p:cNvSpPr/>
+          <p:nvPr/>
+        </p:nvSpPr>
+        <p:spPr>
+          <a:xfrm>
+            <a:off x="337864" y="2585378"/>
             <a:ext cx="1746161" cy="952443"/>
           </a:xfrm>
           <a:prstGeom prst="rect">
@@ -5103,17 +5261,19 @@
                 <a:latin typeface="Courier"/>
                 <a:cs typeface="Courier"/>
               </a:rPr>
-              <a:t>: </a:t>
-            </a:r>
-            <a:r>
-              <a:rPr lang="en-US" dirty="0" smtClean="0">
+              <a:t>: 0092</a:t>
+            </a:r>
+          </a:p>
+          <a:p>
+            <a:r>
+              <a:rPr lang="en-US" dirty="0" err="1" smtClean="0">
                 <a:solidFill>
                   <a:schemeClr val="tx1"/>
                 </a:solidFill>
                 <a:latin typeface="Courier"/>
                 <a:cs typeface="Courier"/>
               </a:rPr>
-              <a:t>00db</a:t>
+              <a:t>txns</a:t>
             </a:r>
             <a:endParaRPr lang="en-US" dirty="0" smtClean="0">
               <a:solidFill>
@@ -5125,303 +5285,24 @@
           </a:p>
           <a:p>
             <a:r>
-              <a:rPr lang="en-US" dirty="0" err="1" smtClean="0">
+              <a:rPr lang="en-US" dirty="0">
                 <a:solidFill>
                   <a:schemeClr val="tx1"/>
                 </a:solidFill>
                 <a:latin typeface="Courier"/>
                 <a:cs typeface="Courier"/>
               </a:rPr>
-              <a:t>t</a:t>
-            </a:r>
-            <a:r>
-              <a:rPr lang="en-US" dirty="0" err="1" smtClean="0">
+              <a:t>n</a:t>
+            </a:r>
+            <a:r>
+              <a:rPr lang="en-US" dirty="0" smtClean="0">
                 <a:solidFill>
                   <a:schemeClr val="tx1"/>
                 </a:solidFill>
                 <a:latin typeface="Courier"/>
                 <a:cs typeface="Courier"/>
               </a:rPr>
-              <a:t>xns</a:t>
-            </a:r>
-            <a:endParaRPr lang="en-US" dirty="0" smtClean="0">
-              <a:solidFill>
-                <a:schemeClr val="tx1"/>
-              </a:solidFill>
-              <a:latin typeface="Courier"/>
-              <a:cs typeface="Courier"/>
-            </a:endParaRPr>
-          </a:p>
-          <a:p>
-            <a:r>
-              <a:rPr lang="en-US" dirty="0">
-                <a:solidFill>
-                  <a:schemeClr val="tx1"/>
-                </a:solidFill>
-                <a:latin typeface="Courier"/>
-                <a:cs typeface="Courier"/>
-              </a:rPr>
-              <a:t>n</a:t>
-            </a:r>
-            <a:r>
-              <a:rPr lang="en-US" dirty="0" smtClean="0">
-                <a:solidFill>
-                  <a:schemeClr val="tx1"/>
-                </a:solidFill>
-                <a:latin typeface="Courier"/>
-                <a:cs typeface="Courier"/>
-              </a:rPr>
-              <a:t>once: </a:t>
-            </a:r>
-            <a:r>
-              <a:rPr lang="en-US" dirty="0" smtClean="0">
-                <a:solidFill>
-                  <a:schemeClr val="tx1"/>
-                </a:solidFill>
-                <a:latin typeface="Courier"/>
-                <a:cs typeface="Courier"/>
-              </a:rPr>
-              <a:t>582c</a:t>
-            </a:r>
-            <a:endParaRPr lang="en-US" dirty="0">
-              <a:solidFill>
-                <a:schemeClr val="tx1"/>
-              </a:solidFill>
-              <a:latin typeface="Courier"/>
-              <a:cs typeface="Courier"/>
-            </a:endParaRPr>
-          </a:p>
-        </p:txBody>
-      </p:sp>
-      <p:sp>
-        <p:nvSpPr>
-          <p:cNvPr id="33" name="Rectangle 32"/>
-          <p:cNvSpPr/>
-          <p:nvPr/>
-        </p:nvSpPr>
-        <p:spPr>
-          <a:xfrm>
-            <a:off x="2084026" y="2585378"/>
-            <a:ext cx="882286" cy="545728"/>
-          </a:xfrm>
-          <a:prstGeom prst="rect">
-            <a:avLst/>
-          </a:prstGeom>
-          <a:solidFill>
-            <a:schemeClr val="bg1">
-              <a:lumMod val="65000"/>
-            </a:schemeClr>
-          </a:solidFill>
-          <a:ln>
-            <a:noFill/>
-          </a:ln>
-          <a:effectLst/>
-        </p:spPr>
-        <p:style>
-          <a:lnRef idx="1">
-            <a:schemeClr val="accent1"/>
-          </a:lnRef>
-          <a:fillRef idx="3">
-            <a:schemeClr val="accent1"/>
-          </a:fillRef>
-          <a:effectRef idx="2">
-            <a:schemeClr val="accent1"/>
-          </a:effectRef>
-          <a:fontRef idx="minor">
-            <a:schemeClr val="lt1"/>
-          </a:fontRef>
-        </p:style>
-        <p:txBody>
-          <a:bodyPr rtlCol="0" anchor="ctr"/>
-          <a:lstStyle/>
-          <a:p>
-            <a:r>
-              <a:rPr lang="en-US" dirty="0">
-                <a:solidFill>
-                  <a:schemeClr val="tx1"/>
-                </a:solidFill>
-                <a:latin typeface="Courier"/>
-                <a:cs typeface="Courier"/>
-              </a:rPr>
-              <a:t>h</a:t>
-            </a:r>
-            <a:r>
-              <a:rPr lang="en-US" dirty="0" smtClean="0">
-                <a:solidFill>
-                  <a:schemeClr val="tx1"/>
-                </a:solidFill>
-                <a:latin typeface="Courier"/>
-                <a:cs typeface="Courier"/>
-              </a:rPr>
-              <a:t>ash:</a:t>
-            </a:r>
-            <a:r>
-              <a:rPr lang="en-US" dirty="0" smtClean="0">
-                <a:solidFill>
-                  <a:schemeClr val="tx1"/>
-                </a:solidFill>
-                <a:latin typeface="Courier"/>
-                <a:cs typeface="Courier"/>
-              </a:rPr>
-              <a:t>002b </a:t>
-            </a:r>
-            <a:endParaRPr lang="en-US" dirty="0" smtClean="0">
-              <a:solidFill>
-                <a:schemeClr val="tx1"/>
-              </a:solidFill>
-              <a:latin typeface="Courier"/>
-              <a:cs typeface="Courier"/>
-            </a:endParaRPr>
-          </a:p>
-        </p:txBody>
-      </p:sp>
-      <p:sp>
-        <p:nvSpPr>
-          <p:cNvPr id="34" name="Rectangle 33"/>
-          <p:cNvSpPr/>
-          <p:nvPr/>
-        </p:nvSpPr>
-        <p:spPr>
-          <a:xfrm>
-            <a:off x="337864" y="2585378"/>
-            <a:ext cx="1746161" cy="952443"/>
-          </a:xfrm>
-          <a:prstGeom prst="rect">
-            <a:avLst/>
-          </a:prstGeom>
-          <a:noFill/>
-          <a:ln>
-            <a:solidFill>
-              <a:schemeClr val="tx1"/>
-            </a:solidFill>
-          </a:ln>
-          <a:effectLst/>
-        </p:spPr>
-        <p:style>
-          <a:lnRef idx="1">
-            <a:schemeClr val="accent1"/>
-          </a:lnRef>
-          <a:fillRef idx="3">
-            <a:schemeClr val="accent1"/>
-          </a:fillRef>
-          <a:effectRef idx="2">
-            <a:schemeClr val="accent1"/>
-          </a:effectRef>
-          <a:fontRef idx="minor">
-            <a:schemeClr val="lt1"/>
-          </a:fontRef>
-        </p:style>
-        <p:txBody>
-          <a:bodyPr rtlCol="0" anchor="ctr"/>
-          <a:lstStyle/>
-          <a:p>
-            <a:r>
-              <a:rPr lang="en-US" dirty="0" err="1">
-                <a:solidFill>
-                  <a:schemeClr val="tx1"/>
-                </a:solidFill>
-                <a:latin typeface="Courier"/>
-                <a:cs typeface="Courier"/>
-              </a:rPr>
-              <a:t>p</a:t>
-            </a:r>
-            <a:r>
-              <a:rPr lang="en-US" dirty="0" err="1" smtClean="0">
-                <a:solidFill>
-                  <a:schemeClr val="tx1"/>
-                </a:solidFill>
-                <a:latin typeface="Courier"/>
-                <a:cs typeface="Courier"/>
-              </a:rPr>
-              <a:t>rev</a:t>
-            </a:r>
-            <a:r>
-              <a:rPr lang="en-US" dirty="0" smtClean="0">
-                <a:solidFill>
-                  <a:schemeClr val="tx1"/>
-                </a:solidFill>
-                <a:latin typeface="Courier"/>
-                <a:cs typeface="Courier"/>
-              </a:rPr>
-              <a:t>: </a:t>
-            </a:r>
-            <a:r>
-              <a:rPr lang="en-US" dirty="0" smtClean="0">
-                <a:solidFill>
-                  <a:schemeClr val="tx1"/>
-                </a:solidFill>
-                <a:latin typeface="Courier"/>
-                <a:cs typeface="Courier"/>
-              </a:rPr>
-              <a:t>0092</a:t>
-            </a:r>
-            <a:endParaRPr lang="en-US" dirty="0" smtClean="0">
-              <a:solidFill>
-                <a:schemeClr val="tx1"/>
-              </a:solidFill>
-              <a:latin typeface="Courier"/>
-              <a:cs typeface="Courier"/>
-            </a:endParaRPr>
-          </a:p>
-          <a:p>
-            <a:r>
-              <a:rPr lang="en-US" dirty="0" err="1" smtClean="0">
-                <a:solidFill>
-                  <a:schemeClr val="tx1"/>
-                </a:solidFill>
-                <a:latin typeface="Courier"/>
-                <a:cs typeface="Courier"/>
-              </a:rPr>
-              <a:t>t</a:t>
-            </a:r>
-            <a:r>
-              <a:rPr lang="en-US" dirty="0" err="1" smtClean="0">
-                <a:solidFill>
-                  <a:schemeClr val="tx1"/>
-                </a:solidFill>
-                <a:latin typeface="Courier"/>
-                <a:cs typeface="Courier"/>
-              </a:rPr>
-              <a:t>xns</a:t>
-            </a:r>
-            <a:endParaRPr lang="en-US" dirty="0" smtClean="0">
-              <a:solidFill>
-                <a:schemeClr val="tx1"/>
-              </a:solidFill>
-              <a:latin typeface="Courier"/>
-              <a:cs typeface="Courier"/>
-            </a:endParaRPr>
-          </a:p>
-          <a:p>
-            <a:r>
-              <a:rPr lang="en-US" dirty="0">
-                <a:solidFill>
-                  <a:schemeClr val="tx1"/>
-                </a:solidFill>
-                <a:latin typeface="Courier"/>
-                <a:cs typeface="Courier"/>
-              </a:rPr>
-              <a:t>n</a:t>
-            </a:r>
-            <a:r>
-              <a:rPr lang="en-US" dirty="0" smtClean="0">
-                <a:solidFill>
-                  <a:schemeClr val="tx1"/>
-                </a:solidFill>
-                <a:latin typeface="Courier"/>
-                <a:cs typeface="Courier"/>
-              </a:rPr>
-              <a:t>once: </a:t>
-            </a:r>
-            <a:r>
-              <a:rPr lang="en-US" dirty="0" smtClean="0">
-                <a:solidFill>
-                  <a:schemeClr val="tx1"/>
-                </a:solidFill>
-                <a:latin typeface="Courier"/>
-                <a:cs typeface="Courier"/>
-              </a:rPr>
-              <a:t>fd1a</a:t>
+              <a:t>once: fd1a</a:t>
             </a:r>
             <a:endParaRPr lang="en-US" dirty="0">
               <a:solidFill>
@@ -5657,17 +5538,92 @@
                 <a:latin typeface="Courier"/>
                 <a:cs typeface="Courier"/>
               </a:rPr>
-              <a:t>ash:</a:t>
-            </a:r>
-            <a:r>
-              <a:rPr lang="en-US" dirty="0" smtClean="0">
+              <a:t>ash:001c </a:t>
+            </a:r>
+          </a:p>
+        </p:txBody>
+      </p:sp>
+      <p:sp>
+        <p:nvSpPr>
+          <p:cNvPr id="53" name="Rectangle 52"/>
+          <p:cNvSpPr/>
+          <p:nvPr/>
+        </p:nvSpPr>
+        <p:spPr>
+          <a:xfrm>
+            <a:off x="6380270" y="3719954"/>
+            <a:ext cx="1746161" cy="952443"/>
+          </a:xfrm>
+          <a:prstGeom prst="rect">
+            <a:avLst/>
+          </a:prstGeom>
+          <a:noFill/>
+          <a:ln>
+            <a:solidFill>
+              <a:schemeClr val="tx1"/>
+            </a:solidFill>
+          </a:ln>
+          <a:effectLst/>
+        </p:spPr>
+        <p:style>
+          <a:lnRef idx="1">
+            <a:schemeClr val="accent1"/>
+          </a:lnRef>
+          <a:fillRef idx="3">
+            <a:schemeClr val="accent1"/>
+          </a:fillRef>
+          <a:effectRef idx="2">
+            <a:schemeClr val="accent1"/>
+          </a:effectRef>
+          <a:fontRef idx="minor">
+            <a:schemeClr val="lt1"/>
+          </a:fontRef>
+        </p:style>
+        <p:txBody>
+          <a:bodyPr rtlCol="0" anchor="ctr"/>
+          <a:lstStyle/>
+          <a:p>
+            <a:r>
+              <a:rPr lang="en-US" dirty="0" err="1">
                 <a:solidFill>
                   <a:schemeClr val="tx1"/>
                 </a:solidFill>
                 <a:latin typeface="Courier"/>
                 <a:cs typeface="Courier"/>
               </a:rPr>
-              <a:t>001c </a:t>
+              <a:t>p</a:t>
+            </a:r>
+            <a:r>
+              <a:rPr lang="en-US" dirty="0" err="1" smtClean="0">
+                <a:solidFill>
+                  <a:schemeClr val="tx1"/>
+                </a:solidFill>
+                <a:latin typeface="Courier"/>
+                <a:cs typeface="Courier"/>
+              </a:rPr>
+              <a:t>rev</a:t>
+            </a:r>
+            <a:r>
+              <a:rPr lang="en-US" dirty="0" smtClean="0">
+                <a:solidFill>
+                  <a:schemeClr val="tx1"/>
+                </a:solidFill>
+                <a:latin typeface="Courier"/>
+                <a:cs typeface="Courier"/>
+              </a:rPr>
+              <a:t>: 002b</a:t>
+            </a:r>
+          </a:p>
+          <a:p>
+            <a:r>
+              <a:rPr lang="en-US" dirty="0" err="1" smtClean="0">
+                <a:solidFill>
+                  <a:schemeClr val="tx1"/>
+                </a:solidFill>
+                <a:latin typeface="Courier"/>
+                <a:cs typeface="Courier"/>
+              </a:rPr>
+              <a:t>txns</a:t>
             </a:r>
             <a:endParaRPr lang="en-US" dirty="0" smtClean="0">
               <a:solidFill>
@@ -5677,155 +5633,26 @@
               <a:cs typeface="Courier"/>
             </a:endParaRPr>
           </a:p>
-        </p:txBody>
-      </p:sp>
-      <p:sp>
-        <p:nvSpPr>
-          <p:cNvPr id="53" name="Rectangle 52"/>
-          <p:cNvSpPr/>
-          <p:nvPr/>
-        </p:nvSpPr>
-        <p:spPr>
-          <a:xfrm>
-            <a:off x="6380270" y="3719954"/>
-            <a:ext cx="1746161" cy="952443"/>
-          </a:xfrm>
-          <a:prstGeom prst="rect">
-            <a:avLst/>
-          </a:prstGeom>
-          <a:noFill/>
-          <a:ln>
-            <a:solidFill>
-              <a:schemeClr val="tx1"/>
-            </a:solidFill>
-          </a:ln>
-          <a:effectLst/>
-        </p:spPr>
-        <p:style>
-          <a:lnRef idx="1">
-            <a:schemeClr val="accent1"/>
-          </a:lnRef>
-          <a:fillRef idx="3">
-            <a:schemeClr val="accent1"/>
-          </a:fillRef>
-          <a:effectRef idx="2">
-            <a:schemeClr val="accent1"/>
-          </a:effectRef>
-          <a:fontRef idx="minor">
-            <a:schemeClr val="lt1"/>
-          </a:fontRef>
-        </p:style>
-        <p:txBody>
-          <a:bodyPr rtlCol="0" anchor="ctr"/>
-          <a:lstStyle/>
-          <a:p>
-            <a:r>
-              <a:rPr lang="en-US" dirty="0" err="1">
+          <a:p>
+            <a:r>
+              <a:rPr lang="en-US" dirty="0">
                 <a:solidFill>
                   <a:schemeClr val="tx1"/>
                 </a:solidFill>
                 <a:latin typeface="Courier"/>
                 <a:cs typeface="Courier"/>
               </a:rPr>
-              <a:t>p</a:t>
-            </a:r>
-            <a:r>
-              <a:rPr lang="en-US" dirty="0" err="1" smtClean="0">
+              <a:t>n</a:t>
+            </a:r>
+            <a:r>
+              <a:rPr lang="en-US" dirty="0" smtClean="0">
                 <a:solidFill>
                   <a:schemeClr val="tx1"/>
                 </a:solidFill>
                 <a:latin typeface="Courier"/>
                 <a:cs typeface="Courier"/>
               </a:rPr>
-              <a:t>rev</a:t>
-            </a:r>
-            <a:r>
-              <a:rPr lang="en-US" dirty="0" smtClean="0">
-                <a:solidFill>
-                  <a:schemeClr val="tx1"/>
-                </a:solidFill>
-                <a:latin typeface="Courier"/>
-                <a:cs typeface="Courier"/>
-              </a:rPr>
-              <a:t>: </a:t>
-            </a:r>
-            <a:r>
-              <a:rPr lang="en-US" dirty="0" smtClean="0">
-                <a:solidFill>
-                  <a:schemeClr val="tx1"/>
-                </a:solidFill>
-                <a:latin typeface="Courier"/>
-                <a:cs typeface="Courier"/>
-              </a:rPr>
-              <a:t>002b</a:t>
-            </a:r>
-            <a:endParaRPr lang="en-US" dirty="0" smtClean="0">
-              <a:solidFill>
-                <a:schemeClr val="tx1"/>
-              </a:solidFill>
-              <a:latin typeface="Courier"/>
-              <a:cs typeface="Courier"/>
-            </a:endParaRPr>
-          </a:p>
-          <a:p>
-            <a:r>
-              <a:rPr lang="en-US" dirty="0" err="1" smtClean="0">
-                <a:solidFill>
-                  <a:schemeClr val="tx1"/>
-                </a:solidFill>
-                <a:latin typeface="Courier"/>
-                <a:cs typeface="Courier"/>
-              </a:rPr>
-              <a:t>t</a:t>
-            </a:r>
-            <a:r>
-              <a:rPr lang="en-US" dirty="0" err="1" smtClean="0">
-                <a:solidFill>
-                  <a:schemeClr val="tx1"/>
-                </a:solidFill>
-                <a:latin typeface="Courier"/>
-                <a:cs typeface="Courier"/>
-              </a:rPr>
-              <a:t>xns</a:t>
-            </a:r>
-            <a:endParaRPr lang="en-US" dirty="0" smtClean="0">
-              <a:solidFill>
-                <a:schemeClr val="tx1"/>
-              </a:solidFill>
-              <a:latin typeface="Courier"/>
-              <a:cs typeface="Courier"/>
-            </a:endParaRPr>
-          </a:p>
-          <a:p>
-            <a:r>
-              <a:rPr lang="en-US" dirty="0">
-                <a:solidFill>
-                  <a:schemeClr val="tx1"/>
-                </a:solidFill>
-                <a:latin typeface="Courier"/>
-                <a:cs typeface="Courier"/>
-              </a:rPr>
-              <a:t>n</a:t>
-            </a:r>
-            <a:r>
-              <a:rPr lang="en-US" dirty="0" smtClean="0">
-                <a:solidFill>
-                  <a:schemeClr val="tx1"/>
-                </a:solidFill>
-                <a:latin typeface="Courier"/>
-                <a:cs typeface="Courier"/>
-              </a:rPr>
-              <a:t>once: </a:t>
-            </a:r>
-            <a:r>
-              <a:rPr lang="en-US" dirty="0" smtClean="0">
-                <a:solidFill>
-                  <a:schemeClr val="tx1"/>
-                </a:solidFill>
-                <a:latin typeface="Courier"/>
-                <a:cs typeface="Courier"/>
-              </a:rPr>
-              <a:t>34a8</a:t>
+              <a:t>once: 34a8</a:t>
             </a:r>
             <a:endParaRPr lang="en-US" dirty="0">
               <a:solidFill>
@@ -6382,17 +6209,7 @@
                 <a:latin typeface="Courier"/>
                 <a:cs typeface="Courier"/>
               </a:rPr>
-              <a:t>t</a:t>
-            </a:r>
-            <a:r>
-              <a:rPr lang="en-US" dirty="0" err="1" smtClean="0">
-                <a:solidFill>
-                  <a:schemeClr val="tx1"/>
-                </a:solidFill>
-                <a:latin typeface="Courier"/>
-                <a:cs typeface="Courier"/>
-              </a:rPr>
-              <a:t>xns</a:t>
+              <a:t>txns</a:t>
             </a:r>
             <a:endParaRPr lang="en-US" dirty="0" smtClean="0">
               <a:solidFill>
@@ -6493,17 +6310,92 @@
                 <a:latin typeface="Courier"/>
                 <a:cs typeface="Courier"/>
               </a:rPr>
-              <a:t>ash:</a:t>
-            </a:r>
-            <a:r>
-              <a:rPr lang="en-US" dirty="0" smtClean="0">
+              <a:t>ash:0092 </a:t>
+            </a:r>
+          </a:p>
+        </p:txBody>
+      </p:sp>
+      <p:sp>
+        <p:nvSpPr>
+          <p:cNvPr id="32" name="Rectangle 31"/>
+          <p:cNvSpPr/>
+          <p:nvPr/>
+        </p:nvSpPr>
+        <p:spPr>
+          <a:xfrm>
+            <a:off x="337865" y="1352938"/>
+            <a:ext cx="1746161" cy="952443"/>
+          </a:xfrm>
+          <a:prstGeom prst="rect">
+            <a:avLst/>
+          </a:prstGeom>
+          <a:noFill/>
+          <a:ln>
+            <a:solidFill>
+              <a:schemeClr val="tx1"/>
+            </a:solidFill>
+          </a:ln>
+          <a:effectLst/>
+        </p:spPr>
+        <p:style>
+          <a:lnRef idx="1">
+            <a:schemeClr val="accent1"/>
+          </a:lnRef>
+          <a:fillRef idx="3">
+            <a:schemeClr val="accent1"/>
+          </a:fillRef>
+          <a:effectRef idx="2">
+            <a:schemeClr val="accent1"/>
+          </a:effectRef>
+          <a:fontRef idx="minor">
+            <a:schemeClr val="lt1"/>
+          </a:fontRef>
+        </p:style>
+        <p:txBody>
+          <a:bodyPr rtlCol="0" anchor="ctr"/>
+          <a:lstStyle/>
+          <a:p>
+            <a:r>
+              <a:rPr lang="en-US" dirty="0" err="1">
                 <a:solidFill>
                   <a:schemeClr val="tx1"/>
                 </a:solidFill>
                 <a:latin typeface="Courier"/>
                 <a:cs typeface="Courier"/>
               </a:rPr>
-              <a:t>0092 </a:t>
+              <a:t>p</a:t>
+            </a:r>
+            <a:r>
+              <a:rPr lang="en-US" dirty="0" err="1" smtClean="0">
+                <a:solidFill>
+                  <a:schemeClr val="tx1"/>
+                </a:solidFill>
+                <a:latin typeface="Courier"/>
+                <a:cs typeface="Courier"/>
+              </a:rPr>
+              <a:t>rev</a:t>
+            </a:r>
+            <a:r>
+              <a:rPr lang="en-US" dirty="0" smtClean="0">
+                <a:solidFill>
+                  <a:schemeClr val="tx1"/>
+                </a:solidFill>
+                <a:latin typeface="Courier"/>
+                <a:cs typeface="Courier"/>
+              </a:rPr>
+              <a:t>: 00db</a:t>
+            </a:r>
+          </a:p>
+          <a:p>
+            <a:r>
+              <a:rPr lang="en-US" dirty="0" err="1" smtClean="0">
+                <a:solidFill>
+                  <a:schemeClr val="tx1"/>
+                </a:solidFill>
+                <a:latin typeface="Courier"/>
+                <a:cs typeface="Courier"/>
+              </a:rPr>
+              <a:t>txns</a:t>
             </a:r>
             <a:endParaRPr lang="en-US" dirty="0" smtClean="0">
               <a:solidFill>
@@ -6513,17 +6405,111 @@
               <a:cs typeface="Courier"/>
             </a:endParaRPr>
           </a:p>
-        </p:txBody>
-      </p:sp>
-      <p:sp>
-        <p:nvSpPr>
-          <p:cNvPr id="32" name="Rectangle 31"/>
+          <a:p>
+            <a:r>
+              <a:rPr lang="en-US" dirty="0">
+                <a:solidFill>
+                  <a:schemeClr val="tx1"/>
+                </a:solidFill>
+                <a:latin typeface="Courier"/>
+                <a:cs typeface="Courier"/>
+              </a:rPr>
+              <a:t>n</a:t>
+            </a:r>
+            <a:r>
+              <a:rPr lang="en-US" dirty="0" smtClean="0">
+                <a:solidFill>
+                  <a:schemeClr val="tx1"/>
+                </a:solidFill>
+                <a:latin typeface="Courier"/>
+                <a:cs typeface="Courier"/>
+              </a:rPr>
+              <a:t>once: 582c</a:t>
+            </a:r>
+            <a:endParaRPr lang="en-US" dirty="0">
+              <a:solidFill>
+                <a:schemeClr val="tx1"/>
+              </a:solidFill>
+              <a:latin typeface="Courier"/>
+              <a:cs typeface="Courier"/>
+            </a:endParaRPr>
+          </a:p>
+        </p:txBody>
+      </p:sp>
+      <p:sp>
+        <p:nvSpPr>
+          <p:cNvPr id="33" name="Rectangle 32"/>
           <p:cNvSpPr/>
           <p:nvPr/>
         </p:nvSpPr>
         <p:spPr>
           <a:xfrm>
-            <a:off x="337865" y="1352938"/>
+            <a:off x="2084026" y="2585378"/>
+            <a:ext cx="882286" cy="545728"/>
+          </a:xfrm>
+          <a:prstGeom prst="rect">
+            <a:avLst/>
+          </a:prstGeom>
+          <a:solidFill>
+            <a:schemeClr val="bg1">
+              <a:lumMod val="65000"/>
+            </a:schemeClr>
+          </a:solidFill>
+          <a:ln>
+            <a:noFill/>
+          </a:ln>
+          <a:effectLst/>
+        </p:spPr>
+        <p:style>
+          <a:lnRef idx="1">
+            <a:schemeClr val="accent1"/>
+          </a:lnRef>
+          <a:fillRef idx="3">
+            <a:schemeClr val="accent1"/>
+          </a:fillRef>
+          <a:effectRef idx="2">
+            <a:schemeClr val="accent1"/>
+          </a:effectRef>
+          <a:fontRef idx="minor">
+            <a:schemeClr val="lt1"/>
+          </a:fontRef>
+        </p:style>
+        <p:txBody>
+          <a:bodyPr rtlCol="0" anchor="ctr"/>
+          <a:lstStyle/>
+          <a:p>
+            <a:r>
+              <a:rPr lang="en-US" dirty="0">
+                <a:solidFill>
+                  <a:schemeClr val="tx1"/>
+                </a:solidFill>
+                <a:latin typeface="Courier"/>
+                <a:cs typeface="Courier"/>
+              </a:rPr>
+              <a:t>h</a:t>
+            </a:r>
+            <a:r>
+              <a:rPr lang="en-US" dirty="0" smtClean="0">
+                <a:solidFill>
+                  <a:schemeClr val="tx1"/>
+                </a:solidFill>
+                <a:latin typeface="Courier"/>
+                <a:cs typeface="Courier"/>
+              </a:rPr>
+              <a:t>ash:002b </a:t>
+            </a:r>
+          </a:p>
+        </p:txBody>
+      </p:sp>
+      <p:sp>
+        <p:nvSpPr>
+          <p:cNvPr id="34" name="Rectangle 33"/>
+          <p:cNvSpPr/>
+          <p:nvPr/>
+        </p:nvSpPr>
+        <p:spPr>
+          <a:xfrm>
+            <a:off x="337864" y="2585378"/>
             <a:ext cx="1746161" cy="952443"/>
           </a:xfrm>
           <a:prstGeom prst="rect">
@@ -6583,17 +6569,19 @@
                 <a:latin typeface="Courier"/>
                 <a:cs typeface="Courier"/>
               </a:rPr>
-              <a:t>: </a:t>
-            </a:r>
-            <a:r>
-              <a:rPr lang="en-US" dirty="0" smtClean="0">
+              <a:t>: 0092</a:t>
+            </a:r>
+          </a:p>
+          <a:p>
+            <a:r>
+              <a:rPr lang="en-US" dirty="0" err="1" smtClean="0">
                 <a:solidFill>
                   <a:schemeClr val="tx1"/>
                 </a:solidFill>
                 <a:latin typeface="Courier"/>
                 <a:cs typeface="Courier"/>
               </a:rPr>
-              <a:t>00db</a:t>
+              <a:t>txns</a:t>
             </a:r>
             <a:endParaRPr lang="en-US" dirty="0" smtClean="0">
               <a:solidFill>
@@ -6605,303 +6593,24 @@
           </a:p>
           <a:p>
             <a:r>
-              <a:rPr lang="en-US" dirty="0" err="1" smtClean="0">
+              <a:rPr lang="en-US" dirty="0">
                 <a:solidFill>
                   <a:schemeClr val="tx1"/>
                 </a:solidFill>
                 <a:latin typeface="Courier"/>
                 <a:cs typeface="Courier"/>
               </a:rPr>
-              <a:t>t</a:t>
-            </a:r>
-            <a:r>
-              <a:rPr lang="en-US" dirty="0" err="1" smtClean="0">
+              <a:t>n</a:t>
+            </a:r>
+            <a:r>
+              <a:rPr lang="en-US" dirty="0" smtClean="0">
                 <a:solidFill>
                   <a:schemeClr val="tx1"/>
                 </a:solidFill>
                 <a:latin typeface="Courier"/>
                 <a:cs typeface="Courier"/>
               </a:rPr>
-              <a:t>xns</a:t>
-            </a:r>
-            <a:endParaRPr lang="en-US" dirty="0" smtClean="0">
-              <a:solidFill>
-                <a:schemeClr val="tx1"/>
-              </a:solidFill>
-              <a:latin typeface="Courier"/>
-              <a:cs typeface="Courier"/>
-            </a:endParaRPr>
-          </a:p>
-          <a:p>
-            <a:r>
-              <a:rPr lang="en-US" dirty="0">
-                <a:solidFill>
-                  <a:schemeClr val="tx1"/>
-                </a:solidFill>
-                <a:latin typeface="Courier"/>
-                <a:cs typeface="Courier"/>
-              </a:rPr>
-              <a:t>n</a:t>
-            </a:r>
-            <a:r>
-              <a:rPr lang="en-US" dirty="0" smtClean="0">
-                <a:solidFill>
-                  <a:schemeClr val="tx1"/>
-                </a:solidFill>
-                <a:latin typeface="Courier"/>
-                <a:cs typeface="Courier"/>
-              </a:rPr>
-              <a:t>once: </a:t>
-            </a:r>
-            <a:r>
-              <a:rPr lang="en-US" dirty="0" smtClean="0">
-                <a:solidFill>
-                  <a:schemeClr val="tx1"/>
-                </a:solidFill>
-                <a:latin typeface="Courier"/>
-                <a:cs typeface="Courier"/>
-              </a:rPr>
-              <a:t>582c</a:t>
-            </a:r>
-            <a:endParaRPr lang="en-US" dirty="0">
-              <a:solidFill>
-                <a:schemeClr val="tx1"/>
-              </a:solidFill>
-              <a:latin typeface="Courier"/>
-              <a:cs typeface="Courier"/>
-            </a:endParaRPr>
-          </a:p>
-        </p:txBody>
-      </p:sp>
-      <p:sp>
-        <p:nvSpPr>
-          <p:cNvPr id="33" name="Rectangle 32"/>
-          <p:cNvSpPr/>
-          <p:nvPr/>
-        </p:nvSpPr>
-        <p:spPr>
-          <a:xfrm>
-            <a:off x="2084026" y="2585378"/>
-            <a:ext cx="882286" cy="545728"/>
-          </a:xfrm>
-          <a:prstGeom prst="rect">
-            <a:avLst/>
-          </a:prstGeom>
-          <a:solidFill>
-            <a:schemeClr val="bg1">
-              <a:lumMod val="65000"/>
-            </a:schemeClr>
-          </a:solidFill>
-          <a:ln>
-            <a:noFill/>
-          </a:ln>
-          <a:effectLst/>
-        </p:spPr>
-        <p:style>
-          <a:lnRef idx="1">
-            <a:schemeClr val="accent1"/>
-          </a:lnRef>
-          <a:fillRef idx="3">
-            <a:schemeClr val="accent1"/>
-          </a:fillRef>
-          <a:effectRef idx="2">
-            <a:schemeClr val="accent1"/>
-          </a:effectRef>
-          <a:fontRef idx="minor">
-            <a:schemeClr val="lt1"/>
-          </a:fontRef>
-        </p:style>
-        <p:txBody>
-          <a:bodyPr rtlCol="0" anchor="ctr"/>
-          <a:lstStyle/>
-          <a:p>
-            <a:r>
-              <a:rPr lang="en-US" dirty="0">
-                <a:solidFill>
-                  <a:schemeClr val="tx1"/>
-                </a:solidFill>
-                <a:latin typeface="Courier"/>
-                <a:cs typeface="Courier"/>
-              </a:rPr>
-              <a:t>h</a:t>
-            </a:r>
-            <a:r>
-              <a:rPr lang="en-US" dirty="0" smtClean="0">
-                <a:solidFill>
-                  <a:schemeClr val="tx1"/>
-                </a:solidFill>
-                <a:latin typeface="Courier"/>
-                <a:cs typeface="Courier"/>
-              </a:rPr>
-              <a:t>ash:</a:t>
-            </a:r>
-            <a:r>
-              <a:rPr lang="en-US" dirty="0" smtClean="0">
-                <a:solidFill>
-                  <a:schemeClr val="tx1"/>
-                </a:solidFill>
-                <a:latin typeface="Courier"/>
-                <a:cs typeface="Courier"/>
-              </a:rPr>
-              <a:t>002b </a:t>
-            </a:r>
-            <a:endParaRPr lang="en-US" dirty="0" smtClean="0">
-              <a:solidFill>
-                <a:schemeClr val="tx1"/>
-              </a:solidFill>
-              <a:latin typeface="Courier"/>
-              <a:cs typeface="Courier"/>
-            </a:endParaRPr>
-          </a:p>
-        </p:txBody>
-      </p:sp>
-      <p:sp>
-        <p:nvSpPr>
-          <p:cNvPr id="34" name="Rectangle 33"/>
-          <p:cNvSpPr/>
-          <p:nvPr/>
-        </p:nvSpPr>
-        <p:spPr>
-          <a:xfrm>
-            <a:off x="337864" y="2585378"/>
-            <a:ext cx="1746161" cy="952443"/>
-          </a:xfrm>
-          <a:prstGeom prst="rect">
-            <a:avLst/>
-          </a:prstGeom>
-          <a:noFill/>
-          <a:ln>
-            <a:solidFill>
-              <a:schemeClr val="tx1"/>
-            </a:solidFill>
-          </a:ln>
-          <a:effectLst/>
-        </p:spPr>
-        <p:style>
-          <a:lnRef idx="1">
-            <a:schemeClr val="accent1"/>
-          </a:lnRef>
-          <a:fillRef idx="3">
-            <a:schemeClr val="accent1"/>
-          </a:fillRef>
-          <a:effectRef idx="2">
-            <a:schemeClr val="accent1"/>
-          </a:effectRef>
-          <a:fontRef idx="minor">
-            <a:schemeClr val="lt1"/>
-          </a:fontRef>
-        </p:style>
-        <p:txBody>
-          <a:bodyPr rtlCol="0" anchor="ctr"/>
-          <a:lstStyle/>
-          <a:p>
-            <a:r>
-              <a:rPr lang="en-US" dirty="0" err="1">
-                <a:solidFill>
-                  <a:schemeClr val="tx1"/>
-                </a:solidFill>
-                <a:latin typeface="Courier"/>
-                <a:cs typeface="Courier"/>
-              </a:rPr>
-              <a:t>p</a:t>
-            </a:r>
-            <a:r>
-              <a:rPr lang="en-US" dirty="0" err="1" smtClean="0">
-                <a:solidFill>
-                  <a:schemeClr val="tx1"/>
-                </a:solidFill>
-                <a:latin typeface="Courier"/>
-                <a:cs typeface="Courier"/>
-              </a:rPr>
-              <a:t>rev</a:t>
-            </a:r>
-            <a:r>
-              <a:rPr lang="en-US" dirty="0" smtClean="0">
-                <a:solidFill>
-                  <a:schemeClr val="tx1"/>
-                </a:solidFill>
-                <a:latin typeface="Courier"/>
-                <a:cs typeface="Courier"/>
-              </a:rPr>
-              <a:t>: </a:t>
-            </a:r>
-            <a:r>
-              <a:rPr lang="en-US" dirty="0" smtClean="0">
-                <a:solidFill>
-                  <a:schemeClr val="tx1"/>
-                </a:solidFill>
-                <a:latin typeface="Courier"/>
-                <a:cs typeface="Courier"/>
-              </a:rPr>
-              <a:t>0092</a:t>
-            </a:r>
-            <a:endParaRPr lang="en-US" dirty="0" smtClean="0">
-              <a:solidFill>
-                <a:schemeClr val="tx1"/>
-              </a:solidFill>
-              <a:latin typeface="Courier"/>
-              <a:cs typeface="Courier"/>
-            </a:endParaRPr>
-          </a:p>
-          <a:p>
-            <a:r>
-              <a:rPr lang="en-US" dirty="0" err="1" smtClean="0">
-                <a:solidFill>
-                  <a:schemeClr val="tx1"/>
-                </a:solidFill>
-                <a:latin typeface="Courier"/>
-                <a:cs typeface="Courier"/>
-              </a:rPr>
-              <a:t>t</a:t>
-            </a:r>
-            <a:r>
-              <a:rPr lang="en-US" dirty="0" err="1" smtClean="0">
-                <a:solidFill>
-                  <a:schemeClr val="tx1"/>
-                </a:solidFill>
-                <a:latin typeface="Courier"/>
-                <a:cs typeface="Courier"/>
-              </a:rPr>
-              <a:t>xns</a:t>
-            </a:r>
-            <a:endParaRPr lang="en-US" dirty="0" smtClean="0">
-              <a:solidFill>
-                <a:schemeClr val="tx1"/>
-              </a:solidFill>
-              <a:latin typeface="Courier"/>
-              <a:cs typeface="Courier"/>
-            </a:endParaRPr>
-          </a:p>
-          <a:p>
-            <a:r>
-              <a:rPr lang="en-US" dirty="0">
-                <a:solidFill>
-                  <a:schemeClr val="tx1"/>
-                </a:solidFill>
-                <a:latin typeface="Courier"/>
-                <a:cs typeface="Courier"/>
-              </a:rPr>
-              <a:t>n</a:t>
-            </a:r>
-            <a:r>
-              <a:rPr lang="en-US" dirty="0" smtClean="0">
-                <a:solidFill>
-                  <a:schemeClr val="tx1"/>
-                </a:solidFill>
-                <a:latin typeface="Courier"/>
-                <a:cs typeface="Courier"/>
-              </a:rPr>
-              <a:t>once: </a:t>
-            </a:r>
-            <a:r>
-              <a:rPr lang="en-US" dirty="0" smtClean="0">
-                <a:solidFill>
-                  <a:schemeClr val="tx1"/>
-                </a:solidFill>
-                <a:latin typeface="Courier"/>
-                <a:cs typeface="Courier"/>
-              </a:rPr>
-              <a:t>fd1a</a:t>
+              <a:t>once: fd1a</a:t>
             </a:r>
             <a:endParaRPr lang="en-US" dirty="0">
               <a:solidFill>
@@ -7137,17 +6846,92 @@
                 <a:latin typeface="Courier"/>
                 <a:cs typeface="Courier"/>
               </a:rPr>
-              <a:t>ash:</a:t>
-            </a:r>
-            <a:r>
-              <a:rPr lang="en-US" dirty="0" smtClean="0">
+              <a:t>ash:001c </a:t>
+            </a:r>
+          </a:p>
+        </p:txBody>
+      </p:sp>
+      <p:sp>
+        <p:nvSpPr>
+          <p:cNvPr id="53" name="Rectangle 52"/>
+          <p:cNvSpPr/>
+          <p:nvPr/>
+        </p:nvSpPr>
+        <p:spPr>
+          <a:xfrm>
+            <a:off x="337863" y="3795886"/>
+            <a:ext cx="1746161" cy="952443"/>
+          </a:xfrm>
+          <a:prstGeom prst="rect">
+            <a:avLst/>
+          </a:prstGeom>
+          <a:noFill/>
+          <a:ln>
+            <a:solidFill>
+              <a:schemeClr val="tx1"/>
+            </a:solidFill>
+          </a:ln>
+          <a:effectLst/>
+        </p:spPr>
+        <p:style>
+          <a:lnRef idx="1">
+            <a:schemeClr val="accent1"/>
+          </a:lnRef>
+          <a:fillRef idx="3">
+            <a:schemeClr val="accent1"/>
+          </a:fillRef>
+          <a:effectRef idx="2">
+            <a:schemeClr val="accent1"/>
+          </a:effectRef>
+          <a:fontRef idx="minor">
+            <a:schemeClr val="lt1"/>
+          </a:fontRef>
+        </p:style>
+        <p:txBody>
+          <a:bodyPr rtlCol="0" anchor="ctr"/>
+          <a:lstStyle/>
+          <a:p>
+            <a:r>
+              <a:rPr lang="en-US" dirty="0" err="1">
                 <a:solidFill>
                   <a:schemeClr val="tx1"/>
                 </a:solidFill>
                 <a:latin typeface="Courier"/>
                 <a:cs typeface="Courier"/>
               </a:rPr>
-              <a:t>001c </a:t>
+              <a:t>p</a:t>
+            </a:r>
+            <a:r>
+              <a:rPr lang="en-US" dirty="0" err="1" smtClean="0">
+                <a:solidFill>
+                  <a:schemeClr val="tx1"/>
+                </a:solidFill>
+                <a:latin typeface="Courier"/>
+                <a:cs typeface="Courier"/>
+              </a:rPr>
+              <a:t>rev</a:t>
+            </a:r>
+            <a:r>
+              <a:rPr lang="en-US" dirty="0" smtClean="0">
+                <a:solidFill>
+                  <a:schemeClr val="tx1"/>
+                </a:solidFill>
+                <a:latin typeface="Courier"/>
+                <a:cs typeface="Courier"/>
+              </a:rPr>
+              <a:t>: 002b</a:t>
+            </a:r>
+          </a:p>
+          <a:p>
+            <a:r>
+              <a:rPr lang="en-US" dirty="0" err="1" smtClean="0">
+                <a:solidFill>
+                  <a:schemeClr val="tx1"/>
+                </a:solidFill>
+                <a:latin typeface="Courier"/>
+                <a:cs typeface="Courier"/>
+              </a:rPr>
+              <a:t>txns</a:t>
             </a:r>
             <a:endParaRPr lang="en-US" dirty="0" smtClean="0">
               <a:solidFill>
@@ -7157,155 +6941,26 @@
               <a:cs typeface="Courier"/>
             </a:endParaRPr>
           </a:p>
-        </p:txBody>
-      </p:sp>
-      <p:sp>
-        <p:nvSpPr>
-          <p:cNvPr id="53" name="Rectangle 52"/>
-          <p:cNvSpPr/>
-          <p:nvPr/>
-        </p:nvSpPr>
-        <p:spPr>
-          <a:xfrm>
-            <a:off x="337863" y="3795886"/>
-            <a:ext cx="1746161" cy="952443"/>
-          </a:xfrm>
-          <a:prstGeom prst="rect">
-            <a:avLst/>
-          </a:prstGeom>
-          <a:noFill/>
-          <a:ln>
-            <a:solidFill>
-              <a:schemeClr val="tx1"/>
-            </a:solidFill>
-          </a:ln>
-          <a:effectLst/>
-        </p:spPr>
-        <p:style>
-          <a:lnRef idx="1">
-            <a:schemeClr val="accent1"/>
-          </a:lnRef>
-          <a:fillRef idx="3">
-            <a:schemeClr val="accent1"/>
-          </a:fillRef>
-          <a:effectRef idx="2">
-            <a:schemeClr val="accent1"/>
-          </a:effectRef>
-          <a:fontRef idx="minor">
-            <a:schemeClr val="lt1"/>
-          </a:fontRef>
-        </p:style>
-        <p:txBody>
-          <a:bodyPr rtlCol="0" anchor="ctr"/>
-          <a:lstStyle/>
-          <a:p>
-            <a:r>
-              <a:rPr lang="en-US" dirty="0" err="1">
+          <a:p>
+            <a:r>
+              <a:rPr lang="en-US" dirty="0">
                 <a:solidFill>
                   <a:schemeClr val="tx1"/>
                 </a:solidFill>
                 <a:latin typeface="Courier"/>
                 <a:cs typeface="Courier"/>
               </a:rPr>
-              <a:t>p</a:t>
-            </a:r>
-            <a:r>
-              <a:rPr lang="en-US" dirty="0" err="1" smtClean="0">
+              <a:t>n</a:t>
+            </a:r>
+            <a:r>
+              <a:rPr lang="en-US" dirty="0" smtClean="0">
                 <a:solidFill>
                   <a:schemeClr val="tx1"/>
                 </a:solidFill>
                 <a:latin typeface="Courier"/>
                 <a:cs typeface="Courier"/>
               </a:rPr>
-              <a:t>rev</a:t>
-            </a:r>
-            <a:r>
-              <a:rPr lang="en-US" dirty="0" smtClean="0">
-                <a:solidFill>
-                  <a:schemeClr val="tx1"/>
-                </a:solidFill>
-                <a:latin typeface="Courier"/>
-                <a:cs typeface="Courier"/>
-              </a:rPr>
-              <a:t>: </a:t>
-            </a:r>
-            <a:r>
-              <a:rPr lang="en-US" dirty="0" smtClean="0">
-                <a:solidFill>
-                  <a:schemeClr val="tx1"/>
-                </a:solidFill>
-                <a:latin typeface="Courier"/>
-                <a:cs typeface="Courier"/>
-              </a:rPr>
-              <a:t>002b</a:t>
-            </a:r>
-            <a:endParaRPr lang="en-US" dirty="0" smtClean="0">
-              <a:solidFill>
-                <a:schemeClr val="tx1"/>
-              </a:solidFill>
-              <a:latin typeface="Courier"/>
-              <a:cs typeface="Courier"/>
-            </a:endParaRPr>
-          </a:p>
-          <a:p>
-            <a:r>
-              <a:rPr lang="en-US" dirty="0" err="1" smtClean="0">
-                <a:solidFill>
-                  <a:schemeClr val="tx1"/>
-                </a:solidFill>
-                <a:latin typeface="Courier"/>
-                <a:cs typeface="Courier"/>
-              </a:rPr>
-              <a:t>t</a:t>
-            </a:r>
-            <a:r>
-              <a:rPr lang="en-US" dirty="0" err="1" smtClean="0">
-                <a:solidFill>
-                  <a:schemeClr val="tx1"/>
-                </a:solidFill>
-                <a:latin typeface="Courier"/>
-                <a:cs typeface="Courier"/>
-              </a:rPr>
-              <a:t>xns</a:t>
-            </a:r>
-            <a:endParaRPr lang="en-US" dirty="0" smtClean="0">
-              <a:solidFill>
-                <a:schemeClr val="tx1"/>
-              </a:solidFill>
-              <a:latin typeface="Courier"/>
-              <a:cs typeface="Courier"/>
-            </a:endParaRPr>
-          </a:p>
-          <a:p>
-            <a:r>
-              <a:rPr lang="en-US" dirty="0">
-                <a:solidFill>
-                  <a:schemeClr val="tx1"/>
-                </a:solidFill>
-                <a:latin typeface="Courier"/>
-                <a:cs typeface="Courier"/>
-              </a:rPr>
-              <a:t>n</a:t>
-            </a:r>
-            <a:r>
-              <a:rPr lang="en-US" dirty="0" smtClean="0">
-                <a:solidFill>
-                  <a:schemeClr val="tx1"/>
-                </a:solidFill>
-                <a:latin typeface="Courier"/>
-                <a:cs typeface="Courier"/>
-              </a:rPr>
-              <a:t>once: </a:t>
-            </a:r>
-            <a:r>
-              <a:rPr lang="en-US" dirty="0" smtClean="0">
-                <a:solidFill>
-                  <a:schemeClr val="tx1"/>
-                </a:solidFill>
-                <a:latin typeface="Courier"/>
-                <a:cs typeface="Courier"/>
-              </a:rPr>
-              <a:t>34a8</a:t>
+              <a:t>once: 34a8</a:t>
             </a:r>
             <a:endParaRPr lang="en-US" dirty="0">
               <a:solidFill>
@@ -7693,13 +7348,6 @@
               </a:rPr>
               <a:t>Can’t get everyone to upgrade at the same time!</a:t>
             </a:r>
-            <a:endParaRPr lang="en-US" dirty="0" smtClean="0">
-              <a:solidFill>
-                <a:schemeClr val="bg1"/>
-              </a:solidFill>
-              <a:latin typeface="Helvetica Neue"/>
-              <a:cs typeface="Helvetica Neue"/>
-            </a:endParaRPr>
           </a:p>
         </p:txBody>
       </p:sp>
@@ -8164,17 +7812,7 @@
                 <a:latin typeface="Courier"/>
                 <a:cs typeface="Courier"/>
               </a:rPr>
-              <a:t>t</a:t>
-            </a:r>
-            <a:r>
-              <a:rPr lang="en-US" dirty="0" err="1" smtClean="0">
-                <a:solidFill>
-                  <a:schemeClr val="tx1"/>
-                </a:solidFill>
-                <a:latin typeface="Courier"/>
-                <a:cs typeface="Courier"/>
-              </a:rPr>
-              <a:t>xns</a:t>
+              <a:t>txns</a:t>
             </a:r>
             <a:endParaRPr lang="en-US" dirty="0" smtClean="0">
               <a:solidFill>
@@ -8275,17 +7913,92 @@
                 <a:latin typeface="Courier"/>
                 <a:cs typeface="Courier"/>
               </a:rPr>
-              <a:t>ash:</a:t>
-            </a:r>
-            <a:r>
-              <a:rPr lang="en-US" dirty="0" smtClean="0">
+              <a:t>ash:0092 </a:t>
+            </a:r>
+          </a:p>
+        </p:txBody>
+      </p:sp>
+      <p:sp>
+        <p:nvSpPr>
+          <p:cNvPr id="32" name="Rectangle 31"/>
+          <p:cNvSpPr/>
+          <p:nvPr/>
+        </p:nvSpPr>
+        <p:spPr>
+          <a:xfrm>
+            <a:off x="337865" y="1352938"/>
+            <a:ext cx="1746161" cy="952443"/>
+          </a:xfrm>
+          <a:prstGeom prst="rect">
+            <a:avLst/>
+          </a:prstGeom>
+          <a:noFill/>
+          <a:ln>
+            <a:solidFill>
+              <a:schemeClr val="tx1"/>
+            </a:solidFill>
+          </a:ln>
+          <a:effectLst/>
+        </p:spPr>
+        <p:style>
+          <a:lnRef idx="1">
+            <a:schemeClr val="accent1"/>
+          </a:lnRef>
+          <a:fillRef idx="3">
+            <a:schemeClr val="accent1"/>
+          </a:fillRef>
+          <a:effectRef idx="2">
+            <a:schemeClr val="accent1"/>
+          </a:effectRef>
+          <a:fontRef idx="minor">
+            <a:schemeClr val="lt1"/>
+          </a:fontRef>
+        </p:style>
+        <p:txBody>
+          <a:bodyPr rtlCol="0" anchor="ctr"/>
+          <a:lstStyle/>
+          <a:p>
+            <a:r>
+              <a:rPr lang="en-US" dirty="0" err="1">
                 <a:solidFill>
                   <a:schemeClr val="tx1"/>
                 </a:solidFill>
                 <a:latin typeface="Courier"/>
                 <a:cs typeface="Courier"/>
               </a:rPr>
-              <a:t>0092 </a:t>
+              <a:t>p</a:t>
+            </a:r>
+            <a:r>
+              <a:rPr lang="en-US" dirty="0" err="1" smtClean="0">
+                <a:solidFill>
+                  <a:schemeClr val="tx1"/>
+                </a:solidFill>
+                <a:latin typeface="Courier"/>
+                <a:cs typeface="Courier"/>
+              </a:rPr>
+              <a:t>rev</a:t>
+            </a:r>
+            <a:r>
+              <a:rPr lang="en-US" dirty="0" smtClean="0">
+                <a:solidFill>
+                  <a:schemeClr val="tx1"/>
+                </a:solidFill>
+                <a:latin typeface="Courier"/>
+                <a:cs typeface="Courier"/>
+              </a:rPr>
+              <a:t>: 00db</a:t>
+            </a:r>
+          </a:p>
+          <a:p>
+            <a:r>
+              <a:rPr lang="en-US" dirty="0" err="1" smtClean="0">
+                <a:solidFill>
+                  <a:schemeClr val="tx1"/>
+                </a:solidFill>
+                <a:latin typeface="Courier"/>
+                <a:cs typeface="Courier"/>
+              </a:rPr>
+              <a:t>txns</a:t>
             </a:r>
             <a:endParaRPr lang="en-US" dirty="0" smtClean="0">
               <a:solidFill>
@@ -8295,17 +8008,111 @@
               <a:cs typeface="Courier"/>
             </a:endParaRPr>
           </a:p>
-        </p:txBody>
-      </p:sp>
-      <p:sp>
-        <p:nvSpPr>
-          <p:cNvPr id="32" name="Rectangle 31"/>
+          <a:p>
+            <a:r>
+              <a:rPr lang="en-US" dirty="0">
+                <a:solidFill>
+                  <a:schemeClr val="tx1"/>
+                </a:solidFill>
+                <a:latin typeface="Courier"/>
+                <a:cs typeface="Courier"/>
+              </a:rPr>
+              <a:t>n</a:t>
+            </a:r>
+            <a:r>
+              <a:rPr lang="en-US" dirty="0" smtClean="0">
+                <a:solidFill>
+                  <a:schemeClr val="tx1"/>
+                </a:solidFill>
+                <a:latin typeface="Courier"/>
+                <a:cs typeface="Courier"/>
+              </a:rPr>
+              <a:t>once: 582c</a:t>
+            </a:r>
+            <a:endParaRPr lang="en-US" dirty="0">
+              <a:solidFill>
+                <a:schemeClr val="tx1"/>
+              </a:solidFill>
+              <a:latin typeface="Courier"/>
+              <a:cs typeface="Courier"/>
+            </a:endParaRPr>
+          </a:p>
+        </p:txBody>
+      </p:sp>
+      <p:sp>
+        <p:nvSpPr>
+          <p:cNvPr id="33" name="Rectangle 32"/>
           <p:cNvSpPr/>
           <p:nvPr/>
         </p:nvSpPr>
         <p:spPr>
           <a:xfrm>
-            <a:off x="337865" y="1352938"/>
+            <a:off x="2084026" y="2585378"/>
+            <a:ext cx="882286" cy="545728"/>
+          </a:xfrm>
+          <a:prstGeom prst="rect">
+            <a:avLst/>
+          </a:prstGeom>
+          <a:solidFill>
+            <a:schemeClr val="bg1">
+              <a:lumMod val="65000"/>
+            </a:schemeClr>
+          </a:solidFill>
+          <a:ln>
+            <a:noFill/>
+          </a:ln>
+          <a:effectLst/>
+        </p:spPr>
+        <p:style>
+          <a:lnRef idx="1">
+            <a:schemeClr val="accent1"/>
+          </a:lnRef>
+          <a:fillRef idx="3">
+            <a:schemeClr val="accent1"/>
+          </a:fillRef>
+          <a:effectRef idx="2">
+            <a:schemeClr val="accent1"/>
+          </a:effectRef>
+          <a:fontRef idx="minor">
+            <a:schemeClr val="lt1"/>
+          </a:fontRef>
+        </p:style>
+        <p:txBody>
+          <a:bodyPr rtlCol="0" anchor="ctr"/>
+          <a:lstStyle/>
+          <a:p>
+            <a:r>
+              <a:rPr lang="en-US" dirty="0">
+                <a:solidFill>
+                  <a:schemeClr val="tx1"/>
+                </a:solidFill>
+                <a:latin typeface="Courier"/>
+                <a:cs typeface="Courier"/>
+              </a:rPr>
+              <a:t>h</a:t>
+            </a:r>
+            <a:r>
+              <a:rPr lang="en-US" dirty="0" smtClean="0">
+                <a:solidFill>
+                  <a:schemeClr val="tx1"/>
+                </a:solidFill>
+                <a:latin typeface="Courier"/>
+                <a:cs typeface="Courier"/>
+              </a:rPr>
+              <a:t>ash:002b </a:t>
+            </a:r>
+          </a:p>
+        </p:txBody>
+      </p:sp>
+      <p:sp>
+        <p:nvSpPr>
+          <p:cNvPr id="34" name="Rectangle 33"/>
+          <p:cNvSpPr/>
+          <p:nvPr/>
+        </p:nvSpPr>
+        <p:spPr>
+          <a:xfrm>
+            <a:off x="337864" y="2585378"/>
             <a:ext cx="1746161" cy="952443"/>
           </a:xfrm>
           <a:prstGeom prst="rect">
@@ -8365,17 +8172,19 @@
                 <a:latin typeface="Courier"/>
                 <a:cs typeface="Courier"/>
               </a:rPr>
-              <a:t>: </a:t>
-            </a:r>
-            <a:r>
-              <a:rPr lang="en-US" dirty="0" smtClean="0">
+              <a:t>: 0092</a:t>
+            </a:r>
+          </a:p>
+          <a:p>
+            <a:r>
+              <a:rPr lang="en-US" dirty="0" err="1" smtClean="0">
                 <a:solidFill>
                   <a:schemeClr val="tx1"/>
                 </a:solidFill>
                 <a:latin typeface="Courier"/>
                 <a:cs typeface="Courier"/>
               </a:rPr>
-              <a:t>00db</a:t>
+              <a:t>txns</a:t>
             </a:r>
             <a:endParaRPr lang="en-US" dirty="0" smtClean="0">
               <a:solidFill>
@@ -8387,303 +8196,24 @@
           </a:p>
           <a:p>
             <a:r>
-              <a:rPr lang="en-US" dirty="0" err="1" smtClean="0">
+              <a:rPr lang="en-US" dirty="0">
                 <a:solidFill>
                   <a:schemeClr val="tx1"/>
                 </a:solidFill>
                 <a:latin typeface="Courier"/>
                 <a:cs typeface="Courier"/>
               </a:rPr>
-              <a:t>t</a:t>
-            </a:r>
-            <a:r>
-              <a:rPr lang="en-US" dirty="0" err="1" smtClean="0">
+              <a:t>n</a:t>
+            </a:r>
+            <a:r>
+              <a:rPr lang="en-US" dirty="0" smtClean="0">
                 <a:solidFill>
                   <a:schemeClr val="tx1"/>
                 </a:solidFill>
                 <a:latin typeface="Courier"/>
                 <a:cs typeface="Courier"/>
               </a:rPr>
-              <a:t>xns</a:t>
-            </a:r>
-            <a:endParaRPr lang="en-US" dirty="0" smtClean="0">
-              <a:solidFill>
-                <a:schemeClr val="tx1"/>
-              </a:solidFill>
-              <a:latin typeface="Courier"/>
-              <a:cs typeface="Courier"/>
-            </a:endParaRPr>
-          </a:p>
-          <a:p>
-            <a:r>
-              <a:rPr lang="en-US" dirty="0">
-                <a:solidFill>
-                  <a:schemeClr val="tx1"/>
-                </a:solidFill>
-                <a:latin typeface="Courier"/>
-                <a:cs typeface="Courier"/>
-              </a:rPr>
-              <a:t>n</a:t>
-            </a:r>
-            <a:r>
-              <a:rPr lang="en-US" dirty="0" smtClean="0">
-                <a:solidFill>
-                  <a:schemeClr val="tx1"/>
-                </a:solidFill>
-                <a:latin typeface="Courier"/>
-                <a:cs typeface="Courier"/>
-              </a:rPr>
-              <a:t>once: </a:t>
-            </a:r>
-            <a:r>
-              <a:rPr lang="en-US" dirty="0" smtClean="0">
-                <a:solidFill>
-                  <a:schemeClr val="tx1"/>
-                </a:solidFill>
-                <a:latin typeface="Courier"/>
-                <a:cs typeface="Courier"/>
-              </a:rPr>
-              <a:t>582c</a:t>
-            </a:r>
-            <a:endParaRPr lang="en-US" dirty="0">
-              <a:solidFill>
-                <a:schemeClr val="tx1"/>
-              </a:solidFill>
-              <a:latin typeface="Courier"/>
-              <a:cs typeface="Courier"/>
-            </a:endParaRPr>
-          </a:p>
-        </p:txBody>
-      </p:sp>
-      <p:sp>
-        <p:nvSpPr>
-          <p:cNvPr id="33" name="Rectangle 32"/>
-          <p:cNvSpPr/>
-          <p:nvPr/>
-        </p:nvSpPr>
-        <p:spPr>
-          <a:xfrm>
-            <a:off x="2084026" y="2585378"/>
-            <a:ext cx="882286" cy="545728"/>
-          </a:xfrm>
-          <a:prstGeom prst="rect">
-            <a:avLst/>
-          </a:prstGeom>
-          <a:solidFill>
-            <a:schemeClr val="bg1">
-              <a:lumMod val="65000"/>
-            </a:schemeClr>
-          </a:solidFill>
-          <a:ln>
-            <a:noFill/>
-          </a:ln>
-          <a:effectLst/>
-        </p:spPr>
-        <p:style>
-          <a:lnRef idx="1">
-            <a:schemeClr val="accent1"/>
-          </a:lnRef>
-          <a:fillRef idx="3">
-            <a:schemeClr val="accent1"/>
-          </a:fillRef>
-          <a:effectRef idx="2">
-            <a:schemeClr val="accent1"/>
-          </a:effectRef>
-          <a:fontRef idx="minor">
-            <a:schemeClr val="lt1"/>
-          </a:fontRef>
-        </p:style>
-        <p:txBody>
-          <a:bodyPr rtlCol="0" anchor="ctr"/>
-          <a:lstStyle/>
-          <a:p>
-            <a:r>
-              <a:rPr lang="en-US" dirty="0">
-                <a:solidFill>
-                  <a:schemeClr val="tx1"/>
-                </a:solidFill>
-                <a:latin typeface="Courier"/>
-                <a:cs typeface="Courier"/>
-              </a:rPr>
-              <a:t>h</a:t>
-            </a:r>
-            <a:r>
-              <a:rPr lang="en-US" dirty="0" smtClean="0">
-                <a:solidFill>
-                  <a:schemeClr val="tx1"/>
-                </a:solidFill>
-                <a:latin typeface="Courier"/>
-                <a:cs typeface="Courier"/>
-              </a:rPr>
-              <a:t>ash:</a:t>
-            </a:r>
-            <a:r>
-              <a:rPr lang="en-US" dirty="0" smtClean="0">
-                <a:solidFill>
-                  <a:schemeClr val="tx1"/>
-                </a:solidFill>
-                <a:latin typeface="Courier"/>
-                <a:cs typeface="Courier"/>
-              </a:rPr>
-              <a:t>002b </a:t>
-            </a:r>
-            <a:endParaRPr lang="en-US" dirty="0" smtClean="0">
-              <a:solidFill>
-                <a:schemeClr val="tx1"/>
-              </a:solidFill>
-              <a:latin typeface="Courier"/>
-              <a:cs typeface="Courier"/>
-            </a:endParaRPr>
-          </a:p>
-        </p:txBody>
-      </p:sp>
-      <p:sp>
-        <p:nvSpPr>
-          <p:cNvPr id="34" name="Rectangle 33"/>
-          <p:cNvSpPr/>
-          <p:nvPr/>
-        </p:nvSpPr>
-        <p:spPr>
-          <a:xfrm>
-            <a:off x="337864" y="2585378"/>
-            <a:ext cx="1746161" cy="952443"/>
-          </a:xfrm>
-          <a:prstGeom prst="rect">
-            <a:avLst/>
-          </a:prstGeom>
-          <a:noFill/>
-          <a:ln>
-            <a:solidFill>
-              <a:schemeClr val="tx1"/>
-            </a:solidFill>
-          </a:ln>
-          <a:effectLst/>
-        </p:spPr>
-        <p:style>
-          <a:lnRef idx="1">
-            <a:schemeClr val="accent1"/>
-          </a:lnRef>
-          <a:fillRef idx="3">
-            <a:schemeClr val="accent1"/>
-          </a:fillRef>
-          <a:effectRef idx="2">
-            <a:schemeClr val="accent1"/>
-          </a:effectRef>
-          <a:fontRef idx="minor">
-            <a:schemeClr val="lt1"/>
-          </a:fontRef>
-        </p:style>
-        <p:txBody>
-          <a:bodyPr rtlCol="0" anchor="ctr"/>
-          <a:lstStyle/>
-          <a:p>
-            <a:r>
-              <a:rPr lang="en-US" dirty="0" err="1">
-                <a:solidFill>
-                  <a:schemeClr val="tx1"/>
-                </a:solidFill>
-                <a:latin typeface="Courier"/>
-                <a:cs typeface="Courier"/>
-              </a:rPr>
-              <a:t>p</a:t>
-            </a:r>
-            <a:r>
-              <a:rPr lang="en-US" dirty="0" err="1" smtClean="0">
-                <a:solidFill>
-                  <a:schemeClr val="tx1"/>
-                </a:solidFill>
-                <a:latin typeface="Courier"/>
-                <a:cs typeface="Courier"/>
-              </a:rPr>
-              <a:t>rev</a:t>
-            </a:r>
-            <a:r>
-              <a:rPr lang="en-US" dirty="0" smtClean="0">
-                <a:solidFill>
-                  <a:schemeClr val="tx1"/>
-                </a:solidFill>
-                <a:latin typeface="Courier"/>
-                <a:cs typeface="Courier"/>
-              </a:rPr>
-              <a:t>: </a:t>
-            </a:r>
-            <a:r>
-              <a:rPr lang="en-US" dirty="0" smtClean="0">
-                <a:solidFill>
-                  <a:schemeClr val="tx1"/>
-                </a:solidFill>
-                <a:latin typeface="Courier"/>
-                <a:cs typeface="Courier"/>
-              </a:rPr>
-              <a:t>0092</a:t>
-            </a:r>
-            <a:endParaRPr lang="en-US" dirty="0" smtClean="0">
-              <a:solidFill>
-                <a:schemeClr val="tx1"/>
-              </a:solidFill>
-              <a:latin typeface="Courier"/>
-              <a:cs typeface="Courier"/>
-            </a:endParaRPr>
-          </a:p>
-          <a:p>
-            <a:r>
-              <a:rPr lang="en-US" dirty="0" err="1" smtClean="0">
-                <a:solidFill>
-                  <a:schemeClr val="tx1"/>
-                </a:solidFill>
-                <a:latin typeface="Courier"/>
-                <a:cs typeface="Courier"/>
-              </a:rPr>
-              <a:t>t</a:t>
-            </a:r>
-            <a:r>
-              <a:rPr lang="en-US" dirty="0" err="1" smtClean="0">
-                <a:solidFill>
-                  <a:schemeClr val="tx1"/>
-                </a:solidFill>
-                <a:latin typeface="Courier"/>
-                <a:cs typeface="Courier"/>
-              </a:rPr>
-              <a:t>xns</a:t>
-            </a:r>
-            <a:endParaRPr lang="en-US" dirty="0" smtClean="0">
-              <a:solidFill>
-                <a:schemeClr val="tx1"/>
-              </a:solidFill>
-              <a:latin typeface="Courier"/>
-              <a:cs typeface="Courier"/>
-            </a:endParaRPr>
-          </a:p>
-          <a:p>
-            <a:r>
-              <a:rPr lang="en-US" dirty="0">
-                <a:solidFill>
-                  <a:schemeClr val="tx1"/>
-                </a:solidFill>
-                <a:latin typeface="Courier"/>
-                <a:cs typeface="Courier"/>
-              </a:rPr>
-              <a:t>n</a:t>
-            </a:r>
-            <a:r>
-              <a:rPr lang="en-US" dirty="0" smtClean="0">
-                <a:solidFill>
-                  <a:schemeClr val="tx1"/>
-                </a:solidFill>
-                <a:latin typeface="Courier"/>
-                <a:cs typeface="Courier"/>
-              </a:rPr>
-              <a:t>once: </a:t>
-            </a:r>
-            <a:r>
-              <a:rPr lang="en-US" dirty="0" smtClean="0">
-                <a:solidFill>
-                  <a:schemeClr val="tx1"/>
-                </a:solidFill>
-                <a:latin typeface="Courier"/>
-                <a:cs typeface="Courier"/>
-              </a:rPr>
-              <a:t>fd1a</a:t>
+              <a:t>once: fd1a</a:t>
             </a:r>
             <a:endParaRPr lang="en-US" dirty="0">
               <a:solidFill>
@@ -8921,25 +8451,8 @@
                 <a:latin typeface="Courier"/>
                 <a:cs typeface="Courier"/>
               </a:rPr>
-              <a:t>ash:</a:t>
-            </a:r>
-            <a:r>
-              <a:rPr lang="en-US" dirty="0" smtClean="0">
-                <a:solidFill>
-                  <a:schemeClr val="tx1"/>
-                </a:solidFill>
-                <a:latin typeface="Courier"/>
-                <a:cs typeface="Courier"/>
-              </a:rPr>
-              <a:t>001c </a:t>
-            </a:r>
-            <a:endParaRPr lang="en-US" dirty="0" smtClean="0">
-              <a:solidFill>
-                <a:schemeClr val="tx1"/>
-              </a:solidFill>
-              <a:latin typeface="Courier"/>
-              <a:cs typeface="Courier"/>
-            </a:endParaRPr>
+              <a:t>ash:001c </a:t>
+            </a:r>
           </a:p>
         </p:txBody>
       </p:sp>
@@ -9011,95 +8524,61 @@
                 <a:latin typeface="Courier"/>
                 <a:cs typeface="Courier"/>
               </a:rPr>
-              <a:t>: </a:t>
-            </a:r>
-            <a:r>
-              <a:rPr lang="en-US" dirty="0" smtClean="0">
+              <a:t>: 002b</a:t>
+            </a:r>
+          </a:p>
+          <a:p>
+            <a:r>
+              <a:rPr lang="en-US" dirty="0" err="1">
                 <a:solidFill>
                   <a:schemeClr val="tx1"/>
                 </a:solidFill>
                 <a:latin typeface="Courier"/>
                 <a:cs typeface="Courier"/>
               </a:rPr>
-              <a:t>002b</a:t>
-            </a:r>
-            <a:endParaRPr lang="en-US" dirty="0" smtClean="0">
-              <a:solidFill>
-                <a:schemeClr val="tx1"/>
-              </a:solidFill>
-              <a:latin typeface="Courier"/>
-              <a:cs typeface="Courier"/>
-            </a:endParaRPr>
-          </a:p>
-          <a:p>
-            <a:r>
-              <a:rPr lang="en-US" dirty="0" err="1">
+              <a:t>t</a:t>
+            </a:r>
+            <a:r>
+              <a:rPr lang="en-US" dirty="0" err="1" smtClean="0">
                 <a:solidFill>
                   <a:schemeClr val="tx1"/>
                 </a:solidFill>
                 <a:latin typeface="Courier"/>
                 <a:cs typeface="Courier"/>
               </a:rPr>
-              <a:t>t</a:t>
-            </a:r>
-            <a:r>
-              <a:rPr lang="en-US" dirty="0" err="1" smtClean="0">
+              <a:t>xns</a:t>
+            </a:r>
+            <a:r>
+              <a:rPr lang="en-US" dirty="0" smtClean="0">
                 <a:solidFill>
                   <a:schemeClr val="tx1"/>
                 </a:solidFill>
                 <a:latin typeface="Courier"/>
                 <a:cs typeface="Courier"/>
               </a:rPr>
-              <a:t>xns</a:t>
-            </a:r>
-            <a:r>
-              <a:rPr lang="en-US" dirty="0" smtClean="0">
+              <a:t> v1</a:t>
+            </a:r>
+          </a:p>
+          <a:p>
+            <a:r>
+              <a:rPr lang="en-US" dirty="0">
                 <a:solidFill>
                   <a:schemeClr val="tx1"/>
                 </a:solidFill>
                 <a:latin typeface="Courier"/>
                 <a:cs typeface="Courier"/>
               </a:rPr>
-              <a:t> v1</a:t>
-            </a:r>
-            <a:endParaRPr lang="en-US" dirty="0" smtClean="0">
-              <a:solidFill>
-                <a:schemeClr val="tx1"/>
-              </a:solidFill>
-              <a:latin typeface="Courier"/>
-              <a:cs typeface="Courier"/>
-            </a:endParaRPr>
-          </a:p>
-          <a:p>
-            <a:r>
-              <a:rPr lang="en-US" dirty="0">
+              <a:t>n</a:t>
+            </a:r>
+            <a:r>
+              <a:rPr lang="en-US" dirty="0" smtClean="0">
                 <a:solidFill>
                   <a:schemeClr val="tx1"/>
                 </a:solidFill>
                 <a:latin typeface="Courier"/>
                 <a:cs typeface="Courier"/>
               </a:rPr>
-              <a:t>n</a:t>
-            </a:r>
-            <a:r>
-              <a:rPr lang="en-US" dirty="0" smtClean="0">
-                <a:solidFill>
-                  <a:schemeClr val="tx1"/>
-                </a:solidFill>
-                <a:latin typeface="Courier"/>
-                <a:cs typeface="Courier"/>
-              </a:rPr>
-              <a:t>once: </a:t>
-            </a:r>
-            <a:r>
-              <a:rPr lang="en-US" dirty="0" smtClean="0">
-                <a:solidFill>
-                  <a:schemeClr val="tx1"/>
-                </a:solidFill>
-                <a:latin typeface="Courier"/>
-                <a:cs typeface="Courier"/>
-              </a:rPr>
-              <a:t>34a8</a:t>
+              <a:t>once: 34a8</a:t>
             </a:r>
             <a:endParaRPr lang="en-US" dirty="0">
               <a:solidFill>
@@ -9869,17 +9348,7 @@
                 <a:latin typeface="Courier"/>
                 <a:cs typeface="Courier"/>
               </a:rPr>
-              <a:t>t</a:t>
-            </a:r>
-            <a:r>
-              <a:rPr lang="en-US" dirty="0" err="1" smtClean="0">
-                <a:solidFill>
-                  <a:schemeClr val="tx1"/>
-                </a:solidFill>
-                <a:latin typeface="Courier"/>
-                <a:cs typeface="Courier"/>
-              </a:rPr>
-              <a:t>xns</a:t>
+              <a:t>txns</a:t>
             </a:r>
             <a:endParaRPr lang="en-US" dirty="0" smtClean="0">
               <a:solidFill>
@@ -9980,17 +9449,94 @@
                 <a:latin typeface="Courier"/>
                 <a:cs typeface="Courier"/>
               </a:rPr>
-              <a:t>ash:</a:t>
-            </a:r>
-            <a:r>
-              <a:rPr lang="en-US" dirty="0" smtClean="0">
+              <a:t>ash:0092 </a:t>
+            </a:r>
+          </a:p>
+        </p:txBody>
+      </p:sp>
+      <p:sp>
+        <p:nvSpPr>
+          <p:cNvPr id="32" name="Rectangle 31"/>
+          <p:cNvSpPr/>
+          <p:nvPr/>
+        </p:nvSpPr>
+        <p:spPr>
+          <a:xfrm>
+            <a:off x="337865" y="1352938"/>
+            <a:ext cx="1746161" cy="952443"/>
+          </a:xfrm>
+          <a:prstGeom prst="rect">
+            <a:avLst/>
+          </a:prstGeom>
+          <a:solidFill>
+            <a:schemeClr val="bg1"/>
+          </a:solidFill>
+          <a:ln>
+            <a:solidFill>
+              <a:schemeClr val="tx1"/>
+            </a:solidFill>
+          </a:ln>
+          <a:effectLst/>
+        </p:spPr>
+        <p:style>
+          <a:lnRef idx="1">
+            <a:schemeClr val="accent1"/>
+          </a:lnRef>
+          <a:fillRef idx="3">
+            <a:schemeClr val="accent1"/>
+          </a:fillRef>
+          <a:effectRef idx="2">
+            <a:schemeClr val="accent1"/>
+          </a:effectRef>
+          <a:fontRef idx="minor">
+            <a:schemeClr val="lt1"/>
+          </a:fontRef>
+        </p:style>
+        <p:txBody>
+          <a:bodyPr rtlCol="0" anchor="ctr"/>
+          <a:lstStyle/>
+          <a:p>
+            <a:r>
+              <a:rPr lang="en-US" dirty="0" err="1">
                 <a:solidFill>
                   <a:schemeClr val="tx1"/>
                 </a:solidFill>
                 <a:latin typeface="Courier"/>
                 <a:cs typeface="Courier"/>
               </a:rPr>
-              <a:t>0092 </a:t>
+              <a:t>p</a:t>
+            </a:r>
+            <a:r>
+              <a:rPr lang="en-US" dirty="0" err="1" smtClean="0">
+                <a:solidFill>
+                  <a:schemeClr val="tx1"/>
+                </a:solidFill>
+                <a:latin typeface="Courier"/>
+                <a:cs typeface="Courier"/>
+              </a:rPr>
+              <a:t>rev</a:t>
+            </a:r>
+            <a:r>
+              <a:rPr lang="en-US" dirty="0" smtClean="0">
+                <a:solidFill>
+                  <a:schemeClr val="tx1"/>
+                </a:solidFill>
+                <a:latin typeface="Courier"/>
+                <a:cs typeface="Courier"/>
+              </a:rPr>
+              <a:t>: 00db</a:t>
+            </a:r>
+          </a:p>
+          <a:p>
+            <a:r>
+              <a:rPr lang="en-US" dirty="0" err="1" smtClean="0">
+                <a:solidFill>
+                  <a:schemeClr val="tx1"/>
+                </a:solidFill>
+                <a:latin typeface="Courier"/>
+                <a:cs typeface="Courier"/>
+              </a:rPr>
+              <a:t>txns</a:t>
             </a:r>
             <a:endParaRPr lang="en-US" dirty="0" smtClean="0">
               <a:solidFill>
@@ -10000,17 +9546,111 @@
               <a:cs typeface="Courier"/>
             </a:endParaRPr>
           </a:p>
-        </p:txBody>
-      </p:sp>
-      <p:sp>
-        <p:nvSpPr>
-          <p:cNvPr id="32" name="Rectangle 31"/>
+          <a:p>
+            <a:r>
+              <a:rPr lang="en-US" dirty="0">
+                <a:solidFill>
+                  <a:schemeClr val="tx1"/>
+                </a:solidFill>
+                <a:latin typeface="Courier"/>
+                <a:cs typeface="Courier"/>
+              </a:rPr>
+              <a:t>n</a:t>
+            </a:r>
+            <a:r>
+              <a:rPr lang="en-US" dirty="0" smtClean="0">
+                <a:solidFill>
+                  <a:schemeClr val="tx1"/>
+                </a:solidFill>
+                <a:latin typeface="Courier"/>
+                <a:cs typeface="Courier"/>
+              </a:rPr>
+              <a:t>once: 582c</a:t>
+            </a:r>
+            <a:endParaRPr lang="en-US" dirty="0">
+              <a:solidFill>
+                <a:schemeClr val="tx1"/>
+              </a:solidFill>
+              <a:latin typeface="Courier"/>
+              <a:cs typeface="Courier"/>
+            </a:endParaRPr>
+          </a:p>
+        </p:txBody>
+      </p:sp>
+      <p:sp>
+        <p:nvSpPr>
+          <p:cNvPr id="33" name="Rectangle 32"/>
           <p:cNvSpPr/>
           <p:nvPr/>
         </p:nvSpPr>
         <p:spPr>
           <a:xfrm>
-            <a:off x="337865" y="1352938"/>
+            <a:off x="2084026" y="2585378"/>
+            <a:ext cx="882286" cy="545728"/>
+          </a:xfrm>
+          <a:prstGeom prst="rect">
+            <a:avLst/>
+          </a:prstGeom>
+          <a:solidFill>
+            <a:schemeClr val="bg1">
+              <a:lumMod val="65000"/>
+            </a:schemeClr>
+          </a:solidFill>
+          <a:ln>
+            <a:noFill/>
+          </a:ln>
+          <a:effectLst/>
+        </p:spPr>
+        <p:style>
+          <a:lnRef idx="1">
+            <a:schemeClr val="accent1"/>
+          </a:lnRef>
+          <a:fillRef idx="3">
+            <a:schemeClr val="accent1"/>
+          </a:fillRef>
+          <a:effectRef idx="2">
+            <a:schemeClr val="accent1"/>
+          </a:effectRef>
+          <a:fontRef idx="minor">
+            <a:schemeClr val="lt1"/>
+          </a:fontRef>
+        </p:style>
+        <p:txBody>
+          <a:bodyPr rtlCol="0" anchor="ctr"/>
+          <a:lstStyle/>
+          <a:p>
+            <a:r>
+              <a:rPr lang="en-US" dirty="0">
+                <a:solidFill>
+                  <a:schemeClr val="tx1"/>
+                </a:solidFill>
+                <a:latin typeface="Courier"/>
+                <a:cs typeface="Courier"/>
+              </a:rPr>
+              <a:t>h</a:t>
+            </a:r>
+            <a:r>
+              <a:rPr lang="en-US" dirty="0" smtClean="0">
+                <a:solidFill>
+                  <a:schemeClr val="tx1"/>
+                </a:solidFill>
+                <a:latin typeface="Courier"/>
+                <a:cs typeface="Courier"/>
+              </a:rPr>
+              <a:t>ash:002b </a:t>
+            </a:r>
+          </a:p>
+        </p:txBody>
+      </p:sp>
+      <p:sp>
+        <p:nvSpPr>
+          <p:cNvPr id="34" name="Rectangle 33"/>
+          <p:cNvSpPr/>
+          <p:nvPr/>
+        </p:nvSpPr>
+        <p:spPr>
+          <a:xfrm>
+            <a:off x="337864" y="2585378"/>
             <a:ext cx="1746161" cy="952443"/>
           </a:xfrm>
           <a:prstGeom prst="rect">
@@ -10072,17 +9712,19 @@
                 <a:latin typeface="Courier"/>
                 <a:cs typeface="Courier"/>
               </a:rPr>
-              <a:t>: </a:t>
-            </a:r>
-            <a:r>
-              <a:rPr lang="en-US" dirty="0" smtClean="0">
+              <a:t>: 0092</a:t>
+            </a:r>
+          </a:p>
+          <a:p>
+            <a:r>
+              <a:rPr lang="en-US" dirty="0" err="1" smtClean="0">
                 <a:solidFill>
                   <a:schemeClr val="tx1"/>
                 </a:solidFill>
                 <a:latin typeface="Courier"/>
                 <a:cs typeface="Courier"/>
               </a:rPr>
-              <a:t>00db</a:t>
+              <a:t>txns</a:t>
             </a:r>
             <a:endParaRPr lang="en-US" dirty="0" smtClean="0">
               <a:solidFill>
@@ -10094,305 +9736,24 @@
           </a:p>
           <a:p>
             <a:r>
-              <a:rPr lang="en-US" dirty="0" err="1" smtClean="0">
+              <a:rPr lang="en-US" dirty="0">
                 <a:solidFill>
                   <a:schemeClr val="tx1"/>
                 </a:solidFill>
                 <a:latin typeface="Courier"/>
                 <a:cs typeface="Courier"/>
               </a:rPr>
-              <a:t>t</a:t>
-            </a:r>
-            <a:r>
-              <a:rPr lang="en-US" dirty="0" err="1" smtClean="0">
+              <a:t>n</a:t>
+            </a:r>
+            <a:r>
+              <a:rPr lang="en-US" dirty="0" smtClean="0">
                 <a:solidFill>
                   <a:schemeClr val="tx1"/>
                 </a:solidFill>
                 <a:latin typeface="Courier"/>
                 <a:cs typeface="Courier"/>
               </a:rPr>
-              <a:t>xns</a:t>
-            </a:r>
-            <a:endParaRPr lang="en-US" dirty="0" smtClean="0">
-              <a:solidFill>
-                <a:schemeClr val="tx1"/>
-              </a:solidFill>
-              <a:latin typeface="Courier"/>
-              <a:cs typeface="Courier"/>
-            </a:endParaRPr>
-          </a:p>
-          <a:p>
-            <a:r>
-              <a:rPr lang="en-US" dirty="0">
-                <a:solidFill>
-                  <a:schemeClr val="tx1"/>
-                </a:solidFill>
-                <a:latin typeface="Courier"/>
-                <a:cs typeface="Courier"/>
-              </a:rPr>
-              <a:t>n</a:t>
-            </a:r>
-            <a:r>
-              <a:rPr lang="en-US" dirty="0" smtClean="0">
-                <a:solidFill>
-                  <a:schemeClr val="tx1"/>
-                </a:solidFill>
-                <a:latin typeface="Courier"/>
-                <a:cs typeface="Courier"/>
-              </a:rPr>
-              <a:t>once: </a:t>
-            </a:r>
-            <a:r>
-              <a:rPr lang="en-US" dirty="0" smtClean="0">
-                <a:solidFill>
-                  <a:schemeClr val="tx1"/>
-                </a:solidFill>
-                <a:latin typeface="Courier"/>
-                <a:cs typeface="Courier"/>
-              </a:rPr>
-              <a:t>582c</a:t>
-            </a:r>
-            <a:endParaRPr lang="en-US" dirty="0">
-              <a:solidFill>
-                <a:schemeClr val="tx1"/>
-              </a:solidFill>
-              <a:latin typeface="Courier"/>
-              <a:cs typeface="Courier"/>
-            </a:endParaRPr>
-          </a:p>
-        </p:txBody>
-      </p:sp>
-      <p:sp>
-        <p:nvSpPr>
-          <p:cNvPr id="33" name="Rectangle 32"/>
-          <p:cNvSpPr/>
-          <p:nvPr/>
-        </p:nvSpPr>
-        <p:spPr>
-          <a:xfrm>
-            <a:off x="2084026" y="2585378"/>
-            <a:ext cx="882286" cy="545728"/>
-          </a:xfrm>
-          <a:prstGeom prst="rect">
-            <a:avLst/>
-          </a:prstGeom>
-          <a:solidFill>
-            <a:schemeClr val="bg1">
-              <a:lumMod val="65000"/>
-            </a:schemeClr>
-          </a:solidFill>
-          <a:ln>
-            <a:noFill/>
-          </a:ln>
-          <a:effectLst/>
-        </p:spPr>
-        <p:style>
-          <a:lnRef idx="1">
-            <a:schemeClr val="accent1"/>
-          </a:lnRef>
-          <a:fillRef idx="3">
-            <a:schemeClr val="accent1"/>
-          </a:fillRef>
-          <a:effectRef idx="2">
-            <a:schemeClr val="accent1"/>
-          </a:effectRef>
-          <a:fontRef idx="minor">
-            <a:schemeClr val="lt1"/>
-          </a:fontRef>
-        </p:style>
-        <p:txBody>
-          <a:bodyPr rtlCol="0" anchor="ctr"/>
-          <a:lstStyle/>
-          <a:p>
-            <a:r>
-              <a:rPr lang="en-US" dirty="0">
-                <a:solidFill>
-                  <a:schemeClr val="tx1"/>
-                </a:solidFill>
-                <a:latin typeface="Courier"/>
-                <a:cs typeface="Courier"/>
-              </a:rPr>
-              <a:t>h</a:t>
-            </a:r>
-            <a:r>
-              <a:rPr lang="en-US" dirty="0" smtClean="0">
-                <a:solidFill>
-                  <a:schemeClr val="tx1"/>
-                </a:solidFill>
-                <a:latin typeface="Courier"/>
-                <a:cs typeface="Courier"/>
-              </a:rPr>
-              <a:t>ash:</a:t>
-            </a:r>
-            <a:r>
-              <a:rPr lang="en-US" dirty="0" smtClean="0">
-                <a:solidFill>
-                  <a:schemeClr val="tx1"/>
-                </a:solidFill>
-                <a:latin typeface="Courier"/>
-                <a:cs typeface="Courier"/>
-              </a:rPr>
-              <a:t>002b </a:t>
-            </a:r>
-            <a:endParaRPr lang="en-US" dirty="0" smtClean="0">
-              <a:solidFill>
-                <a:schemeClr val="tx1"/>
-              </a:solidFill>
-              <a:latin typeface="Courier"/>
-              <a:cs typeface="Courier"/>
-            </a:endParaRPr>
-          </a:p>
-        </p:txBody>
-      </p:sp>
-      <p:sp>
-        <p:nvSpPr>
-          <p:cNvPr id="34" name="Rectangle 33"/>
-          <p:cNvSpPr/>
-          <p:nvPr/>
-        </p:nvSpPr>
-        <p:spPr>
-          <a:xfrm>
-            <a:off x="337864" y="2585378"/>
-            <a:ext cx="1746161" cy="952443"/>
-          </a:xfrm>
-          <a:prstGeom prst="rect">
-            <a:avLst/>
-          </a:prstGeom>
-          <a:solidFill>
-            <a:schemeClr val="bg1"/>
-          </a:solidFill>
-          <a:ln>
-            <a:solidFill>
-              <a:schemeClr val="tx1"/>
-            </a:solidFill>
-          </a:ln>
-          <a:effectLst/>
-        </p:spPr>
-        <p:style>
-          <a:lnRef idx="1">
-            <a:schemeClr val="accent1"/>
-          </a:lnRef>
-          <a:fillRef idx="3">
-            <a:schemeClr val="accent1"/>
-          </a:fillRef>
-          <a:effectRef idx="2">
-            <a:schemeClr val="accent1"/>
-          </a:effectRef>
-          <a:fontRef idx="minor">
-            <a:schemeClr val="lt1"/>
-          </a:fontRef>
-        </p:style>
-        <p:txBody>
-          <a:bodyPr rtlCol="0" anchor="ctr"/>
-          <a:lstStyle/>
-          <a:p>
-            <a:r>
-              <a:rPr lang="en-US" dirty="0" err="1">
-                <a:solidFill>
-                  <a:schemeClr val="tx1"/>
-                </a:solidFill>
-                <a:latin typeface="Courier"/>
-                <a:cs typeface="Courier"/>
-              </a:rPr>
-              <a:t>p</a:t>
-            </a:r>
-            <a:r>
-              <a:rPr lang="en-US" dirty="0" err="1" smtClean="0">
-                <a:solidFill>
-                  <a:schemeClr val="tx1"/>
-                </a:solidFill>
-                <a:latin typeface="Courier"/>
-                <a:cs typeface="Courier"/>
-              </a:rPr>
-              <a:t>rev</a:t>
-            </a:r>
-            <a:r>
-              <a:rPr lang="en-US" dirty="0" smtClean="0">
-                <a:solidFill>
-                  <a:schemeClr val="tx1"/>
-                </a:solidFill>
-                <a:latin typeface="Courier"/>
-                <a:cs typeface="Courier"/>
-              </a:rPr>
-              <a:t>: </a:t>
-            </a:r>
-            <a:r>
-              <a:rPr lang="en-US" dirty="0" smtClean="0">
-                <a:solidFill>
-                  <a:schemeClr val="tx1"/>
-                </a:solidFill>
-                <a:latin typeface="Courier"/>
-                <a:cs typeface="Courier"/>
-              </a:rPr>
-              <a:t>0092</a:t>
-            </a:r>
-            <a:endParaRPr lang="en-US" dirty="0" smtClean="0">
-              <a:solidFill>
-                <a:schemeClr val="tx1"/>
-              </a:solidFill>
-              <a:latin typeface="Courier"/>
-              <a:cs typeface="Courier"/>
-            </a:endParaRPr>
-          </a:p>
-          <a:p>
-            <a:r>
-              <a:rPr lang="en-US" dirty="0" err="1" smtClean="0">
-                <a:solidFill>
-                  <a:schemeClr val="tx1"/>
-                </a:solidFill>
-                <a:latin typeface="Courier"/>
-                <a:cs typeface="Courier"/>
-              </a:rPr>
-              <a:t>t</a:t>
-            </a:r>
-            <a:r>
-              <a:rPr lang="en-US" dirty="0" err="1" smtClean="0">
-                <a:solidFill>
-                  <a:schemeClr val="tx1"/>
-                </a:solidFill>
-                <a:latin typeface="Courier"/>
-                <a:cs typeface="Courier"/>
-              </a:rPr>
-              <a:t>xns</a:t>
-            </a:r>
-            <a:endParaRPr lang="en-US" dirty="0" smtClean="0">
-              <a:solidFill>
-                <a:schemeClr val="tx1"/>
-              </a:solidFill>
-              <a:latin typeface="Courier"/>
-              <a:cs typeface="Courier"/>
-            </a:endParaRPr>
-          </a:p>
-          <a:p>
-            <a:r>
-              <a:rPr lang="en-US" dirty="0">
-                <a:solidFill>
-                  <a:schemeClr val="tx1"/>
-                </a:solidFill>
-                <a:latin typeface="Courier"/>
-                <a:cs typeface="Courier"/>
-              </a:rPr>
-              <a:t>n</a:t>
-            </a:r>
-            <a:r>
-              <a:rPr lang="en-US" dirty="0" smtClean="0">
-                <a:solidFill>
-                  <a:schemeClr val="tx1"/>
-                </a:solidFill>
-                <a:latin typeface="Courier"/>
-                <a:cs typeface="Courier"/>
-              </a:rPr>
-              <a:t>once: </a:t>
-            </a:r>
-            <a:r>
-              <a:rPr lang="en-US" dirty="0" smtClean="0">
-                <a:solidFill>
-                  <a:schemeClr val="tx1"/>
-                </a:solidFill>
-                <a:latin typeface="Courier"/>
-                <a:cs typeface="Courier"/>
-              </a:rPr>
-              <a:t>fd1a</a:t>
+              <a:t>once: fd1a</a:t>
             </a:r>
             <a:endParaRPr lang="en-US" dirty="0">
               <a:solidFill>
@@ -10626,25 +9987,8 @@
                 <a:latin typeface="Courier"/>
                 <a:cs typeface="Courier"/>
               </a:rPr>
-              <a:t>ash:</a:t>
-            </a:r>
-            <a:r>
-              <a:rPr lang="en-US" dirty="0" smtClean="0">
-                <a:solidFill>
-                  <a:schemeClr val="tx1"/>
-                </a:solidFill>
-                <a:latin typeface="Courier"/>
-                <a:cs typeface="Courier"/>
-              </a:rPr>
-              <a:t>001c </a:t>
-            </a:r>
-            <a:endParaRPr lang="en-US" dirty="0" smtClean="0">
-              <a:solidFill>
-                <a:schemeClr val="tx1"/>
-              </a:solidFill>
-              <a:latin typeface="Courier"/>
-              <a:cs typeface="Courier"/>
-            </a:endParaRPr>
+              <a:t>ash:001c </a:t>
+            </a:r>
           </a:p>
         </p:txBody>
       </p:sp>
@@ -10718,95 +10062,61 @@
                 <a:latin typeface="Courier"/>
                 <a:cs typeface="Courier"/>
               </a:rPr>
-              <a:t>: </a:t>
-            </a:r>
-            <a:r>
-              <a:rPr lang="en-US" dirty="0" smtClean="0">
+              <a:t>: 002b</a:t>
+            </a:r>
+          </a:p>
+          <a:p>
+            <a:r>
+              <a:rPr lang="en-US" dirty="0" err="1">
                 <a:solidFill>
                   <a:schemeClr val="tx1"/>
                 </a:solidFill>
                 <a:latin typeface="Courier"/>
                 <a:cs typeface="Courier"/>
               </a:rPr>
-              <a:t>002b</a:t>
-            </a:r>
-            <a:endParaRPr lang="en-US" dirty="0" smtClean="0">
-              <a:solidFill>
-                <a:schemeClr val="tx1"/>
-              </a:solidFill>
-              <a:latin typeface="Courier"/>
-              <a:cs typeface="Courier"/>
-            </a:endParaRPr>
-          </a:p>
-          <a:p>
-            <a:r>
-              <a:rPr lang="en-US" dirty="0" err="1">
+              <a:t>t</a:t>
+            </a:r>
+            <a:r>
+              <a:rPr lang="en-US" dirty="0" err="1" smtClean="0">
                 <a:solidFill>
                   <a:schemeClr val="tx1"/>
                 </a:solidFill>
                 <a:latin typeface="Courier"/>
                 <a:cs typeface="Courier"/>
               </a:rPr>
-              <a:t>t</a:t>
-            </a:r>
-            <a:r>
-              <a:rPr lang="en-US" dirty="0" err="1" smtClean="0">
+              <a:t>xns</a:t>
+            </a:r>
+            <a:r>
+              <a:rPr lang="en-US" dirty="0" smtClean="0">
                 <a:solidFill>
                   <a:schemeClr val="tx1"/>
                 </a:solidFill>
                 <a:latin typeface="Courier"/>
                 <a:cs typeface="Courier"/>
               </a:rPr>
-              <a:t>xns</a:t>
-            </a:r>
-            <a:r>
-              <a:rPr lang="en-US" dirty="0" smtClean="0">
+              <a:t> v1</a:t>
+            </a:r>
+          </a:p>
+          <a:p>
+            <a:r>
+              <a:rPr lang="en-US" dirty="0">
                 <a:solidFill>
                   <a:schemeClr val="tx1"/>
                 </a:solidFill>
                 <a:latin typeface="Courier"/>
                 <a:cs typeface="Courier"/>
               </a:rPr>
-              <a:t> v1</a:t>
-            </a:r>
-            <a:endParaRPr lang="en-US" dirty="0" smtClean="0">
-              <a:solidFill>
-                <a:schemeClr val="tx1"/>
-              </a:solidFill>
-              <a:latin typeface="Courier"/>
-              <a:cs typeface="Courier"/>
-            </a:endParaRPr>
-          </a:p>
-          <a:p>
-            <a:r>
-              <a:rPr lang="en-US" dirty="0">
+              <a:t>n</a:t>
+            </a:r>
+            <a:r>
+              <a:rPr lang="en-US" dirty="0" smtClean="0">
                 <a:solidFill>
                   <a:schemeClr val="tx1"/>
                 </a:solidFill>
                 <a:latin typeface="Courier"/>
                 <a:cs typeface="Courier"/>
               </a:rPr>
-              <a:t>n</a:t>
-            </a:r>
-            <a:r>
-              <a:rPr lang="en-US" dirty="0" smtClean="0">
-                <a:solidFill>
-                  <a:schemeClr val="tx1"/>
-                </a:solidFill>
-                <a:latin typeface="Courier"/>
-                <a:cs typeface="Courier"/>
-              </a:rPr>
-              <a:t>once: </a:t>
-            </a:r>
-            <a:r>
-              <a:rPr lang="en-US" dirty="0" smtClean="0">
-                <a:solidFill>
-                  <a:schemeClr val="tx1"/>
-                </a:solidFill>
-                <a:latin typeface="Courier"/>
-                <a:cs typeface="Courier"/>
-              </a:rPr>
-              <a:t>34a8</a:t>
+              <a:t>once: 34a8</a:t>
             </a:r>
             <a:endParaRPr lang="en-US" dirty="0">
               <a:solidFill>
@@ -11097,17 +10407,7 @@
                 <a:latin typeface="Courier"/>
                 <a:cs typeface="Courier"/>
               </a:rPr>
-              <a:t>t</a:t>
-            </a:r>
-            <a:r>
-              <a:rPr lang="en-US" dirty="0" err="1" smtClean="0">
-                <a:solidFill>
-                  <a:schemeClr val="tx1"/>
-                </a:solidFill>
-                <a:latin typeface="Courier"/>
-                <a:cs typeface="Courier"/>
-              </a:rPr>
-              <a:t>xns</a:t>
+              <a:t>txns</a:t>
             </a:r>
             <a:endParaRPr lang="en-US" dirty="0" smtClean="0">
               <a:solidFill>
@@ -11208,17 +10508,94 @@
                 <a:latin typeface="Courier"/>
                 <a:cs typeface="Courier"/>
               </a:rPr>
-              <a:t>ash:</a:t>
-            </a:r>
-            <a:r>
-              <a:rPr lang="en-US" dirty="0" smtClean="0">
+              <a:t>ash:0092 </a:t>
+            </a:r>
+          </a:p>
+        </p:txBody>
+      </p:sp>
+      <p:sp>
+        <p:nvSpPr>
+          <p:cNvPr id="38" name="Rectangle 37"/>
+          <p:cNvSpPr/>
+          <p:nvPr/>
+        </p:nvSpPr>
+        <p:spPr>
+          <a:xfrm>
+            <a:off x="6303556" y="1378901"/>
+            <a:ext cx="1746161" cy="952443"/>
+          </a:xfrm>
+          <a:prstGeom prst="rect">
+            <a:avLst/>
+          </a:prstGeom>
+          <a:solidFill>
+            <a:schemeClr val="bg1"/>
+          </a:solidFill>
+          <a:ln>
+            <a:solidFill>
+              <a:schemeClr val="tx1"/>
+            </a:solidFill>
+          </a:ln>
+          <a:effectLst/>
+        </p:spPr>
+        <p:style>
+          <a:lnRef idx="1">
+            <a:schemeClr val="accent1"/>
+          </a:lnRef>
+          <a:fillRef idx="3">
+            <a:schemeClr val="accent1"/>
+          </a:fillRef>
+          <a:effectRef idx="2">
+            <a:schemeClr val="accent1"/>
+          </a:effectRef>
+          <a:fontRef idx="minor">
+            <a:schemeClr val="lt1"/>
+          </a:fontRef>
+        </p:style>
+        <p:txBody>
+          <a:bodyPr rtlCol="0" anchor="ctr"/>
+          <a:lstStyle/>
+          <a:p>
+            <a:r>
+              <a:rPr lang="en-US" dirty="0" err="1">
                 <a:solidFill>
                   <a:schemeClr val="tx1"/>
                 </a:solidFill>
                 <a:latin typeface="Courier"/>
                 <a:cs typeface="Courier"/>
               </a:rPr>
-              <a:t>0092 </a:t>
+              <a:t>p</a:t>
+            </a:r>
+            <a:r>
+              <a:rPr lang="en-US" dirty="0" err="1" smtClean="0">
+                <a:solidFill>
+                  <a:schemeClr val="tx1"/>
+                </a:solidFill>
+                <a:latin typeface="Courier"/>
+                <a:cs typeface="Courier"/>
+              </a:rPr>
+              <a:t>rev</a:t>
+            </a:r>
+            <a:r>
+              <a:rPr lang="en-US" dirty="0" smtClean="0">
+                <a:solidFill>
+                  <a:schemeClr val="tx1"/>
+                </a:solidFill>
+                <a:latin typeface="Courier"/>
+                <a:cs typeface="Courier"/>
+              </a:rPr>
+              <a:t>: 00db</a:t>
+            </a:r>
+          </a:p>
+          <a:p>
+            <a:r>
+              <a:rPr lang="en-US" dirty="0" err="1" smtClean="0">
+                <a:solidFill>
+                  <a:schemeClr val="tx1"/>
+                </a:solidFill>
+                <a:latin typeface="Courier"/>
+                <a:cs typeface="Courier"/>
+              </a:rPr>
+              <a:t>txns</a:t>
             </a:r>
             <a:endParaRPr lang="en-US" dirty="0" smtClean="0">
               <a:solidFill>
@@ -11228,17 +10605,111 @@
               <a:cs typeface="Courier"/>
             </a:endParaRPr>
           </a:p>
-        </p:txBody>
-      </p:sp>
-      <p:sp>
-        <p:nvSpPr>
-          <p:cNvPr id="38" name="Rectangle 37"/>
+          <a:p>
+            <a:r>
+              <a:rPr lang="en-US" dirty="0">
+                <a:solidFill>
+                  <a:schemeClr val="tx1"/>
+                </a:solidFill>
+                <a:latin typeface="Courier"/>
+                <a:cs typeface="Courier"/>
+              </a:rPr>
+              <a:t>n</a:t>
+            </a:r>
+            <a:r>
+              <a:rPr lang="en-US" dirty="0" smtClean="0">
+                <a:solidFill>
+                  <a:schemeClr val="tx1"/>
+                </a:solidFill>
+                <a:latin typeface="Courier"/>
+                <a:cs typeface="Courier"/>
+              </a:rPr>
+              <a:t>once: 582c</a:t>
+            </a:r>
+            <a:endParaRPr lang="en-US" dirty="0">
+              <a:solidFill>
+                <a:schemeClr val="tx1"/>
+              </a:solidFill>
+              <a:latin typeface="Courier"/>
+              <a:cs typeface="Courier"/>
+            </a:endParaRPr>
+          </a:p>
+        </p:txBody>
+      </p:sp>
+      <p:sp>
+        <p:nvSpPr>
+          <p:cNvPr id="40" name="Rectangle 39"/>
           <p:cNvSpPr/>
           <p:nvPr/>
         </p:nvSpPr>
         <p:spPr>
           <a:xfrm>
-            <a:off x="6303556" y="1378901"/>
+            <a:off x="8049717" y="2611341"/>
+            <a:ext cx="882286" cy="545728"/>
+          </a:xfrm>
+          <a:prstGeom prst="rect">
+            <a:avLst/>
+          </a:prstGeom>
+          <a:solidFill>
+            <a:schemeClr val="bg1">
+              <a:lumMod val="65000"/>
+            </a:schemeClr>
+          </a:solidFill>
+          <a:ln>
+            <a:noFill/>
+          </a:ln>
+          <a:effectLst/>
+        </p:spPr>
+        <p:style>
+          <a:lnRef idx="1">
+            <a:schemeClr val="accent1"/>
+          </a:lnRef>
+          <a:fillRef idx="3">
+            <a:schemeClr val="accent1"/>
+          </a:fillRef>
+          <a:effectRef idx="2">
+            <a:schemeClr val="accent1"/>
+          </a:effectRef>
+          <a:fontRef idx="minor">
+            <a:schemeClr val="lt1"/>
+          </a:fontRef>
+        </p:style>
+        <p:txBody>
+          <a:bodyPr rtlCol="0" anchor="ctr"/>
+          <a:lstStyle/>
+          <a:p>
+            <a:r>
+              <a:rPr lang="en-US" dirty="0">
+                <a:solidFill>
+                  <a:schemeClr val="tx1"/>
+                </a:solidFill>
+                <a:latin typeface="Courier"/>
+                <a:cs typeface="Courier"/>
+              </a:rPr>
+              <a:t>h</a:t>
+            </a:r>
+            <a:r>
+              <a:rPr lang="en-US" dirty="0" smtClean="0">
+                <a:solidFill>
+                  <a:schemeClr val="tx1"/>
+                </a:solidFill>
+                <a:latin typeface="Courier"/>
+                <a:cs typeface="Courier"/>
+              </a:rPr>
+              <a:t>ash:002b </a:t>
+            </a:r>
+          </a:p>
+        </p:txBody>
+      </p:sp>
+      <p:sp>
+        <p:nvSpPr>
+          <p:cNvPr id="41" name="Rectangle 40"/>
+          <p:cNvSpPr/>
+          <p:nvPr/>
+        </p:nvSpPr>
+        <p:spPr>
+          <a:xfrm>
+            <a:off x="6303555" y="2611341"/>
             <a:ext cx="1746161" cy="952443"/>
           </a:xfrm>
           <a:prstGeom prst="rect">
@@ -11300,17 +10771,19 @@
                 <a:latin typeface="Courier"/>
                 <a:cs typeface="Courier"/>
               </a:rPr>
-              <a:t>: </a:t>
-            </a:r>
-            <a:r>
-              <a:rPr lang="en-US" dirty="0" smtClean="0">
+              <a:t>: 0092</a:t>
+            </a:r>
+          </a:p>
+          <a:p>
+            <a:r>
+              <a:rPr lang="en-US" dirty="0" err="1" smtClean="0">
                 <a:solidFill>
                   <a:schemeClr val="tx1"/>
                 </a:solidFill>
                 <a:latin typeface="Courier"/>
                 <a:cs typeface="Courier"/>
               </a:rPr>
-              <a:t>00db</a:t>
+              <a:t>txns</a:t>
             </a:r>
             <a:endParaRPr lang="en-US" dirty="0" smtClean="0">
               <a:solidFill>
@@ -11322,305 +10795,24 @@
           </a:p>
           <a:p>
             <a:r>
-              <a:rPr lang="en-US" dirty="0" err="1" smtClean="0">
+              <a:rPr lang="en-US" dirty="0">
                 <a:solidFill>
                   <a:schemeClr val="tx1"/>
                 </a:solidFill>
                 <a:latin typeface="Courier"/>
                 <a:cs typeface="Courier"/>
               </a:rPr>
-              <a:t>t</a:t>
-            </a:r>
-            <a:r>
-              <a:rPr lang="en-US" dirty="0" err="1" smtClean="0">
+              <a:t>n</a:t>
+            </a:r>
+            <a:r>
+              <a:rPr lang="en-US" dirty="0" smtClean="0">
                 <a:solidFill>
                   <a:schemeClr val="tx1"/>
                 </a:solidFill>
                 <a:latin typeface="Courier"/>
                 <a:cs typeface="Courier"/>
               </a:rPr>
-              <a:t>xns</a:t>
-            </a:r>
-            <a:endParaRPr lang="en-US" dirty="0" smtClean="0">
-              <a:solidFill>
-                <a:schemeClr val="tx1"/>
-              </a:solidFill>
-              <a:latin typeface="Courier"/>
-              <a:cs typeface="Courier"/>
-            </a:endParaRPr>
-          </a:p>
-          <a:p>
-            <a:r>
-              <a:rPr lang="en-US" dirty="0">
-                <a:solidFill>
-                  <a:schemeClr val="tx1"/>
-                </a:solidFill>
-                <a:latin typeface="Courier"/>
-                <a:cs typeface="Courier"/>
-              </a:rPr>
-              <a:t>n</a:t>
-            </a:r>
-            <a:r>
-              <a:rPr lang="en-US" dirty="0" smtClean="0">
-                <a:solidFill>
-                  <a:schemeClr val="tx1"/>
-                </a:solidFill>
-                <a:latin typeface="Courier"/>
-                <a:cs typeface="Courier"/>
-              </a:rPr>
-              <a:t>once: </a:t>
-            </a:r>
-            <a:r>
-              <a:rPr lang="en-US" dirty="0" smtClean="0">
-                <a:solidFill>
-                  <a:schemeClr val="tx1"/>
-                </a:solidFill>
-                <a:latin typeface="Courier"/>
-                <a:cs typeface="Courier"/>
-              </a:rPr>
-              <a:t>582c</a:t>
-            </a:r>
-            <a:endParaRPr lang="en-US" dirty="0">
-              <a:solidFill>
-                <a:schemeClr val="tx1"/>
-              </a:solidFill>
-              <a:latin typeface="Courier"/>
-              <a:cs typeface="Courier"/>
-            </a:endParaRPr>
-          </a:p>
-        </p:txBody>
-      </p:sp>
-      <p:sp>
-        <p:nvSpPr>
-          <p:cNvPr id="40" name="Rectangle 39"/>
-          <p:cNvSpPr/>
-          <p:nvPr/>
-        </p:nvSpPr>
-        <p:spPr>
-          <a:xfrm>
-            <a:off x="8049717" y="2611341"/>
-            <a:ext cx="882286" cy="545728"/>
-          </a:xfrm>
-          <a:prstGeom prst="rect">
-            <a:avLst/>
-          </a:prstGeom>
-          <a:solidFill>
-            <a:schemeClr val="bg1">
-              <a:lumMod val="65000"/>
-            </a:schemeClr>
-          </a:solidFill>
-          <a:ln>
-            <a:noFill/>
-          </a:ln>
-          <a:effectLst/>
-        </p:spPr>
-        <p:style>
-          <a:lnRef idx="1">
-            <a:schemeClr val="accent1"/>
-          </a:lnRef>
-          <a:fillRef idx="3">
-            <a:schemeClr val="accent1"/>
-          </a:fillRef>
-          <a:effectRef idx="2">
-            <a:schemeClr val="accent1"/>
-          </a:effectRef>
-          <a:fontRef idx="minor">
-            <a:schemeClr val="lt1"/>
-          </a:fontRef>
-        </p:style>
-        <p:txBody>
-          <a:bodyPr rtlCol="0" anchor="ctr"/>
-          <a:lstStyle/>
-          <a:p>
-            <a:r>
-              <a:rPr lang="en-US" dirty="0">
-                <a:solidFill>
-                  <a:schemeClr val="tx1"/>
-                </a:solidFill>
-                <a:latin typeface="Courier"/>
-                <a:cs typeface="Courier"/>
-              </a:rPr>
-              <a:t>h</a:t>
-            </a:r>
-            <a:r>
-              <a:rPr lang="en-US" dirty="0" smtClean="0">
-                <a:solidFill>
-                  <a:schemeClr val="tx1"/>
-                </a:solidFill>
-                <a:latin typeface="Courier"/>
-                <a:cs typeface="Courier"/>
-              </a:rPr>
-              <a:t>ash:</a:t>
-            </a:r>
-            <a:r>
-              <a:rPr lang="en-US" dirty="0" smtClean="0">
-                <a:solidFill>
-                  <a:schemeClr val="tx1"/>
-                </a:solidFill>
-                <a:latin typeface="Courier"/>
-                <a:cs typeface="Courier"/>
-              </a:rPr>
-              <a:t>002b </a:t>
-            </a:r>
-            <a:endParaRPr lang="en-US" dirty="0" smtClean="0">
-              <a:solidFill>
-                <a:schemeClr val="tx1"/>
-              </a:solidFill>
-              <a:latin typeface="Courier"/>
-              <a:cs typeface="Courier"/>
-            </a:endParaRPr>
-          </a:p>
-        </p:txBody>
-      </p:sp>
-      <p:sp>
-        <p:nvSpPr>
-          <p:cNvPr id="41" name="Rectangle 40"/>
-          <p:cNvSpPr/>
-          <p:nvPr/>
-        </p:nvSpPr>
-        <p:spPr>
-          <a:xfrm>
-            <a:off x="6303555" y="2611341"/>
-            <a:ext cx="1746161" cy="952443"/>
-          </a:xfrm>
-          <a:prstGeom prst="rect">
-            <a:avLst/>
-          </a:prstGeom>
-          <a:solidFill>
-            <a:schemeClr val="bg1"/>
-          </a:solidFill>
-          <a:ln>
-            <a:solidFill>
-              <a:schemeClr val="tx1"/>
-            </a:solidFill>
-          </a:ln>
-          <a:effectLst/>
-        </p:spPr>
-        <p:style>
-          <a:lnRef idx="1">
-            <a:schemeClr val="accent1"/>
-          </a:lnRef>
-          <a:fillRef idx="3">
-            <a:schemeClr val="accent1"/>
-          </a:fillRef>
-          <a:effectRef idx="2">
-            <a:schemeClr val="accent1"/>
-          </a:effectRef>
-          <a:fontRef idx="minor">
-            <a:schemeClr val="lt1"/>
-          </a:fontRef>
-        </p:style>
-        <p:txBody>
-          <a:bodyPr rtlCol="0" anchor="ctr"/>
-          <a:lstStyle/>
-          <a:p>
-            <a:r>
-              <a:rPr lang="en-US" dirty="0" err="1">
-                <a:solidFill>
-                  <a:schemeClr val="tx1"/>
-                </a:solidFill>
-                <a:latin typeface="Courier"/>
-                <a:cs typeface="Courier"/>
-              </a:rPr>
-              <a:t>p</a:t>
-            </a:r>
-            <a:r>
-              <a:rPr lang="en-US" dirty="0" err="1" smtClean="0">
-                <a:solidFill>
-                  <a:schemeClr val="tx1"/>
-                </a:solidFill>
-                <a:latin typeface="Courier"/>
-                <a:cs typeface="Courier"/>
-              </a:rPr>
-              <a:t>rev</a:t>
-            </a:r>
-            <a:r>
-              <a:rPr lang="en-US" dirty="0" smtClean="0">
-                <a:solidFill>
-                  <a:schemeClr val="tx1"/>
-                </a:solidFill>
-                <a:latin typeface="Courier"/>
-                <a:cs typeface="Courier"/>
-              </a:rPr>
-              <a:t>: </a:t>
-            </a:r>
-            <a:r>
-              <a:rPr lang="en-US" dirty="0" smtClean="0">
-                <a:solidFill>
-                  <a:schemeClr val="tx1"/>
-                </a:solidFill>
-                <a:latin typeface="Courier"/>
-                <a:cs typeface="Courier"/>
-              </a:rPr>
-              <a:t>0092</a:t>
-            </a:r>
-            <a:endParaRPr lang="en-US" dirty="0" smtClean="0">
-              <a:solidFill>
-                <a:schemeClr val="tx1"/>
-              </a:solidFill>
-              <a:latin typeface="Courier"/>
-              <a:cs typeface="Courier"/>
-            </a:endParaRPr>
-          </a:p>
-          <a:p>
-            <a:r>
-              <a:rPr lang="en-US" dirty="0" err="1" smtClean="0">
-                <a:solidFill>
-                  <a:schemeClr val="tx1"/>
-                </a:solidFill>
-                <a:latin typeface="Courier"/>
-                <a:cs typeface="Courier"/>
-              </a:rPr>
-              <a:t>t</a:t>
-            </a:r>
-            <a:r>
-              <a:rPr lang="en-US" dirty="0" err="1" smtClean="0">
-                <a:solidFill>
-                  <a:schemeClr val="tx1"/>
-                </a:solidFill>
-                <a:latin typeface="Courier"/>
-                <a:cs typeface="Courier"/>
-              </a:rPr>
-              <a:t>xns</a:t>
-            </a:r>
-            <a:endParaRPr lang="en-US" dirty="0" smtClean="0">
-              <a:solidFill>
-                <a:schemeClr val="tx1"/>
-              </a:solidFill>
-              <a:latin typeface="Courier"/>
-              <a:cs typeface="Courier"/>
-            </a:endParaRPr>
-          </a:p>
-          <a:p>
-            <a:r>
-              <a:rPr lang="en-US" dirty="0">
-                <a:solidFill>
-                  <a:schemeClr val="tx1"/>
-                </a:solidFill>
-                <a:latin typeface="Courier"/>
-                <a:cs typeface="Courier"/>
-              </a:rPr>
-              <a:t>n</a:t>
-            </a:r>
-            <a:r>
-              <a:rPr lang="en-US" dirty="0" smtClean="0">
-                <a:solidFill>
-                  <a:schemeClr val="tx1"/>
-                </a:solidFill>
-                <a:latin typeface="Courier"/>
-                <a:cs typeface="Courier"/>
-              </a:rPr>
-              <a:t>once: </a:t>
-            </a:r>
-            <a:r>
-              <a:rPr lang="en-US" dirty="0" smtClean="0">
-                <a:solidFill>
-                  <a:schemeClr val="tx1"/>
-                </a:solidFill>
-                <a:latin typeface="Courier"/>
-                <a:cs typeface="Courier"/>
-              </a:rPr>
-              <a:t>fd1a</a:t>
+              <a:t>once: fd1a</a:t>
             </a:r>
             <a:endParaRPr lang="en-US" dirty="0">
               <a:solidFill>
@@ -12361,17 +11553,7 @@
                 <a:latin typeface="Courier"/>
                 <a:cs typeface="Courier"/>
               </a:rPr>
-              <a:t>t</a:t>
-            </a:r>
-            <a:r>
-              <a:rPr lang="en-US" dirty="0" err="1" smtClean="0">
-                <a:solidFill>
-                  <a:schemeClr val="tx1"/>
-                </a:solidFill>
-                <a:latin typeface="Courier"/>
-                <a:cs typeface="Courier"/>
-              </a:rPr>
-              <a:t>xns</a:t>
+              <a:t>txns</a:t>
             </a:r>
             <a:endParaRPr lang="en-US" dirty="0" smtClean="0">
               <a:solidFill>
@@ -12472,17 +11654,94 @@
                 <a:latin typeface="Courier"/>
                 <a:cs typeface="Courier"/>
               </a:rPr>
-              <a:t>ash:</a:t>
-            </a:r>
-            <a:r>
-              <a:rPr lang="en-US" dirty="0" smtClean="0">
+              <a:t>ash:0092 </a:t>
+            </a:r>
+          </a:p>
+        </p:txBody>
+      </p:sp>
+      <p:sp>
+        <p:nvSpPr>
+          <p:cNvPr id="32" name="Rectangle 31"/>
+          <p:cNvSpPr/>
+          <p:nvPr/>
+        </p:nvSpPr>
+        <p:spPr>
+          <a:xfrm>
+            <a:off x="337865" y="1352938"/>
+            <a:ext cx="1746161" cy="952443"/>
+          </a:xfrm>
+          <a:prstGeom prst="rect">
+            <a:avLst/>
+          </a:prstGeom>
+          <a:solidFill>
+            <a:schemeClr val="bg1"/>
+          </a:solidFill>
+          <a:ln>
+            <a:solidFill>
+              <a:schemeClr val="tx1"/>
+            </a:solidFill>
+          </a:ln>
+          <a:effectLst/>
+        </p:spPr>
+        <p:style>
+          <a:lnRef idx="1">
+            <a:schemeClr val="accent1"/>
+          </a:lnRef>
+          <a:fillRef idx="3">
+            <a:schemeClr val="accent1"/>
+          </a:fillRef>
+          <a:effectRef idx="2">
+            <a:schemeClr val="accent1"/>
+          </a:effectRef>
+          <a:fontRef idx="minor">
+            <a:schemeClr val="lt1"/>
+          </a:fontRef>
+        </p:style>
+        <p:txBody>
+          <a:bodyPr rtlCol="0" anchor="ctr"/>
+          <a:lstStyle/>
+          <a:p>
+            <a:r>
+              <a:rPr lang="en-US" dirty="0" err="1">
                 <a:solidFill>
                   <a:schemeClr val="tx1"/>
                 </a:solidFill>
                 <a:latin typeface="Courier"/>
                 <a:cs typeface="Courier"/>
               </a:rPr>
-              <a:t>0092 </a:t>
+              <a:t>p</a:t>
+            </a:r>
+            <a:r>
+              <a:rPr lang="en-US" dirty="0" err="1" smtClean="0">
+                <a:solidFill>
+                  <a:schemeClr val="tx1"/>
+                </a:solidFill>
+                <a:latin typeface="Courier"/>
+                <a:cs typeface="Courier"/>
+              </a:rPr>
+              <a:t>rev</a:t>
+            </a:r>
+            <a:r>
+              <a:rPr lang="en-US" dirty="0" smtClean="0">
+                <a:solidFill>
+                  <a:schemeClr val="tx1"/>
+                </a:solidFill>
+                <a:latin typeface="Courier"/>
+                <a:cs typeface="Courier"/>
+              </a:rPr>
+              <a:t>: 00db</a:t>
+            </a:r>
+          </a:p>
+          <a:p>
+            <a:r>
+              <a:rPr lang="en-US" dirty="0" err="1" smtClean="0">
+                <a:solidFill>
+                  <a:schemeClr val="tx1"/>
+                </a:solidFill>
+                <a:latin typeface="Courier"/>
+                <a:cs typeface="Courier"/>
+              </a:rPr>
+              <a:t>txns</a:t>
             </a:r>
             <a:endParaRPr lang="en-US" dirty="0" smtClean="0">
               <a:solidFill>
@@ -12492,17 +11751,111 @@
               <a:cs typeface="Courier"/>
             </a:endParaRPr>
           </a:p>
-        </p:txBody>
-      </p:sp>
-      <p:sp>
-        <p:nvSpPr>
-          <p:cNvPr id="32" name="Rectangle 31"/>
+          <a:p>
+            <a:r>
+              <a:rPr lang="en-US" dirty="0">
+                <a:solidFill>
+                  <a:schemeClr val="tx1"/>
+                </a:solidFill>
+                <a:latin typeface="Courier"/>
+                <a:cs typeface="Courier"/>
+              </a:rPr>
+              <a:t>n</a:t>
+            </a:r>
+            <a:r>
+              <a:rPr lang="en-US" dirty="0" smtClean="0">
+                <a:solidFill>
+                  <a:schemeClr val="tx1"/>
+                </a:solidFill>
+                <a:latin typeface="Courier"/>
+                <a:cs typeface="Courier"/>
+              </a:rPr>
+              <a:t>once: 582c</a:t>
+            </a:r>
+            <a:endParaRPr lang="en-US" dirty="0">
+              <a:solidFill>
+                <a:schemeClr val="tx1"/>
+              </a:solidFill>
+              <a:latin typeface="Courier"/>
+              <a:cs typeface="Courier"/>
+            </a:endParaRPr>
+          </a:p>
+        </p:txBody>
+      </p:sp>
+      <p:sp>
+        <p:nvSpPr>
+          <p:cNvPr id="33" name="Rectangle 32"/>
           <p:cNvSpPr/>
           <p:nvPr/>
         </p:nvSpPr>
         <p:spPr>
           <a:xfrm>
-            <a:off x="337865" y="1352938"/>
+            <a:off x="2084026" y="2585378"/>
+            <a:ext cx="882286" cy="545728"/>
+          </a:xfrm>
+          <a:prstGeom prst="rect">
+            <a:avLst/>
+          </a:prstGeom>
+          <a:solidFill>
+            <a:schemeClr val="bg1">
+              <a:lumMod val="65000"/>
+            </a:schemeClr>
+          </a:solidFill>
+          <a:ln>
+            <a:noFill/>
+          </a:ln>
+          <a:effectLst/>
+        </p:spPr>
+        <p:style>
+          <a:lnRef idx="1">
+            <a:schemeClr val="accent1"/>
+          </a:lnRef>
+          <a:fillRef idx="3">
+            <a:schemeClr val="accent1"/>
+          </a:fillRef>
+          <a:effectRef idx="2">
+            <a:schemeClr val="accent1"/>
+          </a:effectRef>
+          <a:fontRef idx="minor">
+            <a:schemeClr val="lt1"/>
+          </a:fontRef>
+        </p:style>
+        <p:txBody>
+          <a:bodyPr rtlCol="0" anchor="ctr"/>
+          <a:lstStyle/>
+          <a:p>
+            <a:r>
+              <a:rPr lang="en-US" dirty="0">
+                <a:solidFill>
+                  <a:schemeClr val="tx1"/>
+                </a:solidFill>
+                <a:latin typeface="Courier"/>
+                <a:cs typeface="Courier"/>
+              </a:rPr>
+              <a:t>h</a:t>
+            </a:r>
+            <a:r>
+              <a:rPr lang="en-US" dirty="0" smtClean="0">
+                <a:solidFill>
+                  <a:schemeClr val="tx1"/>
+                </a:solidFill>
+                <a:latin typeface="Courier"/>
+                <a:cs typeface="Courier"/>
+              </a:rPr>
+              <a:t>ash:002b </a:t>
+            </a:r>
+          </a:p>
+        </p:txBody>
+      </p:sp>
+      <p:sp>
+        <p:nvSpPr>
+          <p:cNvPr id="34" name="Rectangle 33"/>
+          <p:cNvSpPr/>
+          <p:nvPr/>
+        </p:nvSpPr>
+        <p:spPr>
+          <a:xfrm>
+            <a:off x="337864" y="2585378"/>
             <a:ext cx="1746161" cy="952443"/>
           </a:xfrm>
           <a:prstGeom prst="rect">
@@ -12564,17 +11917,19 @@
                 <a:latin typeface="Courier"/>
                 <a:cs typeface="Courier"/>
               </a:rPr>
-              <a:t>: </a:t>
-            </a:r>
-            <a:r>
-              <a:rPr lang="en-US" dirty="0" smtClean="0">
+              <a:t>: 0092</a:t>
+            </a:r>
+          </a:p>
+          <a:p>
+            <a:r>
+              <a:rPr lang="en-US" dirty="0" err="1" smtClean="0">
                 <a:solidFill>
                   <a:schemeClr val="tx1"/>
                 </a:solidFill>
                 <a:latin typeface="Courier"/>
                 <a:cs typeface="Courier"/>
               </a:rPr>
-              <a:t>00db</a:t>
+              <a:t>txns</a:t>
             </a:r>
             <a:endParaRPr lang="en-US" dirty="0" smtClean="0">
               <a:solidFill>
@@ -12586,305 +11941,24 @@
           </a:p>
           <a:p>
             <a:r>
-              <a:rPr lang="en-US" dirty="0" err="1" smtClean="0">
+              <a:rPr lang="en-US" dirty="0">
                 <a:solidFill>
                   <a:schemeClr val="tx1"/>
                 </a:solidFill>
                 <a:latin typeface="Courier"/>
                 <a:cs typeface="Courier"/>
               </a:rPr>
-              <a:t>t</a:t>
-            </a:r>
-            <a:r>
-              <a:rPr lang="en-US" dirty="0" err="1" smtClean="0">
+              <a:t>n</a:t>
+            </a:r>
+            <a:r>
+              <a:rPr lang="en-US" dirty="0" smtClean="0">
                 <a:solidFill>
                   <a:schemeClr val="tx1"/>
                 </a:solidFill>
                 <a:latin typeface="Courier"/>
                 <a:cs typeface="Courier"/>
               </a:rPr>
-              <a:t>xns</a:t>
-            </a:r>
-            <a:endParaRPr lang="en-US" dirty="0" smtClean="0">
-              <a:solidFill>
-                <a:schemeClr val="tx1"/>
-              </a:solidFill>
-              <a:latin typeface="Courier"/>
-              <a:cs typeface="Courier"/>
-            </a:endParaRPr>
-          </a:p>
-          <a:p>
-            <a:r>
-              <a:rPr lang="en-US" dirty="0">
-                <a:solidFill>
-                  <a:schemeClr val="tx1"/>
-                </a:solidFill>
-                <a:latin typeface="Courier"/>
-                <a:cs typeface="Courier"/>
-              </a:rPr>
-              <a:t>n</a:t>
-            </a:r>
-            <a:r>
-              <a:rPr lang="en-US" dirty="0" smtClean="0">
-                <a:solidFill>
-                  <a:schemeClr val="tx1"/>
-                </a:solidFill>
-                <a:latin typeface="Courier"/>
-                <a:cs typeface="Courier"/>
-              </a:rPr>
-              <a:t>once: </a:t>
-            </a:r>
-            <a:r>
-              <a:rPr lang="en-US" dirty="0" smtClean="0">
-                <a:solidFill>
-                  <a:schemeClr val="tx1"/>
-                </a:solidFill>
-                <a:latin typeface="Courier"/>
-                <a:cs typeface="Courier"/>
-              </a:rPr>
-              <a:t>582c</a:t>
-            </a:r>
-            <a:endParaRPr lang="en-US" dirty="0">
-              <a:solidFill>
-                <a:schemeClr val="tx1"/>
-              </a:solidFill>
-              <a:latin typeface="Courier"/>
-              <a:cs typeface="Courier"/>
-            </a:endParaRPr>
-          </a:p>
-        </p:txBody>
-      </p:sp>
-      <p:sp>
-        <p:nvSpPr>
-          <p:cNvPr id="33" name="Rectangle 32"/>
-          <p:cNvSpPr/>
-          <p:nvPr/>
-        </p:nvSpPr>
-        <p:spPr>
-          <a:xfrm>
-            <a:off x="2084026" y="2585378"/>
-            <a:ext cx="882286" cy="545728"/>
-          </a:xfrm>
-          <a:prstGeom prst="rect">
-            <a:avLst/>
-          </a:prstGeom>
-          <a:solidFill>
-            <a:schemeClr val="bg1">
-              <a:lumMod val="65000"/>
-            </a:schemeClr>
-          </a:solidFill>
-          <a:ln>
-            <a:noFill/>
-          </a:ln>
-          <a:effectLst/>
-        </p:spPr>
-        <p:style>
-          <a:lnRef idx="1">
-            <a:schemeClr val="accent1"/>
-          </a:lnRef>
-          <a:fillRef idx="3">
-            <a:schemeClr val="accent1"/>
-          </a:fillRef>
-          <a:effectRef idx="2">
-            <a:schemeClr val="accent1"/>
-          </a:effectRef>
-          <a:fontRef idx="minor">
-            <a:schemeClr val="lt1"/>
-          </a:fontRef>
-        </p:style>
-        <p:txBody>
-          <a:bodyPr rtlCol="0" anchor="ctr"/>
-          <a:lstStyle/>
-          <a:p>
-            <a:r>
-              <a:rPr lang="en-US" dirty="0">
-                <a:solidFill>
-                  <a:schemeClr val="tx1"/>
-                </a:solidFill>
-                <a:latin typeface="Courier"/>
-                <a:cs typeface="Courier"/>
-              </a:rPr>
-              <a:t>h</a:t>
-            </a:r>
-            <a:r>
-              <a:rPr lang="en-US" dirty="0" smtClean="0">
-                <a:solidFill>
-                  <a:schemeClr val="tx1"/>
-                </a:solidFill>
-                <a:latin typeface="Courier"/>
-                <a:cs typeface="Courier"/>
-              </a:rPr>
-              <a:t>ash:</a:t>
-            </a:r>
-            <a:r>
-              <a:rPr lang="en-US" dirty="0" smtClean="0">
-                <a:solidFill>
-                  <a:schemeClr val="tx1"/>
-                </a:solidFill>
-                <a:latin typeface="Courier"/>
-                <a:cs typeface="Courier"/>
-              </a:rPr>
-              <a:t>002b </a:t>
-            </a:r>
-            <a:endParaRPr lang="en-US" dirty="0" smtClean="0">
-              <a:solidFill>
-                <a:schemeClr val="tx1"/>
-              </a:solidFill>
-              <a:latin typeface="Courier"/>
-              <a:cs typeface="Courier"/>
-            </a:endParaRPr>
-          </a:p>
-        </p:txBody>
-      </p:sp>
-      <p:sp>
-        <p:nvSpPr>
-          <p:cNvPr id="34" name="Rectangle 33"/>
-          <p:cNvSpPr/>
-          <p:nvPr/>
-        </p:nvSpPr>
-        <p:spPr>
-          <a:xfrm>
-            <a:off x="337864" y="2585378"/>
-            <a:ext cx="1746161" cy="952443"/>
-          </a:xfrm>
-          <a:prstGeom prst="rect">
-            <a:avLst/>
-          </a:prstGeom>
-          <a:solidFill>
-            <a:schemeClr val="bg1"/>
-          </a:solidFill>
-          <a:ln>
-            <a:solidFill>
-              <a:schemeClr val="tx1"/>
-            </a:solidFill>
-          </a:ln>
-          <a:effectLst/>
-        </p:spPr>
-        <p:style>
-          <a:lnRef idx="1">
-            <a:schemeClr val="accent1"/>
-          </a:lnRef>
-          <a:fillRef idx="3">
-            <a:schemeClr val="accent1"/>
-          </a:fillRef>
-          <a:effectRef idx="2">
-            <a:schemeClr val="accent1"/>
-          </a:effectRef>
-          <a:fontRef idx="minor">
-            <a:schemeClr val="lt1"/>
-          </a:fontRef>
-        </p:style>
-        <p:txBody>
-          <a:bodyPr rtlCol="0" anchor="ctr"/>
-          <a:lstStyle/>
-          <a:p>
-            <a:r>
-              <a:rPr lang="en-US" dirty="0" err="1">
-                <a:solidFill>
-                  <a:schemeClr val="tx1"/>
-                </a:solidFill>
-                <a:latin typeface="Courier"/>
-                <a:cs typeface="Courier"/>
-              </a:rPr>
-              <a:t>p</a:t>
-            </a:r>
-            <a:r>
-              <a:rPr lang="en-US" dirty="0" err="1" smtClean="0">
-                <a:solidFill>
-                  <a:schemeClr val="tx1"/>
-                </a:solidFill>
-                <a:latin typeface="Courier"/>
-                <a:cs typeface="Courier"/>
-              </a:rPr>
-              <a:t>rev</a:t>
-            </a:r>
-            <a:r>
-              <a:rPr lang="en-US" dirty="0" smtClean="0">
-                <a:solidFill>
-                  <a:schemeClr val="tx1"/>
-                </a:solidFill>
-                <a:latin typeface="Courier"/>
-                <a:cs typeface="Courier"/>
-              </a:rPr>
-              <a:t>: </a:t>
-            </a:r>
-            <a:r>
-              <a:rPr lang="en-US" dirty="0" smtClean="0">
-                <a:solidFill>
-                  <a:schemeClr val="tx1"/>
-                </a:solidFill>
-                <a:latin typeface="Courier"/>
-                <a:cs typeface="Courier"/>
-              </a:rPr>
-              <a:t>0092</a:t>
-            </a:r>
-            <a:endParaRPr lang="en-US" dirty="0" smtClean="0">
-              <a:solidFill>
-                <a:schemeClr val="tx1"/>
-              </a:solidFill>
-              <a:latin typeface="Courier"/>
-              <a:cs typeface="Courier"/>
-            </a:endParaRPr>
-          </a:p>
-          <a:p>
-            <a:r>
-              <a:rPr lang="en-US" dirty="0" err="1" smtClean="0">
-                <a:solidFill>
-                  <a:schemeClr val="tx1"/>
-                </a:solidFill>
-                <a:latin typeface="Courier"/>
-                <a:cs typeface="Courier"/>
-              </a:rPr>
-              <a:t>t</a:t>
-            </a:r>
-            <a:r>
-              <a:rPr lang="en-US" dirty="0" err="1" smtClean="0">
-                <a:solidFill>
-                  <a:schemeClr val="tx1"/>
-                </a:solidFill>
-                <a:latin typeface="Courier"/>
-                <a:cs typeface="Courier"/>
-              </a:rPr>
-              <a:t>xns</a:t>
-            </a:r>
-            <a:endParaRPr lang="en-US" dirty="0" smtClean="0">
-              <a:solidFill>
-                <a:schemeClr val="tx1"/>
-              </a:solidFill>
-              <a:latin typeface="Courier"/>
-              <a:cs typeface="Courier"/>
-            </a:endParaRPr>
-          </a:p>
-          <a:p>
-            <a:r>
-              <a:rPr lang="en-US" dirty="0">
-                <a:solidFill>
-                  <a:schemeClr val="tx1"/>
-                </a:solidFill>
-                <a:latin typeface="Courier"/>
-                <a:cs typeface="Courier"/>
-              </a:rPr>
-              <a:t>n</a:t>
-            </a:r>
-            <a:r>
-              <a:rPr lang="en-US" dirty="0" smtClean="0">
-                <a:solidFill>
-                  <a:schemeClr val="tx1"/>
-                </a:solidFill>
-                <a:latin typeface="Courier"/>
-                <a:cs typeface="Courier"/>
-              </a:rPr>
-              <a:t>once: </a:t>
-            </a:r>
-            <a:r>
-              <a:rPr lang="en-US" dirty="0" smtClean="0">
-                <a:solidFill>
-                  <a:schemeClr val="tx1"/>
-                </a:solidFill>
-                <a:latin typeface="Courier"/>
-                <a:cs typeface="Courier"/>
-              </a:rPr>
-              <a:t>fd1a</a:t>
+              <a:t>once: fd1a</a:t>
             </a:r>
             <a:endParaRPr lang="en-US" dirty="0">
               <a:solidFill>
@@ -13130,13 +12204,6 @@
               </a:rPr>
               <a:t>001c </a:t>
             </a:r>
-            <a:endParaRPr lang="en-US" dirty="0" smtClean="0">
-              <a:solidFill>
-                <a:srgbClr val="FF0000"/>
-              </a:solidFill>
-              <a:latin typeface="Courier"/>
-              <a:cs typeface="Courier"/>
-            </a:endParaRPr>
           </a:p>
         </p:txBody>
       </p:sp>
@@ -13210,95 +12277,61 @@
                 <a:latin typeface="Courier"/>
                 <a:cs typeface="Courier"/>
               </a:rPr>
-              <a:t>: </a:t>
-            </a:r>
-            <a:r>
-              <a:rPr lang="en-US" dirty="0" smtClean="0">
+              <a:t>: 002b</a:t>
+            </a:r>
+          </a:p>
+          <a:p>
+            <a:r>
+              <a:rPr lang="en-US" dirty="0" err="1">
                 <a:solidFill>
                   <a:schemeClr val="tx1"/>
                 </a:solidFill>
                 <a:latin typeface="Courier"/>
                 <a:cs typeface="Courier"/>
               </a:rPr>
-              <a:t>002b</a:t>
-            </a:r>
-            <a:endParaRPr lang="en-US" dirty="0" smtClean="0">
-              <a:solidFill>
-                <a:schemeClr val="tx1"/>
-              </a:solidFill>
-              <a:latin typeface="Courier"/>
-              <a:cs typeface="Courier"/>
-            </a:endParaRPr>
-          </a:p>
-          <a:p>
-            <a:r>
-              <a:rPr lang="en-US" dirty="0" err="1">
+              <a:t>t</a:t>
+            </a:r>
+            <a:r>
+              <a:rPr lang="en-US" dirty="0" err="1" smtClean="0">
                 <a:solidFill>
                   <a:schemeClr val="tx1"/>
                 </a:solidFill>
                 <a:latin typeface="Courier"/>
                 <a:cs typeface="Courier"/>
               </a:rPr>
-              <a:t>t</a:t>
-            </a:r>
-            <a:r>
-              <a:rPr lang="en-US" dirty="0" err="1" smtClean="0">
+              <a:t>xns</a:t>
+            </a:r>
+            <a:r>
+              <a:rPr lang="en-US" dirty="0" smtClean="0">
                 <a:solidFill>
                   <a:schemeClr val="tx1"/>
                 </a:solidFill>
                 <a:latin typeface="Courier"/>
                 <a:cs typeface="Courier"/>
               </a:rPr>
-              <a:t>xns</a:t>
-            </a:r>
-            <a:r>
-              <a:rPr lang="en-US" dirty="0" smtClean="0">
+              <a:t> v1</a:t>
+            </a:r>
+          </a:p>
+          <a:p>
+            <a:r>
+              <a:rPr lang="en-US" dirty="0">
                 <a:solidFill>
                   <a:schemeClr val="tx1"/>
                 </a:solidFill>
                 <a:latin typeface="Courier"/>
                 <a:cs typeface="Courier"/>
               </a:rPr>
-              <a:t> v1</a:t>
-            </a:r>
-            <a:endParaRPr lang="en-US" dirty="0" smtClean="0">
-              <a:solidFill>
-                <a:schemeClr val="tx1"/>
-              </a:solidFill>
-              <a:latin typeface="Courier"/>
-              <a:cs typeface="Courier"/>
-            </a:endParaRPr>
-          </a:p>
-          <a:p>
-            <a:r>
-              <a:rPr lang="en-US" dirty="0">
+              <a:t>n</a:t>
+            </a:r>
+            <a:r>
+              <a:rPr lang="en-US" dirty="0" smtClean="0">
                 <a:solidFill>
                   <a:schemeClr val="tx1"/>
                 </a:solidFill>
                 <a:latin typeface="Courier"/>
                 <a:cs typeface="Courier"/>
               </a:rPr>
-              <a:t>n</a:t>
-            </a:r>
-            <a:r>
-              <a:rPr lang="en-US" dirty="0" smtClean="0">
-                <a:solidFill>
-                  <a:schemeClr val="tx1"/>
-                </a:solidFill>
-                <a:latin typeface="Courier"/>
-                <a:cs typeface="Courier"/>
-              </a:rPr>
-              <a:t>once: </a:t>
-            </a:r>
-            <a:r>
-              <a:rPr lang="en-US" dirty="0" smtClean="0">
-                <a:solidFill>
-                  <a:schemeClr val="tx1"/>
-                </a:solidFill>
-                <a:latin typeface="Courier"/>
-                <a:cs typeface="Courier"/>
-              </a:rPr>
-              <a:t>34a8</a:t>
+              <a:t>once: 34a8</a:t>
             </a:r>
             <a:endParaRPr lang="en-US" dirty="0">
               <a:solidFill>
@@ -13541,17 +12574,7 @@
                 <a:latin typeface="Courier"/>
                 <a:cs typeface="Courier"/>
               </a:rPr>
-              <a:t>t</a:t>
-            </a:r>
-            <a:r>
-              <a:rPr lang="en-US" dirty="0" err="1" smtClean="0">
-                <a:solidFill>
-                  <a:schemeClr val="tx1"/>
-                </a:solidFill>
-                <a:latin typeface="Courier"/>
-                <a:cs typeface="Courier"/>
-              </a:rPr>
-              <a:t>xns</a:t>
+              <a:t>txns</a:t>
             </a:r>
             <a:endParaRPr lang="en-US" dirty="0" smtClean="0">
               <a:solidFill>
@@ -13652,17 +12675,94 @@
                 <a:latin typeface="Courier"/>
                 <a:cs typeface="Courier"/>
               </a:rPr>
-              <a:t>ash:</a:t>
-            </a:r>
-            <a:r>
-              <a:rPr lang="en-US" dirty="0" smtClean="0">
+              <a:t>ash:0092 </a:t>
+            </a:r>
+          </a:p>
+        </p:txBody>
+      </p:sp>
+      <p:sp>
+        <p:nvSpPr>
+          <p:cNvPr id="38" name="Rectangle 37"/>
+          <p:cNvSpPr/>
+          <p:nvPr/>
+        </p:nvSpPr>
+        <p:spPr>
+          <a:xfrm>
+            <a:off x="6303556" y="1378901"/>
+            <a:ext cx="1746161" cy="952443"/>
+          </a:xfrm>
+          <a:prstGeom prst="rect">
+            <a:avLst/>
+          </a:prstGeom>
+          <a:solidFill>
+            <a:schemeClr val="bg1"/>
+          </a:solidFill>
+          <a:ln>
+            <a:solidFill>
+              <a:schemeClr val="tx1"/>
+            </a:solidFill>
+          </a:ln>
+          <a:effectLst/>
+        </p:spPr>
+        <p:style>
+          <a:lnRef idx="1">
+            <a:schemeClr val="accent1"/>
+          </a:lnRef>
+          <a:fillRef idx="3">
+            <a:schemeClr val="accent1"/>
+          </a:fillRef>
+          <a:effectRef idx="2">
+            <a:schemeClr val="accent1"/>
+          </a:effectRef>
+          <a:fontRef idx="minor">
+            <a:schemeClr val="lt1"/>
+          </a:fontRef>
+        </p:style>
+        <p:txBody>
+          <a:bodyPr rtlCol="0" anchor="ctr"/>
+          <a:lstStyle/>
+          <a:p>
+            <a:r>
+              <a:rPr lang="en-US" dirty="0" err="1">
                 <a:solidFill>
                   <a:schemeClr val="tx1"/>
                 </a:solidFill>
                 <a:latin typeface="Courier"/>
                 <a:cs typeface="Courier"/>
               </a:rPr>
-              <a:t>0092 </a:t>
+              <a:t>p</a:t>
+            </a:r>
+            <a:r>
+              <a:rPr lang="en-US" dirty="0" err="1" smtClean="0">
+                <a:solidFill>
+                  <a:schemeClr val="tx1"/>
+                </a:solidFill>
+                <a:latin typeface="Courier"/>
+                <a:cs typeface="Courier"/>
+              </a:rPr>
+              <a:t>rev</a:t>
+            </a:r>
+            <a:r>
+              <a:rPr lang="en-US" dirty="0" smtClean="0">
+                <a:solidFill>
+                  <a:schemeClr val="tx1"/>
+                </a:solidFill>
+                <a:latin typeface="Courier"/>
+                <a:cs typeface="Courier"/>
+              </a:rPr>
+              <a:t>: 00db</a:t>
+            </a:r>
+          </a:p>
+          <a:p>
+            <a:r>
+              <a:rPr lang="en-US" dirty="0" err="1" smtClean="0">
+                <a:solidFill>
+                  <a:schemeClr val="tx1"/>
+                </a:solidFill>
+                <a:latin typeface="Courier"/>
+                <a:cs typeface="Courier"/>
+              </a:rPr>
+              <a:t>txns</a:t>
             </a:r>
             <a:endParaRPr lang="en-US" dirty="0" smtClean="0">
               <a:solidFill>
@@ -13672,17 +12772,111 @@
               <a:cs typeface="Courier"/>
             </a:endParaRPr>
           </a:p>
-        </p:txBody>
-      </p:sp>
-      <p:sp>
-        <p:nvSpPr>
-          <p:cNvPr id="38" name="Rectangle 37"/>
+          <a:p>
+            <a:r>
+              <a:rPr lang="en-US" dirty="0">
+                <a:solidFill>
+                  <a:schemeClr val="tx1"/>
+                </a:solidFill>
+                <a:latin typeface="Courier"/>
+                <a:cs typeface="Courier"/>
+              </a:rPr>
+              <a:t>n</a:t>
+            </a:r>
+            <a:r>
+              <a:rPr lang="en-US" dirty="0" smtClean="0">
+                <a:solidFill>
+                  <a:schemeClr val="tx1"/>
+                </a:solidFill>
+                <a:latin typeface="Courier"/>
+                <a:cs typeface="Courier"/>
+              </a:rPr>
+              <a:t>once: 582c</a:t>
+            </a:r>
+            <a:endParaRPr lang="en-US" dirty="0">
+              <a:solidFill>
+                <a:schemeClr val="tx1"/>
+              </a:solidFill>
+              <a:latin typeface="Courier"/>
+              <a:cs typeface="Courier"/>
+            </a:endParaRPr>
+          </a:p>
+        </p:txBody>
+      </p:sp>
+      <p:sp>
+        <p:nvSpPr>
+          <p:cNvPr id="40" name="Rectangle 39"/>
           <p:cNvSpPr/>
           <p:nvPr/>
         </p:nvSpPr>
         <p:spPr>
           <a:xfrm>
-            <a:off x="6303556" y="1378901"/>
+            <a:off x="8049717" y="2611341"/>
+            <a:ext cx="882286" cy="545728"/>
+          </a:xfrm>
+          <a:prstGeom prst="rect">
+            <a:avLst/>
+          </a:prstGeom>
+          <a:solidFill>
+            <a:schemeClr val="bg1">
+              <a:lumMod val="65000"/>
+            </a:schemeClr>
+          </a:solidFill>
+          <a:ln>
+            <a:noFill/>
+          </a:ln>
+          <a:effectLst/>
+        </p:spPr>
+        <p:style>
+          <a:lnRef idx="1">
+            <a:schemeClr val="accent1"/>
+          </a:lnRef>
+          <a:fillRef idx="3">
+            <a:schemeClr val="accent1"/>
+          </a:fillRef>
+          <a:effectRef idx="2">
+            <a:schemeClr val="accent1"/>
+          </a:effectRef>
+          <a:fontRef idx="minor">
+            <a:schemeClr val="lt1"/>
+          </a:fontRef>
+        </p:style>
+        <p:txBody>
+          <a:bodyPr rtlCol="0" anchor="ctr"/>
+          <a:lstStyle/>
+          <a:p>
+            <a:r>
+              <a:rPr lang="en-US" dirty="0">
+                <a:solidFill>
+                  <a:schemeClr val="tx1"/>
+                </a:solidFill>
+                <a:latin typeface="Courier"/>
+                <a:cs typeface="Courier"/>
+              </a:rPr>
+              <a:t>h</a:t>
+            </a:r>
+            <a:r>
+              <a:rPr lang="en-US" dirty="0" smtClean="0">
+                <a:solidFill>
+                  <a:schemeClr val="tx1"/>
+                </a:solidFill>
+                <a:latin typeface="Courier"/>
+                <a:cs typeface="Courier"/>
+              </a:rPr>
+              <a:t>ash:002b </a:t>
+            </a:r>
+          </a:p>
+        </p:txBody>
+      </p:sp>
+      <p:sp>
+        <p:nvSpPr>
+          <p:cNvPr id="41" name="Rectangle 40"/>
+          <p:cNvSpPr/>
+          <p:nvPr/>
+        </p:nvSpPr>
+        <p:spPr>
+          <a:xfrm>
+            <a:off x="6303555" y="2611341"/>
             <a:ext cx="1746161" cy="952443"/>
           </a:xfrm>
           <a:prstGeom prst="rect">
@@ -13744,17 +12938,19 @@
                 <a:latin typeface="Courier"/>
                 <a:cs typeface="Courier"/>
               </a:rPr>
-              <a:t>: </a:t>
-            </a:r>
-            <a:r>
-              <a:rPr lang="en-US" dirty="0" smtClean="0">
+              <a:t>: 0092</a:t>
+            </a:r>
+          </a:p>
+          <a:p>
+            <a:r>
+              <a:rPr lang="en-US" dirty="0" err="1" smtClean="0">
                 <a:solidFill>
                   <a:schemeClr val="tx1"/>
                 </a:solidFill>
                 <a:latin typeface="Courier"/>
                 <a:cs typeface="Courier"/>
               </a:rPr>
-              <a:t>00db</a:t>
+              <a:t>txns</a:t>
             </a:r>
             <a:endParaRPr lang="en-US" dirty="0" smtClean="0">
               <a:solidFill>
@@ -13766,305 +12962,24 @@
           </a:p>
           <a:p>
             <a:r>
-              <a:rPr lang="en-US" dirty="0" err="1" smtClean="0">
+              <a:rPr lang="en-US" dirty="0">
                 <a:solidFill>
                   <a:schemeClr val="tx1"/>
                 </a:solidFill>
                 <a:latin typeface="Courier"/>
                 <a:cs typeface="Courier"/>
               </a:rPr>
-              <a:t>t</a:t>
-            </a:r>
-            <a:r>
-              <a:rPr lang="en-US" dirty="0" err="1" smtClean="0">
+              <a:t>n</a:t>
+            </a:r>
+            <a:r>
+              <a:rPr lang="en-US" dirty="0" smtClean="0">
                 <a:solidFill>
                   <a:schemeClr val="tx1"/>
                 </a:solidFill>
                 <a:latin typeface="Courier"/>
                 <a:cs typeface="Courier"/>
               </a:rPr>
-              <a:t>xns</a:t>
-            </a:r>
-            <a:endParaRPr lang="en-US" dirty="0" smtClean="0">
-              <a:solidFill>
-                <a:schemeClr val="tx1"/>
-              </a:solidFill>
-              <a:latin typeface="Courier"/>
-              <a:cs typeface="Courier"/>
-            </a:endParaRPr>
-          </a:p>
-          <a:p>
-            <a:r>
-              <a:rPr lang="en-US" dirty="0">
-                <a:solidFill>
-                  <a:schemeClr val="tx1"/>
-                </a:solidFill>
-                <a:latin typeface="Courier"/>
-                <a:cs typeface="Courier"/>
-              </a:rPr>
-              <a:t>n</a:t>
-            </a:r>
-            <a:r>
-              <a:rPr lang="en-US" dirty="0" smtClean="0">
-                <a:solidFill>
-                  <a:schemeClr val="tx1"/>
-                </a:solidFill>
-                <a:latin typeface="Courier"/>
-                <a:cs typeface="Courier"/>
-              </a:rPr>
-              <a:t>once: </a:t>
-            </a:r>
-            <a:r>
-              <a:rPr lang="en-US" dirty="0" smtClean="0">
-                <a:solidFill>
-                  <a:schemeClr val="tx1"/>
-                </a:solidFill>
-                <a:latin typeface="Courier"/>
-                <a:cs typeface="Courier"/>
-              </a:rPr>
-              <a:t>582c</a:t>
-            </a:r>
-            <a:endParaRPr lang="en-US" dirty="0">
-              <a:solidFill>
-                <a:schemeClr val="tx1"/>
-              </a:solidFill>
-              <a:latin typeface="Courier"/>
-              <a:cs typeface="Courier"/>
-            </a:endParaRPr>
-          </a:p>
-        </p:txBody>
-      </p:sp>
-      <p:sp>
-        <p:nvSpPr>
-          <p:cNvPr id="40" name="Rectangle 39"/>
-          <p:cNvSpPr/>
-          <p:nvPr/>
-        </p:nvSpPr>
-        <p:spPr>
-          <a:xfrm>
-            <a:off x="8049717" y="2611341"/>
-            <a:ext cx="882286" cy="545728"/>
-          </a:xfrm>
-          <a:prstGeom prst="rect">
-            <a:avLst/>
-          </a:prstGeom>
-          <a:solidFill>
-            <a:schemeClr val="bg1">
-              <a:lumMod val="65000"/>
-            </a:schemeClr>
-          </a:solidFill>
-          <a:ln>
-            <a:noFill/>
-          </a:ln>
-          <a:effectLst/>
-        </p:spPr>
-        <p:style>
-          <a:lnRef idx="1">
-            <a:schemeClr val="accent1"/>
-          </a:lnRef>
-          <a:fillRef idx="3">
-            <a:schemeClr val="accent1"/>
-          </a:fillRef>
-          <a:effectRef idx="2">
-            <a:schemeClr val="accent1"/>
-          </a:effectRef>
-          <a:fontRef idx="minor">
-            <a:schemeClr val="lt1"/>
-          </a:fontRef>
-        </p:style>
-        <p:txBody>
-          <a:bodyPr rtlCol="0" anchor="ctr"/>
-          <a:lstStyle/>
-          <a:p>
-            <a:r>
-              <a:rPr lang="en-US" dirty="0">
-                <a:solidFill>
-                  <a:schemeClr val="tx1"/>
-                </a:solidFill>
-                <a:latin typeface="Courier"/>
-                <a:cs typeface="Courier"/>
-              </a:rPr>
-              <a:t>h</a:t>
-            </a:r>
-            <a:r>
-              <a:rPr lang="en-US" dirty="0" smtClean="0">
-                <a:solidFill>
-                  <a:schemeClr val="tx1"/>
-                </a:solidFill>
-                <a:latin typeface="Courier"/>
-                <a:cs typeface="Courier"/>
-              </a:rPr>
-              <a:t>ash:</a:t>
-            </a:r>
-            <a:r>
-              <a:rPr lang="en-US" dirty="0" smtClean="0">
-                <a:solidFill>
-                  <a:schemeClr val="tx1"/>
-                </a:solidFill>
-                <a:latin typeface="Courier"/>
-                <a:cs typeface="Courier"/>
-              </a:rPr>
-              <a:t>002b </a:t>
-            </a:r>
-            <a:endParaRPr lang="en-US" dirty="0" smtClean="0">
-              <a:solidFill>
-                <a:schemeClr val="tx1"/>
-              </a:solidFill>
-              <a:latin typeface="Courier"/>
-              <a:cs typeface="Courier"/>
-            </a:endParaRPr>
-          </a:p>
-        </p:txBody>
-      </p:sp>
-      <p:sp>
-        <p:nvSpPr>
-          <p:cNvPr id="41" name="Rectangle 40"/>
-          <p:cNvSpPr/>
-          <p:nvPr/>
-        </p:nvSpPr>
-        <p:spPr>
-          <a:xfrm>
-            <a:off x="6303555" y="2611341"/>
-            <a:ext cx="1746161" cy="952443"/>
-          </a:xfrm>
-          <a:prstGeom prst="rect">
-            <a:avLst/>
-          </a:prstGeom>
-          <a:solidFill>
-            <a:schemeClr val="bg1"/>
-          </a:solidFill>
-          <a:ln>
-            <a:solidFill>
-              <a:schemeClr val="tx1"/>
-            </a:solidFill>
-          </a:ln>
-          <a:effectLst/>
-        </p:spPr>
-        <p:style>
-          <a:lnRef idx="1">
-            <a:schemeClr val="accent1"/>
-          </a:lnRef>
-          <a:fillRef idx="3">
-            <a:schemeClr val="accent1"/>
-          </a:fillRef>
-          <a:effectRef idx="2">
-            <a:schemeClr val="accent1"/>
-          </a:effectRef>
-          <a:fontRef idx="minor">
-            <a:schemeClr val="lt1"/>
-          </a:fontRef>
-        </p:style>
-        <p:txBody>
-          <a:bodyPr rtlCol="0" anchor="ctr"/>
-          <a:lstStyle/>
-          <a:p>
-            <a:r>
-              <a:rPr lang="en-US" dirty="0" err="1">
-                <a:solidFill>
-                  <a:schemeClr val="tx1"/>
-                </a:solidFill>
-                <a:latin typeface="Courier"/>
-                <a:cs typeface="Courier"/>
-              </a:rPr>
-              <a:t>p</a:t>
-            </a:r>
-            <a:r>
-              <a:rPr lang="en-US" dirty="0" err="1" smtClean="0">
-                <a:solidFill>
-                  <a:schemeClr val="tx1"/>
-                </a:solidFill>
-                <a:latin typeface="Courier"/>
-                <a:cs typeface="Courier"/>
-              </a:rPr>
-              <a:t>rev</a:t>
-            </a:r>
-            <a:r>
-              <a:rPr lang="en-US" dirty="0" smtClean="0">
-                <a:solidFill>
-                  <a:schemeClr val="tx1"/>
-                </a:solidFill>
-                <a:latin typeface="Courier"/>
-                <a:cs typeface="Courier"/>
-              </a:rPr>
-              <a:t>: </a:t>
-            </a:r>
-            <a:r>
-              <a:rPr lang="en-US" dirty="0" smtClean="0">
-                <a:solidFill>
-                  <a:schemeClr val="tx1"/>
-                </a:solidFill>
-                <a:latin typeface="Courier"/>
-                <a:cs typeface="Courier"/>
-              </a:rPr>
-              <a:t>0092</a:t>
-            </a:r>
-            <a:endParaRPr lang="en-US" dirty="0" smtClean="0">
-              <a:solidFill>
-                <a:schemeClr val="tx1"/>
-              </a:solidFill>
-              <a:latin typeface="Courier"/>
-              <a:cs typeface="Courier"/>
-            </a:endParaRPr>
-          </a:p>
-          <a:p>
-            <a:r>
-              <a:rPr lang="en-US" dirty="0" err="1" smtClean="0">
-                <a:solidFill>
-                  <a:schemeClr val="tx1"/>
-                </a:solidFill>
-                <a:latin typeface="Courier"/>
-                <a:cs typeface="Courier"/>
-              </a:rPr>
-              <a:t>t</a:t>
-            </a:r>
-            <a:r>
-              <a:rPr lang="en-US" dirty="0" err="1" smtClean="0">
-                <a:solidFill>
-                  <a:schemeClr val="tx1"/>
-                </a:solidFill>
-                <a:latin typeface="Courier"/>
-                <a:cs typeface="Courier"/>
-              </a:rPr>
-              <a:t>xns</a:t>
-            </a:r>
-            <a:endParaRPr lang="en-US" dirty="0" smtClean="0">
-              <a:solidFill>
-                <a:schemeClr val="tx1"/>
-              </a:solidFill>
-              <a:latin typeface="Courier"/>
-              <a:cs typeface="Courier"/>
-            </a:endParaRPr>
-          </a:p>
-          <a:p>
-            <a:r>
-              <a:rPr lang="en-US" dirty="0">
-                <a:solidFill>
-                  <a:schemeClr val="tx1"/>
-                </a:solidFill>
-                <a:latin typeface="Courier"/>
-                <a:cs typeface="Courier"/>
-              </a:rPr>
-              <a:t>n</a:t>
-            </a:r>
-            <a:r>
-              <a:rPr lang="en-US" dirty="0" smtClean="0">
-                <a:solidFill>
-                  <a:schemeClr val="tx1"/>
-                </a:solidFill>
-                <a:latin typeface="Courier"/>
-                <a:cs typeface="Courier"/>
-              </a:rPr>
-              <a:t>once: </a:t>
-            </a:r>
-            <a:r>
-              <a:rPr lang="en-US" dirty="0" smtClean="0">
-                <a:solidFill>
-                  <a:schemeClr val="tx1"/>
-                </a:solidFill>
-                <a:latin typeface="Courier"/>
-                <a:cs typeface="Courier"/>
-              </a:rPr>
-              <a:t>fd1a</a:t>
+              <a:t>once: fd1a</a:t>
             </a:r>
             <a:endParaRPr lang="en-US" dirty="0">
               <a:solidFill>
@@ -14271,13 +13186,6 @@
               </a:rPr>
               <a:t>004d </a:t>
             </a:r>
-            <a:endParaRPr lang="en-US" dirty="0" smtClean="0">
-              <a:solidFill>
-                <a:srgbClr val="FF0000"/>
-              </a:solidFill>
-              <a:latin typeface="Courier"/>
-              <a:cs typeface="Courier"/>
-            </a:endParaRPr>
           </a:p>
         </p:txBody>
       </p:sp>
@@ -14351,95 +13259,61 @@
                 <a:latin typeface="Courier"/>
                 <a:cs typeface="Courier"/>
               </a:rPr>
-              <a:t>: </a:t>
-            </a:r>
-            <a:r>
-              <a:rPr lang="en-US" dirty="0" smtClean="0">
+              <a:t>: 002b</a:t>
+            </a:r>
+          </a:p>
+          <a:p>
+            <a:r>
+              <a:rPr lang="en-US" dirty="0" err="1">
                 <a:solidFill>
                   <a:schemeClr val="tx1"/>
                 </a:solidFill>
                 <a:latin typeface="Courier"/>
                 <a:cs typeface="Courier"/>
               </a:rPr>
-              <a:t>002b</a:t>
-            </a:r>
-            <a:endParaRPr lang="en-US" dirty="0" smtClean="0">
-              <a:solidFill>
-                <a:schemeClr val="tx1"/>
-              </a:solidFill>
-              <a:latin typeface="Courier"/>
-              <a:cs typeface="Courier"/>
-            </a:endParaRPr>
-          </a:p>
-          <a:p>
-            <a:r>
-              <a:rPr lang="en-US" dirty="0" err="1">
+              <a:t>t</a:t>
+            </a:r>
+            <a:r>
+              <a:rPr lang="en-US" dirty="0" err="1" smtClean="0">
                 <a:solidFill>
                   <a:schemeClr val="tx1"/>
                 </a:solidFill>
                 <a:latin typeface="Courier"/>
                 <a:cs typeface="Courier"/>
               </a:rPr>
-              <a:t>t</a:t>
-            </a:r>
-            <a:r>
-              <a:rPr lang="en-US" dirty="0" err="1" smtClean="0">
+              <a:t>xns</a:t>
+            </a:r>
+            <a:r>
+              <a:rPr lang="en-US" dirty="0" smtClean="0">
                 <a:solidFill>
                   <a:schemeClr val="tx1"/>
                 </a:solidFill>
                 <a:latin typeface="Courier"/>
                 <a:cs typeface="Courier"/>
               </a:rPr>
-              <a:t>xns</a:t>
-            </a:r>
-            <a:r>
-              <a:rPr lang="en-US" dirty="0" smtClean="0">
+              <a:t> v2</a:t>
+            </a:r>
+          </a:p>
+          <a:p>
+            <a:r>
+              <a:rPr lang="en-US" dirty="0">
                 <a:solidFill>
                   <a:schemeClr val="tx1"/>
                 </a:solidFill>
                 <a:latin typeface="Courier"/>
                 <a:cs typeface="Courier"/>
               </a:rPr>
-              <a:t> v2</a:t>
-            </a:r>
-            <a:endParaRPr lang="en-US" dirty="0" smtClean="0">
-              <a:solidFill>
-                <a:schemeClr val="tx1"/>
-              </a:solidFill>
-              <a:latin typeface="Courier"/>
-              <a:cs typeface="Courier"/>
-            </a:endParaRPr>
-          </a:p>
-          <a:p>
-            <a:r>
-              <a:rPr lang="en-US" dirty="0">
+              <a:t>n</a:t>
+            </a:r>
+            <a:r>
+              <a:rPr lang="en-US" dirty="0" smtClean="0">
                 <a:solidFill>
                   <a:schemeClr val="tx1"/>
                 </a:solidFill>
                 <a:latin typeface="Courier"/>
                 <a:cs typeface="Courier"/>
               </a:rPr>
-              <a:t>n</a:t>
-            </a:r>
-            <a:r>
-              <a:rPr lang="en-US" dirty="0" smtClean="0">
-                <a:solidFill>
-                  <a:schemeClr val="tx1"/>
-                </a:solidFill>
-                <a:latin typeface="Courier"/>
-                <a:cs typeface="Courier"/>
-              </a:rPr>
-              <a:t>once: </a:t>
-            </a:r>
-            <a:r>
-              <a:rPr lang="en-US" dirty="0" smtClean="0">
-                <a:solidFill>
-                  <a:schemeClr val="tx1"/>
-                </a:solidFill>
-                <a:latin typeface="Courier"/>
-                <a:cs typeface="Courier"/>
-              </a:rPr>
-              <a:t>ce7d</a:t>
+              <a:t>once: ce7d</a:t>
             </a:r>
             <a:endParaRPr lang="en-US" dirty="0">
               <a:solidFill>
@@ -14923,11 +13797,7 @@
             </a:pPr>
             <a:r>
               <a:rPr lang="en-US" dirty="0" smtClean="0"/>
-              <a:t>Miners who don’t upgrade might produce invalid </a:t>
-            </a:r>
-            <a:r>
-              <a:rPr lang="en-US" dirty="0" smtClean="0"/>
-              <a:t>blocks, but they will be orphaned</a:t>
+              <a:t>Miners who don’t upgrade might produce invalid blocks, but they will be orphaned</a:t>
             </a:r>
             <a:endParaRPr lang="en-US" dirty="0"/>
           </a:p>
@@ -21275,13 +20145,6 @@
               </a:rPr>
               <a:t>Two chains forever</a:t>
             </a:r>
-            <a:endParaRPr lang="en-US" dirty="0" smtClean="0">
-              <a:solidFill>
-                <a:schemeClr val="bg1"/>
-              </a:solidFill>
-              <a:latin typeface="Helvetica Neue"/>
-              <a:cs typeface="Helvetica Neue"/>
-            </a:endParaRPr>
           </a:p>
         </p:txBody>
       </p:sp>
@@ -22426,726 +21289,6 @@
     <p:extLst>
       <p:ext uri="{BB962C8B-B14F-4D97-AF65-F5344CB8AC3E}">
         <p14:creationId xmlns:p14="http://schemas.microsoft.com/office/powerpoint/2010/main" val="3684213604"/>
-      </p:ext>
-    </p:extLst>
-  </p:cSld>
-  <p:clrMapOvr>
-    <a:masterClrMapping/>
-  </p:clrMapOvr>
-  <p:timing>
-    <p:tnLst>
-      <p:par>
-        <p:cTn xmlns:p14="http://schemas.microsoft.com/office/powerpoint/2010/main" id="1" dur="indefinite" restart="never" nodeType="tmRoot"/>
-      </p:par>
-    </p:tnLst>
-  </p:timing>
-</p:sld>
-</file>
-
-<file path=ppt/slides/slide34.xml><?xml version="1.0" encoding="utf-8"?>
-<p:sld xmlns:a="http://schemas.openxmlformats.org/drawingml/2006/main" xmlns:r="http://schemas.openxmlformats.org/officeDocument/2006/relationships" xmlns:p="http://schemas.openxmlformats.org/presentationml/2006/main">
-  <p:cSld>
-    <p:spTree>
-      <p:nvGrpSpPr>
-        <p:cNvPr id="1" name=""/>
-        <p:cNvGrpSpPr/>
-        <p:nvPr/>
-      </p:nvGrpSpPr>
-      <p:grpSpPr>
-        <a:xfrm>
-          <a:off x="0" y="0"/>
-          <a:ext cx="0" cy="0"/>
-          <a:chOff x="0" y="0"/>
-          <a:chExt cx="0" cy="0"/>
-        </a:xfrm>
-      </p:grpSpPr>
-      <p:sp>
-        <p:nvSpPr>
-          <p:cNvPr id="2" name="Title 1"/>
-          <p:cNvSpPr>
-            <a:spLocks noGrp="1"/>
-          </p:cNvSpPr>
-          <p:nvPr>
-            <p:ph type="title"/>
-          </p:nvPr>
-        </p:nvSpPr>
-        <p:spPr/>
-        <p:txBody>
-          <a:bodyPr/>
-          <a:lstStyle/>
-          <a:p>
-            <a:r>
-              <a:rPr lang="en-US" dirty="0" smtClean="0"/>
-              <a:t>Transaction format</a:t>
-            </a:r>
-            <a:endParaRPr lang="en-US" dirty="0"/>
-          </a:p>
-        </p:txBody>
-      </p:sp>
-      <p:sp>
-        <p:nvSpPr>
-          <p:cNvPr id="4" name="Rectangle 3"/>
-          <p:cNvSpPr/>
-          <p:nvPr/>
-        </p:nvSpPr>
-        <p:spPr>
-          <a:xfrm>
-            <a:off x="1254258" y="1354166"/>
-            <a:ext cx="6701511" cy="3109916"/>
-          </a:xfrm>
-          <a:prstGeom prst="rect">
-            <a:avLst/>
-          </a:prstGeom>
-          <a:noFill/>
-          <a:ln>
-            <a:solidFill>
-              <a:schemeClr val="tx1"/>
-            </a:solidFill>
-          </a:ln>
-          <a:effectLst/>
-        </p:spPr>
-        <p:style>
-          <a:lnRef idx="1">
-            <a:schemeClr val="accent1"/>
-          </a:lnRef>
-          <a:fillRef idx="3">
-            <a:schemeClr val="accent1"/>
-          </a:fillRef>
-          <a:effectRef idx="2">
-            <a:schemeClr val="accent1"/>
-          </a:effectRef>
-          <a:fontRef idx="minor">
-            <a:schemeClr val="lt1"/>
-          </a:fontRef>
-        </p:style>
-        <p:txBody>
-          <a:bodyPr rtlCol="0" anchor="ctr"/>
-          <a:lstStyle/>
-          <a:p>
-            <a:endParaRPr lang="en-US" dirty="0">
-              <a:solidFill>
-                <a:schemeClr val="tx1"/>
-              </a:solidFill>
-              <a:latin typeface="Courier"/>
-              <a:cs typeface="Courier"/>
-            </a:endParaRPr>
-          </a:p>
-        </p:txBody>
-      </p:sp>
-      <p:sp>
-        <p:nvSpPr>
-          <p:cNvPr id="5" name="Rectangle 4"/>
-          <p:cNvSpPr/>
-          <p:nvPr/>
-        </p:nvSpPr>
-        <p:spPr>
-          <a:xfrm>
-            <a:off x="4622190" y="1357140"/>
-            <a:ext cx="3333579" cy="3109916"/>
-          </a:xfrm>
-          <a:prstGeom prst="rect">
-            <a:avLst/>
-          </a:prstGeom>
-          <a:noFill/>
-          <a:ln>
-            <a:solidFill>
-              <a:schemeClr val="tx1"/>
-            </a:solidFill>
-          </a:ln>
-          <a:effectLst/>
-        </p:spPr>
-        <p:style>
-          <a:lnRef idx="1">
-            <a:schemeClr val="accent1"/>
-          </a:lnRef>
-          <a:fillRef idx="3">
-            <a:schemeClr val="accent1"/>
-          </a:fillRef>
-          <a:effectRef idx="2">
-            <a:schemeClr val="accent1"/>
-          </a:effectRef>
-          <a:fontRef idx="minor">
-            <a:schemeClr val="lt1"/>
-          </a:fontRef>
-        </p:style>
-        <p:txBody>
-          <a:bodyPr rtlCol="0" anchor="t"/>
-          <a:lstStyle/>
-          <a:p>
-            <a:pPr algn="ctr"/>
-            <a:r>
-              <a:rPr lang="en-US" sz="3200" u="sng" dirty="0" smtClean="0">
-                <a:solidFill>
-                  <a:schemeClr val="tx1"/>
-                </a:solidFill>
-                <a:latin typeface="Helvetica Neue"/>
-                <a:cs typeface="Helvetica Neue"/>
-              </a:rPr>
-              <a:t>Output</a:t>
-            </a:r>
-          </a:p>
-          <a:p>
-            <a:pPr algn="ctr"/>
-            <a:endParaRPr lang="en-US" sz="3200" u="sng" dirty="0" smtClean="0">
-              <a:solidFill>
-                <a:schemeClr val="tx1"/>
-              </a:solidFill>
-              <a:latin typeface="Helvetica Neue"/>
-              <a:cs typeface="Helvetica Neue"/>
-            </a:endParaRPr>
-          </a:p>
-          <a:p>
-            <a:pPr algn="ctr"/>
-            <a:r>
-              <a:rPr lang="en-US" sz="3200" dirty="0" smtClean="0">
-                <a:solidFill>
-                  <a:schemeClr val="tx1"/>
-                </a:solidFill>
-                <a:latin typeface="Helvetica Neue"/>
-                <a:cs typeface="Helvetica Neue"/>
-              </a:rPr>
-              <a:t>Value</a:t>
-            </a:r>
-          </a:p>
-          <a:p>
-            <a:pPr algn="ctr"/>
-            <a:r>
-              <a:rPr lang="en-US" sz="3200" dirty="0" err="1" smtClean="0">
-                <a:solidFill>
-                  <a:schemeClr val="tx1"/>
-                </a:solidFill>
-                <a:latin typeface="Helvetica Neue"/>
-                <a:cs typeface="Helvetica Neue"/>
-              </a:rPr>
-              <a:t>scriptPubKey</a:t>
-            </a:r>
-            <a:endParaRPr lang="en-US" sz="3200" dirty="0">
-              <a:solidFill>
-                <a:schemeClr val="tx1"/>
-              </a:solidFill>
-              <a:latin typeface="Helvetica Neue"/>
-              <a:cs typeface="Helvetica Neue"/>
-            </a:endParaRPr>
-          </a:p>
-        </p:txBody>
-      </p:sp>
-      <p:sp>
-        <p:nvSpPr>
-          <p:cNvPr id="6" name="Rectangle 5"/>
-          <p:cNvSpPr/>
-          <p:nvPr/>
-        </p:nvSpPr>
-        <p:spPr>
-          <a:xfrm>
-            <a:off x="1254258" y="1357140"/>
-            <a:ext cx="3367932" cy="3109916"/>
-          </a:xfrm>
-          <a:prstGeom prst="rect">
-            <a:avLst/>
-          </a:prstGeom>
-          <a:noFill/>
-          <a:ln>
-            <a:solidFill>
-              <a:schemeClr val="tx1"/>
-            </a:solidFill>
-          </a:ln>
-          <a:effectLst/>
-        </p:spPr>
-        <p:style>
-          <a:lnRef idx="1">
-            <a:schemeClr val="accent1"/>
-          </a:lnRef>
-          <a:fillRef idx="3">
-            <a:schemeClr val="accent1"/>
-          </a:fillRef>
-          <a:effectRef idx="2">
-            <a:schemeClr val="accent1"/>
-          </a:effectRef>
-          <a:fontRef idx="minor">
-            <a:schemeClr val="lt1"/>
-          </a:fontRef>
-        </p:style>
-        <p:txBody>
-          <a:bodyPr rtlCol="0" anchor="ctr"/>
-          <a:lstStyle/>
-          <a:p>
-            <a:endParaRPr lang="en-US" dirty="0">
-              <a:solidFill>
-                <a:schemeClr val="tx1"/>
-              </a:solidFill>
-              <a:latin typeface="Courier"/>
-              <a:cs typeface="Courier"/>
-            </a:endParaRPr>
-          </a:p>
-        </p:txBody>
-      </p:sp>
-      <p:sp>
-        <p:nvSpPr>
-          <p:cNvPr id="10" name="Content Placeholder 2"/>
-          <p:cNvSpPr>
-            <a:spLocks noGrp="1"/>
-          </p:cNvSpPr>
-          <p:nvPr>
-            <p:ph idx="1"/>
-          </p:nvPr>
-        </p:nvSpPr>
-        <p:spPr>
-          <a:xfrm>
-            <a:off x="1254258" y="1354165"/>
-            <a:ext cx="3367932" cy="3109917"/>
-          </a:xfrm>
-        </p:spPr>
-        <p:txBody>
-          <a:bodyPr anchor="t">
-            <a:normAutofit/>
-          </a:bodyPr>
-          <a:lstStyle/>
-          <a:p>
-            <a:pPr marL="0" indent="0" algn="ctr">
-              <a:buNone/>
-            </a:pPr>
-            <a:r>
-              <a:rPr lang="en-US" u="sng" dirty="0" smtClean="0"/>
-              <a:t>Input</a:t>
-            </a:r>
-          </a:p>
-          <a:p>
-            <a:pPr marL="0" indent="0" algn="ctr">
-              <a:buNone/>
-            </a:pPr>
-            <a:r>
-              <a:rPr lang="en-US" dirty="0" err="1" smtClean="0"/>
-              <a:t>Prev</a:t>
-            </a:r>
-            <a:r>
-              <a:rPr lang="en-US" dirty="0" smtClean="0"/>
-              <a:t> </a:t>
-            </a:r>
-            <a:r>
-              <a:rPr lang="en-US" dirty="0" err="1" smtClean="0"/>
-              <a:t>txn</a:t>
-            </a:r>
-            <a:r>
-              <a:rPr lang="en-US" dirty="0" smtClean="0"/>
-              <a:t> ID</a:t>
-            </a:r>
-          </a:p>
-          <a:p>
-            <a:pPr marL="0" indent="0" algn="ctr">
-              <a:buNone/>
-            </a:pPr>
-            <a:r>
-              <a:rPr lang="en-US" dirty="0" smtClean="0"/>
-              <a:t>Index</a:t>
-            </a:r>
-          </a:p>
-          <a:p>
-            <a:pPr marL="0" indent="0" algn="ctr">
-              <a:buNone/>
-            </a:pPr>
-            <a:r>
-              <a:rPr lang="en-US" dirty="0" err="1" smtClean="0"/>
-              <a:t>scriptSig</a:t>
-            </a:r>
-            <a:endParaRPr lang="en-US" dirty="0" smtClean="0"/>
-          </a:p>
-        </p:txBody>
-      </p:sp>
-      <p:sp>
-        <p:nvSpPr>
-          <p:cNvPr id="12" name="Rectangle 11"/>
-          <p:cNvSpPr/>
-          <p:nvPr/>
-        </p:nvSpPr>
-        <p:spPr>
-          <a:xfrm>
-            <a:off x="4622190" y="1354165"/>
-            <a:ext cx="3333579" cy="3109916"/>
-          </a:xfrm>
-          <a:prstGeom prst="rect">
-            <a:avLst/>
-          </a:prstGeom>
-          <a:noFill/>
-          <a:ln>
-            <a:solidFill>
-              <a:schemeClr val="tx1"/>
-            </a:solidFill>
-          </a:ln>
-          <a:effectLst/>
-        </p:spPr>
-        <p:style>
-          <a:lnRef idx="1">
-            <a:schemeClr val="accent1"/>
-          </a:lnRef>
-          <a:fillRef idx="3">
-            <a:schemeClr val="accent1"/>
-          </a:fillRef>
-          <a:effectRef idx="2">
-            <a:schemeClr val="accent1"/>
-          </a:effectRef>
-          <a:fontRef idx="minor">
-            <a:schemeClr val="lt1"/>
-          </a:fontRef>
-        </p:style>
-        <p:txBody>
-          <a:bodyPr rtlCol="0" anchor="ctr"/>
-          <a:lstStyle/>
-          <a:p>
-            <a:endParaRPr lang="en-US" dirty="0">
-              <a:solidFill>
-                <a:schemeClr val="tx1"/>
-              </a:solidFill>
-              <a:latin typeface="Courier"/>
-              <a:cs typeface="Courier"/>
-            </a:endParaRPr>
-          </a:p>
-        </p:txBody>
-      </p:sp>
-      <p:sp>
-        <p:nvSpPr>
-          <p:cNvPr id="15" name="Left Bracket 14"/>
-          <p:cNvSpPr/>
-          <p:nvPr/>
-        </p:nvSpPr>
-        <p:spPr>
-          <a:xfrm>
-            <a:off x="1862883" y="1979886"/>
-            <a:ext cx="214768" cy="1158046"/>
-          </a:xfrm>
-          <a:prstGeom prst="leftBracket">
-            <a:avLst/>
-          </a:prstGeom>
-          <a:ln w="63500">
-            <a:solidFill>
-              <a:srgbClr val="0000FF"/>
-            </a:solidFill>
-          </a:ln>
-          <a:effectLst/>
-        </p:spPr>
-        <p:style>
-          <a:lnRef idx="2">
-            <a:schemeClr val="accent1"/>
-          </a:lnRef>
-          <a:fillRef idx="0">
-            <a:schemeClr val="accent1"/>
-          </a:fillRef>
-          <a:effectRef idx="1">
-            <a:schemeClr val="accent1"/>
-          </a:effectRef>
-          <a:fontRef idx="minor">
-            <a:schemeClr val="tx1"/>
-          </a:fontRef>
-        </p:style>
-        <p:txBody>
-          <a:bodyPr rtlCol="0" anchor="ctr"/>
-          <a:lstStyle/>
-          <a:p>
-            <a:pPr algn="ctr"/>
-            <a:endParaRPr lang="en-US"/>
-          </a:p>
-        </p:txBody>
-      </p:sp>
-      <p:sp>
-        <p:nvSpPr>
-          <p:cNvPr id="16" name="Rectangle 15"/>
-          <p:cNvSpPr/>
-          <p:nvPr/>
-        </p:nvSpPr>
-        <p:spPr>
-          <a:xfrm>
-            <a:off x="158745" y="1979886"/>
-            <a:ext cx="1596754" cy="1158046"/>
-          </a:xfrm>
-          <a:prstGeom prst="rect">
-            <a:avLst/>
-          </a:prstGeom>
-          <a:solidFill>
-            <a:srgbClr val="0000FF"/>
-          </a:solidFill>
-          <a:ln>
-            <a:noFill/>
-          </a:ln>
-          <a:effectLst/>
-        </p:spPr>
-        <p:style>
-          <a:lnRef idx="1">
-            <a:schemeClr val="accent1"/>
-          </a:lnRef>
-          <a:fillRef idx="3">
-            <a:schemeClr val="accent1"/>
-          </a:fillRef>
-          <a:effectRef idx="2">
-            <a:schemeClr val="accent1"/>
-          </a:effectRef>
-          <a:fontRef idx="minor">
-            <a:schemeClr val="lt1"/>
-          </a:fontRef>
-        </p:style>
-        <p:txBody>
-          <a:bodyPr rtlCol="0" anchor="ctr"/>
-          <a:lstStyle/>
-          <a:p>
-            <a:pPr algn="ctr"/>
-            <a:r>
-              <a:rPr lang="en-US" dirty="0">
-                <a:solidFill>
-                  <a:schemeClr val="bg1"/>
-                </a:solidFill>
-                <a:latin typeface="Helvetica Neue"/>
-                <a:cs typeface="Helvetica Neue"/>
-              </a:rPr>
-              <a:t>U</a:t>
-            </a:r>
-            <a:r>
-              <a:rPr lang="en-US" dirty="0" smtClean="0">
-                <a:solidFill>
-                  <a:schemeClr val="bg1"/>
-                </a:solidFill>
-                <a:latin typeface="Helvetica Neue"/>
-                <a:cs typeface="Helvetica Neue"/>
-              </a:rPr>
-              <a:t>niquely identifies an output</a:t>
-            </a:r>
-          </a:p>
-        </p:txBody>
-      </p:sp>
-      <p:sp>
-        <p:nvSpPr>
-          <p:cNvPr id="17" name="Rectangle 16"/>
-          <p:cNvSpPr/>
-          <p:nvPr/>
-        </p:nvSpPr>
-        <p:spPr>
-          <a:xfrm>
-            <a:off x="1254257" y="4464080"/>
-            <a:ext cx="6701511" cy="398191"/>
-          </a:xfrm>
-          <a:prstGeom prst="rect">
-            <a:avLst/>
-          </a:prstGeom>
-          <a:noFill/>
-          <a:ln>
-            <a:solidFill>
-              <a:schemeClr val="tx1"/>
-            </a:solidFill>
-          </a:ln>
-          <a:effectLst/>
-        </p:spPr>
-        <p:style>
-          <a:lnRef idx="1">
-            <a:schemeClr val="accent1"/>
-          </a:lnRef>
-          <a:fillRef idx="3">
-            <a:schemeClr val="accent1"/>
-          </a:fillRef>
-          <a:effectRef idx="2">
-            <a:schemeClr val="accent1"/>
-          </a:effectRef>
-          <a:fontRef idx="minor">
-            <a:schemeClr val="lt1"/>
-          </a:fontRef>
-        </p:style>
-        <p:txBody>
-          <a:bodyPr rtlCol="0" anchor="ctr"/>
-          <a:lstStyle/>
-          <a:p>
-            <a:pPr algn="ctr"/>
-            <a:r>
-              <a:rPr lang="en-US" dirty="0" err="1" smtClean="0">
-                <a:solidFill>
-                  <a:schemeClr val="tx1"/>
-                </a:solidFill>
-                <a:latin typeface="Helvetica Neue"/>
-                <a:cs typeface="Helvetica Neue"/>
-              </a:rPr>
-              <a:t>lock_time</a:t>
-            </a:r>
-            <a:endParaRPr lang="en-US" dirty="0">
-              <a:solidFill>
-                <a:schemeClr val="tx1"/>
-              </a:solidFill>
-              <a:latin typeface="Helvetica Neue"/>
-              <a:cs typeface="Helvetica Neue"/>
-            </a:endParaRPr>
-          </a:p>
-        </p:txBody>
-      </p:sp>
-      <p:sp>
-        <p:nvSpPr>
-          <p:cNvPr id="18" name="Rectangle 17"/>
-          <p:cNvSpPr/>
-          <p:nvPr/>
-        </p:nvSpPr>
-        <p:spPr>
-          <a:xfrm>
-            <a:off x="5686352" y="3491391"/>
-            <a:ext cx="1322962" cy="841944"/>
-          </a:xfrm>
-          <a:prstGeom prst="rect">
-            <a:avLst/>
-          </a:prstGeom>
-          <a:solidFill>
-            <a:srgbClr val="0000FF"/>
-          </a:solidFill>
-          <a:ln>
-            <a:noFill/>
-          </a:ln>
-          <a:effectLst/>
-        </p:spPr>
-        <p:style>
-          <a:lnRef idx="1">
-            <a:schemeClr val="accent1"/>
-          </a:lnRef>
-          <a:fillRef idx="3">
-            <a:schemeClr val="accent1"/>
-          </a:fillRef>
-          <a:effectRef idx="2">
-            <a:schemeClr val="accent1"/>
-          </a:effectRef>
-          <a:fontRef idx="minor">
-            <a:schemeClr val="lt1"/>
-          </a:fontRef>
-        </p:style>
-        <p:txBody>
-          <a:bodyPr rtlCol="0" anchor="ctr"/>
-          <a:lstStyle/>
-          <a:p>
-            <a:pPr algn="ctr"/>
-            <a:r>
-              <a:rPr lang="en-US" dirty="0" smtClean="0">
-                <a:solidFill>
-                  <a:schemeClr val="bg1"/>
-                </a:solidFill>
-                <a:latin typeface="Helvetica Neue"/>
-                <a:cs typeface="Helvetica Neue"/>
-              </a:rPr>
-              <a:t>A “coin”</a:t>
-            </a:r>
-          </a:p>
-        </p:txBody>
-      </p:sp>
-      <p:sp>
-        <p:nvSpPr>
-          <p:cNvPr id="19" name="Rectangle 18"/>
-          <p:cNvSpPr/>
-          <p:nvPr/>
-        </p:nvSpPr>
-        <p:spPr>
-          <a:xfrm>
-            <a:off x="7009314" y="2063937"/>
-            <a:ext cx="1478708" cy="859195"/>
-          </a:xfrm>
-          <a:prstGeom prst="rect">
-            <a:avLst/>
-          </a:prstGeom>
-          <a:solidFill>
-            <a:srgbClr val="0000FF"/>
-          </a:solidFill>
-          <a:ln>
-            <a:noFill/>
-          </a:ln>
-          <a:effectLst/>
-        </p:spPr>
-        <p:style>
-          <a:lnRef idx="1">
-            <a:schemeClr val="accent1"/>
-          </a:lnRef>
-          <a:fillRef idx="3">
-            <a:schemeClr val="accent1"/>
-          </a:fillRef>
-          <a:effectRef idx="2">
-            <a:schemeClr val="accent1"/>
-          </a:effectRef>
-          <a:fontRef idx="minor">
-            <a:schemeClr val="lt1"/>
-          </a:fontRef>
-        </p:style>
-        <p:txBody>
-          <a:bodyPr rtlCol="0" anchor="ctr"/>
-          <a:lstStyle/>
-          <a:p>
-            <a:pPr algn="ctr"/>
-            <a:r>
-              <a:rPr lang="en-US" dirty="0" smtClean="0">
-                <a:solidFill>
-                  <a:schemeClr val="bg1"/>
-                </a:solidFill>
-                <a:latin typeface="Helvetica Neue"/>
-                <a:cs typeface="Helvetica Neue"/>
-              </a:rPr>
-              <a:t>10</a:t>
-            </a:r>
-            <a:r>
-              <a:rPr lang="en-US" baseline="30000" dirty="0" smtClean="0">
-                <a:solidFill>
-                  <a:schemeClr val="bg1"/>
-                </a:solidFill>
-                <a:latin typeface="Helvetica Neue"/>
-                <a:cs typeface="Helvetica Neue"/>
-              </a:rPr>
-              <a:t>8</a:t>
-            </a:r>
-            <a:r>
-              <a:rPr lang="en-US" dirty="0" smtClean="0">
-                <a:solidFill>
-                  <a:schemeClr val="bg1"/>
-                </a:solidFill>
-                <a:latin typeface="Helvetica Neue"/>
-                <a:cs typeface="Helvetica Neue"/>
-              </a:rPr>
-              <a:t> </a:t>
-            </a:r>
-            <a:r>
-              <a:rPr lang="en-US" dirty="0" err="1" smtClean="0">
-                <a:solidFill>
-                  <a:schemeClr val="bg1"/>
-                </a:solidFill>
-                <a:latin typeface="Helvetica Neue"/>
-                <a:cs typeface="Helvetica Neue"/>
-              </a:rPr>
-              <a:t>satoshis</a:t>
-            </a:r>
-            <a:r>
-              <a:rPr lang="en-US" dirty="0" smtClean="0">
-                <a:solidFill>
-                  <a:schemeClr val="bg1"/>
-                </a:solidFill>
-                <a:latin typeface="Helvetica Neue"/>
-                <a:cs typeface="Helvetica Neue"/>
-              </a:rPr>
-              <a:t> = 1 bitcoin</a:t>
-            </a:r>
-          </a:p>
-        </p:txBody>
-      </p:sp>
-      <p:pic>
-        <p:nvPicPr>
-          <p:cNvPr id="13" name="Picture 12"/>
-          <p:cNvPicPr>
-            <a:picLocks noChangeAspect="1"/>
-          </p:cNvPicPr>
-          <p:nvPr/>
-        </p:nvPicPr>
-        <p:blipFill>
-          <a:blip r:embed="rId2"/>
-          <a:stretch>
-            <a:fillRect/>
-          </a:stretch>
-        </p:blipFill>
-        <p:spPr>
-          <a:xfrm>
-            <a:off x="4734756" y="1232758"/>
-            <a:ext cx="690111" cy="959591"/>
-          </a:xfrm>
-          <a:prstGeom prst="rect">
-            <a:avLst/>
-          </a:prstGeom>
-        </p:spPr>
-      </p:pic>
-    </p:spTree>
-    <p:extLst>
-      <p:ext uri="{BB962C8B-B14F-4D97-AF65-F5344CB8AC3E}">
-        <p14:creationId xmlns:p14="http://schemas.microsoft.com/office/powerpoint/2010/main" val="3093732766"/>
       </p:ext>
     </p:extLst>
   </p:cSld>
@@ -25769,17 +23912,7 @@
                 <a:latin typeface="Courier"/>
                 <a:cs typeface="Courier"/>
               </a:rPr>
-              <a:t>t</a:t>
-            </a:r>
-            <a:r>
-              <a:rPr lang="en-US" dirty="0" err="1" smtClean="0">
-                <a:solidFill>
-                  <a:schemeClr val="tx1"/>
-                </a:solidFill>
-                <a:latin typeface="Courier"/>
-                <a:cs typeface="Courier"/>
-              </a:rPr>
-              <a:t>xns</a:t>
+              <a:t>txns</a:t>
             </a:r>
             <a:endParaRPr lang="en-US" dirty="0" smtClean="0">
               <a:solidFill>
@@ -25880,17 +24013,92 @@
                 <a:latin typeface="Courier"/>
                 <a:cs typeface="Courier"/>
               </a:rPr>
-              <a:t>ash:</a:t>
-            </a:r>
-            <a:r>
-              <a:rPr lang="en-US" dirty="0" smtClean="0">
+              <a:t>ash:0092 </a:t>
+            </a:r>
+          </a:p>
+        </p:txBody>
+      </p:sp>
+      <p:sp>
+        <p:nvSpPr>
+          <p:cNvPr id="32" name="Rectangle 31"/>
+          <p:cNvSpPr/>
+          <p:nvPr/>
+        </p:nvSpPr>
+        <p:spPr>
+          <a:xfrm>
+            <a:off x="337865" y="1352938"/>
+            <a:ext cx="1746161" cy="952443"/>
+          </a:xfrm>
+          <a:prstGeom prst="rect">
+            <a:avLst/>
+          </a:prstGeom>
+          <a:noFill/>
+          <a:ln>
+            <a:solidFill>
+              <a:schemeClr val="tx1"/>
+            </a:solidFill>
+          </a:ln>
+          <a:effectLst/>
+        </p:spPr>
+        <p:style>
+          <a:lnRef idx="1">
+            <a:schemeClr val="accent1"/>
+          </a:lnRef>
+          <a:fillRef idx="3">
+            <a:schemeClr val="accent1"/>
+          </a:fillRef>
+          <a:effectRef idx="2">
+            <a:schemeClr val="accent1"/>
+          </a:effectRef>
+          <a:fontRef idx="minor">
+            <a:schemeClr val="lt1"/>
+          </a:fontRef>
+        </p:style>
+        <p:txBody>
+          <a:bodyPr rtlCol="0" anchor="ctr"/>
+          <a:lstStyle/>
+          <a:p>
+            <a:r>
+              <a:rPr lang="en-US" dirty="0" err="1">
                 <a:solidFill>
                   <a:schemeClr val="tx1"/>
                 </a:solidFill>
                 <a:latin typeface="Courier"/>
                 <a:cs typeface="Courier"/>
               </a:rPr>
-              <a:t>0092 </a:t>
+              <a:t>p</a:t>
+            </a:r>
+            <a:r>
+              <a:rPr lang="en-US" dirty="0" err="1" smtClean="0">
+                <a:solidFill>
+                  <a:schemeClr val="tx1"/>
+                </a:solidFill>
+                <a:latin typeface="Courier"/>
+                <a:cs typeface="Courier"/>
+              </a:rPr>
+              <a:t>rev</a:t>
+            </a:r>
+            <a:r>
+              <a:rPr lang="en-US" dirty="0" smtClean="0">
+                <a:solidFill>
+                  <a:schemeClr val="tx1"/>
+                </a:solidFill>
+                <a:latin typeface="Courier"/>
+                <a:cs typeface="Courier"/>
+              </a:rPr>
+              <a:t>: 00db</a:t>
+            </a:r>
+          </a:p>
+          <a:p>
+            <a:r>
+              <a:rPr lang="en-US" dirty="0" err="1" smtClean="0">
+                <a:solidFill>
+                  <a:schemeClr val="tx1"/>
+                </a:solidFill>
+                <a:latin typeface="Courier"/>
+                <a:cs typeface="Courier"/>
+              </a:rPr>
+              <a:t>txns</a:t>
             </a:r>
             <a:endParaRPr lang="en-US" dirty="0" smtClean="0">
               <a:solidFill>
@@ -25900,17 +24108,111 @@
               <a:cs typeface="Courier"/>
             </a:endParaRPr>
           </a:p>
-        </p:txBody>
-      </p:sp>
-      <p:sp>
-        <p:nvSpPr>
-          <p:cNvPr id="32" name="Rectangle 31"/>
+          <a:p>
+            <a:r>
+              <a:rPr lang="en-US" dirty="0">
+                <a:solidFill>
+                  <a:schemeClr val="tx1"/>
+                </a:solidFill>
+                <a:latin typeface="Courier"/>
+                <a:cs typeface="Courier"/>
+              </a:rPr>
+              <a:t>n</a:t>
+            </a:r>
+            <a:r>
+              <a:rPr lang="en-US" dirty="0" smtClean="0">
+                <a:solidFill>
+                  <a:schemeClr val="tx1"/>
+                </a:solidFill>
+                <a:latin typeface="Courier"/>
+                <a:cs typeface="Courier"/>
+              </a:rPr>
+              <a:t>once: 582c</a:t>
+            </a:r>
+            <a:endParaRPr lang="en-US" dirty="0">
+              <a:solidFill>
+                <a:schemeClr val="tx1"/>
+              </a:solidFill>
+              <a:latin typeface="Courier"/>
+              <a:cs typeface="Courier"/>
+            </a:endParaRPr>
+          </a:p>
+        </p:txBody>
+      </p:sp>
+      <p:sp>
+        <p:nvSpPr>
+          <p:cNvPr id="33" name="Rectangle 32"/>
           <p:cNvSpPr/>
           <p:nvPr/>
         </p:nvSpPr>
         <p:spPr>
           <a:xfrm>
-            <a:off x="337865" y="1352938"/>
+            <a:off x="2084026" y="2585378"/>
+            <a:ext cx="882286" cy="545728"/>
+          </a:xfrm>
+          <a:prstGeom prst="rect">
+            <a:avLst/>
+          </a:prstGeom>
+          <a:solidFill>
+            <a:schemeClr val="bg1">
+              <a:lumMod val="65000"/>
+            </a:schemeClr>
+          </a:solidFill>
+          <a:ln>
+            <a:noFill/>
+          </a:ln>
+          <a:effectLst/>
+        </p:spPr>
+        <p:style>
+          <a:lnRef idx="1">
+            <a:schemeClr val="accent1"/>
+          </a:lnRef>
+          <a:fillRef idx="3">
+            <a:schemeClr val="accent1"/>
+          </a:fillRef>
+          <a:effectRef idx="2">
+            <a:schemeClr val="accent1"/>
+          </a:effectRef>
+          <a:fontRef idx="minor">
+            <a:schemeClr val="lt1"/>
+          </a:fontRef>
+        </p:style>
+        <p:txBody>
+          <a:bodyPr rtlCol="0" anchor="ctr"/>
+          <a:lstStyle/>
+          <a:p>
+            <a:r>
+              <a:rPr lang="en-US" dirty="0">
+                <a:solidFill>
+                  <a:schemeClr val="tx1"/>
+                </a:solidFill>
+                <a:latin typeface="Courier"/>
+                <a:cs typeface="Courier"/>
+              </a:rPr>
+              <a:t>h</a:t>
+            </a:r>
+            <a:r>
+              <a:rPr lang="en-US" dirty="0" smtClean="0">
+                <a:solidFill>
+                  <a:schemeClr val="tx1"/>
+                </a:solidFill>
+                <a:latin typeface="Courier"/>
+                <a:cs typeface="Courier"/>
+              </a:rPr>
+              <a:t>ash:002b </a:t>
+            </a:r>
+          </a:p>
+        </p:txBody>
+      </p:sp>
+      <p:sp>
+        <p:nvSpPr>
+          <p:cNvPr id="34" name="Rectangle 33"/>
+          <p:cNvSpPr/>
+          <p:nvPr/>
+        </p:nvSpPr>
+        <p:spPr>
+          <a:xfrm>
+            <a:off x="337864" y="2585378"/>
             <a:ext cx="1746161" cy="952443"/>
           </a:xfrm>
           <a:prstGeom prst="rect">
@@ -25970,17 +24272,19 @@
                 <a:latin typeface="Courier"/>
                 <a:cs typeface="Courier"/>
               </a:rPr>
-              <a:t>: </a:t>
-            </a:r>
-            <a:r>
-              <a:rPr lang="en-US" dirty="0" smtClean="0">
+              <a:t>: 0092</a:t>
+            </a:r>
+          </a:p>
+          <a:p>
+            <a:r>
+              <a:rPr lang="en-US" dirty="0" err="1" smtClean="0">
                 <a:solidFill>
                   <a:schemeClr val="tx1"/>
                 </a:solidFill>
                 <a:latin typeface="Courier"/>
                 <a:cs typeface="Courier"/>
               </a:rPr>
-              <a:t>00db</a:t>
+              <a:t>txns</a:t>
             </a:r>
             <a:endParaRPr lang="en-US" dirty="0" smtClean="0">
               <a:solidFill>
@@ -25992,303 +24296,24 @@
           </a:p>
           <a:p>
             <a:r>
-              <a:rPr lang="en-US" dirty="0" err="1" smtClean="0">
+              <a:rPr lang="en-US" dirty="0">
                 <a:solidFill>
                   <a:schemeClr val="tx1"/>
                 </a:solidFill>
                 <a:latin typeface="Courier"/>
                 <a:cs typeface="Courier"/>
               </a:rPr>
-              <a:t>t</a:t>
-            </a:r>
-            <a:r>
-              <a:rPr lang="en-US" dirty="0" err="1" smtClean="0">
+              <a:t>n</a:t>
+            </a:r>
+            <a:r>
+              <a:rPr lang="en-US" dirty="0" smtClean="0">
                 <a:solidFill>
                   <a:schemeClr val="tx1"/>
                 </a:solidFill>
                 <a:latin typeface="Courier"/>
                 <a:cs typeface="Courier"/>
               </a:rPr>
-              <a:t>xns</a:t>
-            </a:r>
-            <a:endParaRPr lang="en-US" dirty="0" smtClean="0">
-              <a:solidFill>
-                <a:schemeClr val="tx1"/>
-              </a:solidFill>
-              <a:latin typeface="Courier"/>
-              <a:cs typeface="Courier"/>
-            </a:endParaRPr>
-          </a:p>
-          <a:p>
-            <a:r>
-              <a:rPr lang="en-US" dirty="0">
-                <a:solidFill>
-                  <a:schemeClr val="tx1"/>
-                </a:solidFill>
-                <a:latin typeface="Courier"/>
-                <a:cs typeface="Courier"/>
-              </a:rPr>
-              <a:t>n</a:t>
-            </a:r>
-            <a:r>
-              <a:rPr lang="en-US" dirty="0" smtClean="0">
-                <a:solidFill>
-                  <a:schemeClr val="tx1"/>
-                </a:solidFill>
-                <a:latin typeface="Courier"/>
-                <a:cs typeface="Courier"/>
-              </a:rPr>
-              <a:t>once: </a:t>
-            </a:r>
-            <a:r>
-              <a:rPr lang="en-US" dirty="0" smtClean="0">
-                <a:solidFill>
-                  <a:schemeClr val="tx1"/>
-                </a:solidFill>
-                <a:latin typeface="Courier"/>
-                <a:cs typeface="Courier"/>
-              </a:rPr>
-              <a:t>582c</a:t>
-            </a:r>
-            <a:endParaRPr lang="en-US" dirty="0">
-              <a:solidFill>
-                <a:schemeClr val="tx1"/>
-              </a:solidFill>
-              <a:latin typeface="Courier"/>
-              <a:cs typeface="Courier"/>
-            </a:endParaRPr>
-          </a:p>
-        </p:txBody>
-      </p:sp>
-      <p:sp>
-        <p:nvSpPr>
-          <p:cNvPr id="33" name="Rectangle 32"/>
-          <p:cNvSpPr/>
-          <p:nvPr/>
-        </p:nvSpPr>
-        <p:spPr>
-          <a:xfrm>
-            <a:off x="2084026" y="2585378"/>
-            <a:ext cx="882286" cy="545728"/>
-          </a:xfrm>
-          <a:prstGeom prst="rect">
-            <a:avLst/>
-          </a:prstGeom>
-          <a:solidFill>
-            <a:schemeClr val="bg1">
-              <a:lumMod val="65000"/>
-            </a:schemeClr>
-          </a:solidFill>
-          <a:ln>
-            <a:noFill/>
-          </a:ln>
-          <a:effectLst/>
-        </p:spPr>
-        <p:style>
-          <a:lnRef idx="1">
-            <a:schemeClr val="accent1"/>
-          </a:lnRef>
-          <a:fillRef idx="3">
-            <a:schemeClr val="accent1"/>
-          </a:fillRef>
-          <a:effectRef idx="2">
-            <a:schemeClr val="accent1"/>
-          </a:effectRef>
-          <a:fontRef idx="minor">
-            <a:schemeClr val="lt1"/>
-          </a:fontRef>
-        </p:style>
-        <p:txBody>
-          <a:bodyPr rtlCol="0" anchor="ctr"/>
-          <a:lstStyle/>
-          <a:p>
-            <a:r>
-              <a:rPr lang="en-US" dirty="0">
-                <a:solidFill>
-                  <a:schemeClr val="tx1"/>
-                </a:solidFill>
-                <a:latin typeface="Courier"/>
-                <a:cs typeface="Courier"/>
-              </a:rPr>
-              <a:t>h</a:t>
-            </a:r>
-            <a:r>
-              <a:rPr lang="en-US" dirty="0" smtClean="0">
-                <a:solidFill>
-                  <a:schemeClr val="tx1"/>
-                </a:solidFill>
-                <a:latin typeface="Courier"/>
-                <a:cs typeface="Courier"/>
-              </a:rPr>
-              <a:t>ash:</a:t>
-            </a:r>
-            <a:r>
-              <a:rPr lang="en-US" dirty="0" smtClean="0">
-                <a:solidFill>
-                  <a:schemeClr val="tx1"/>
-                </a:solidFill>
-                <a:latin typeface="Courier"/>
-                <a:cs typeface="Courier"/>
-              </a:rPr>
-              <a:t>002b </a:t>
-            </a:r>
-            <a:endParaRPr lang="en-US" dirty="0" smtClean="0">
-              <a:solidFill>
-                <a:schemeClr val="tx1"/>
-              </a:solidFill>
-              <a:latin typeface="Courier"/>
-              <a:cs typeface="Courier"/>
-            </a:endParaRPr>
-          </a:p>
-        </p:txBody>
-      </p:sp>
-      <p:sp>
-        <p:nvSpPr>
-          <p:cNvPr id="34" name="Rectangle 33"/>
-          <p:cNvSpPr/>
-          <p:nvPr/>
-        </p:nvSpPr>
-        <p:spPr>
-          <a:xfrm>
-            <a:off x="337864" y="2585378"/>
-            <a:ext cx="1746161" cy="952443"/>
-          </a:xfrm>
-          <a:prstGeom prst="rect">
-            <a:avLst/>
-          </a:prstGeom>
-          <a:noFill/>
-          <a:ln>
-            <a:solidFill>
-              <a:schemeClr val="tx1"/>
-            </a:solidFill>
-          </a:ln>
-          <a:effectLst/>
-        </p:spPr>
-        <p:style>
-          <a:lnRef idx="1">
-            <a:schemeClr val="accent1"/>
-          </a:lnRef>
-          <a:fillRef idx="3">
-            <a:schemeClr val="accent1"/>
-          </a:fillRef>
-          <a:effectRef idx="2">
-            <a:schemeClr val="accent1"/>
-          </a:effectRef>
-          <a:fontRef idx="minor">
-            <a:schemeClr val="lt1"/>
-          </a:fontRef>
-        </p:style>
-        <p:txBody>
-          <a:bodyPr rtlCol="0" anchor="ctr"/>
-          <a:lstStyle/>
-          <a:p>
-            <a:r>
-              <a:rPr lang="en-US" dirty="0" err="1">
-                <a:solidFill>
-                  <a:schemeClr val="tx1"/>
-                </a:solidFill>
-                <a:latin typeface="Courier"/>
-                <a:cs typeface="Courier"/>
-              </a:rPr>
-              <a:t>p</a:t>
-            </a:r>
-            <a:r>
-              <a:rPr lang="en-US" dirty="0" err="1" smtClean="0">
-                <a:solidFill>
-                  <a:schemeClr val="tx1"/>
-                </a:solidFill>
-                <a:latin typeface="Courier"/>
-                <a:cs typeface="Courier"/>
-              </a:rPr>
-              <a:t>rev</a:t>
-            </a:r>
-            <a:r>
-              <a:rPr lang="en-US" dirty="0" smtClean="0">
-                <a:solidFill>
-                  <a:schemeClr val="tx1"/>
-                </a:solidFill>
-                <a:latin typeface="Courier"/>
-                <a:cs typeface="Courier"/>
-              </a:rPr>
-              <a:t>: </a:t>
-            </a:r>
-            <a:r>
-              <a:rPr lang="en-US" dirty="0" smtClean="0">
-                <a:solidFill>
-                  <a:schemeClr val="tx1"/>
-                </a:solidFill>
-                <a:latin typeface="Courier"/>
-                <a:cs typeface="Courier"/>
-              </a:rPr>
-              <a:t>0092</a:t>
-            </a:r>
-            <a:endParaRPr lang="en-US" dirty="0" smtClean="0">
-              <a:solidFill>
-                <a:schemeClr val="tx1"/>
-              </a:solidFill>
-              <a:latin typeface="Courier"/>
-              <a:cs typeface="Courier"/>
-            </a:endParaRPr>
-          </a:p>
-          <a:p>
-            <a:r>
-              <a:rPr lang="en-US" dirty="0" err="1" smtClean="0">
-                <a:solidFill>
-                  <a:schemeClr val="tx1"/>
-                </a:solidFill>
-                <a:latin typeface="Courier"/>
-                <a:cs typeface="Courier"/>
-              </a:rPr>
-              <a:t>t</a:t>
-            </a:r>
-            <a:r>
-              <a:rPr lang="en-US" dirty="0" err="1" smtClean="0">
-                <a:solidFill>
-                  <a:schemeClr val="tx1"/>
-                </a:solidFill>
-                <a:latin typeface="Courier"/>
-                <a:cs typeface="Courier"/>
-              </a:rPr>
-              <a:t>xns</a:t>
-            </a:r>
-            <a:endParaRPr lang="en-US" dirty="0" smtClean="0">
-              <a:solidFill>
-                <a:schemeClr val="tx1"/>
-              </a:solidFill>
-              <a:latin typeface="Courier"/>
-              <a:cs typeface="Courier"/>
-            </a:endParaRPr>
-          </a:p>
-          <a:p>
-            <a:r>
-              <a:rPr lang="en-US" dirty="0">
-                <a:solidFill>
-                  <a:schemeClr val="tx1"/>
-                </a:solidFill>
-                <a:latin typeface="Courier"/>
-                <a:cs typeface="Courier"/>
-              </a:rPr>
-              <a:t>n</a:t>
-            </a:r>
-            <a:r>
-              <a:rPr lang="en-US" dirty="0" smtClean="0">
-                <a:solidFill>
-                  <a:schemeClr val="tx1"/>
-                </a:solidFill>
-                <a:latin typeface="Courier"/>
-                <a:cs typeface="Courier"/>
-              </a:rPr>
-              <a:t>once: </a:t>
-            </a:r>
-            <a:r>
-              <a:rPr lang="en-US" dirty="0" smtClean="0">
-                <a:solidFill>
-                  <a:schemeClr val="tx1"/>
-                </a:solidFill>
-                <a:latin typeface="Courier"/>
-                <a:cs typeface="Courier"/>
-              </a:rPr>
-              <a:t>fd1a</a:t>
+              <a:t>once: fd1a</a:t>
             </a:r>
             <a:endParaRPr lang="en-US" dirty="0">
               <a:solidFill>
@@ -26524,17 +24549,92 @@
                 <a:latin typeface="Courier"/>
                 <a:cs typeface="Courier"/>
               </a:rPr>
-              <a:t>ash:</a:t>
-            </a:r>
-            <a:r>
-              <a:rPr lang="en-US" dirty="0" smtClean="0">
+              <a:t>ash:001c </a:t>
+            </a:r>
+          </a:p>
+        </p:txBody>
+      </p:sp>
+      <p:sp>
+        <p:nvSpPr>
+          <p:cNvPr id="53" name="Rectangle 52"/>
+          <p:cNvSpPr/>
+          <p:nvPr/>
+        </p:nvSpPr>
+        <p:spPr>
+          <a:xfrm>
+            <a:off x="6380270" y="3719954"/>
+            <a:ext cx="1746161" cy="952443"/>
+          </a:xfrm>
+          <a:prstGeom prst="rect">
+            <a:avLst/>
+          </a:prstGeom>
+          <a:noFill/>
+          <a:ln>
+            <a:solidFill>
+              <a:schemeClr val="tx1"/>
+            </a:solidFill>
+          </a:ln>
+          <a:effectLst/>
+        </p:spPr>
+        <p:style>
+          <a:lnRef idx="1">
+            <a:schemeClr val="accent1"/>
+          </a:lnRef>
+          <a:fillRef idx="3">
+            <a:schemeClr val="accent1"/>
+          </a:fillRef>
+          <a:effectRef idx="2">
+            <a:schemeClr val="accent1"/>
+          </a:effectRef>
+          <a:fontRef idx="minor">
+            <a:schemeClr val="lt1"/>
+          </a:fontRef>
+        </p:style>
+        <p:txBody>
+          <a:bodyPr rtlCol="0" anchor="ctr"/>
+          <a:lstStyle/>
+          <a:p>
+            <a:r>
+              <a:rPr lang="en-US" dirty="0" err="1">
                 <a:solidFill>
                   <a:schemeClr val="tx1"/>
                 </a:solidFill>
                 <a:latin typeface="Courier"/>
                 <a:cs typeface="Courier"/>
               </a:rPr>
-              <a:t>001c </a:t>
+              <a:t>p</a:t>
+            </a:r>
+            <a:r>
+              <a:rPr lang="en-US" dirty="0" err="1" smtClean="0">
+                <a:solidFill>
+                  <a:schemeClr val="tx1"/>
+                </a:solidFill>
+                <a:latin typeface="Courier"/>
+                <a:cs typeface="Courier"/>
+              </a:rPr>
+              <a:t>rev</a:t>
+            </a:r>
+            <a:r>
+              <a:rPr lang="en-US" dirty="0" smtClean="0">
+                <a:solidFill>
+                  <a:schemeClr val="tx1"/>
+                </a:solidFill>
+                <a:latin typeface="Courier"/>
+                <a:cs typeface="Courier"/>
+              </a:rPr>
+              <a:t>: 002b</a:t>
+            </a:r>
+          </a:p>
+          <a:p>
+            <a:r>
+              <a:rPr lang="en-US" dirty="0" err="1" smtClean="0">
+                <a:solidFill>
+                  <a:schemeClr val="tx1"/>
+                </a:solidFill>
+                <a:latin typeface="Courier"/>
+                <a:cs typeface="Courier"/>
+              </a:rPr>
+              <a:t>txns</a:t>
             </a:r>
             <a:endParaRPr lang="en-US" dirty="0" smtClean="0">
               <a:solidFill>
@@ -26544,155 +24644,26 @@
               <a:cs typeface="Courier"/>
             </a:endParaRPr>
           </a:p>
-        </p:txBody>
-      </p:sp>
-      <p:sp>
-        <p:nvSpPr>
-          <p:cNvPr id="53" name="Rectangle 52"/>
-          <p:cNvSpPr/>
-          <p:nvPr/>
-        </p:nvSpPr>
-        <p:spPr>
-          <a:xfrm>
-            <a:off x="6380270" y="3719954"/>
-            <a:ext cx="1746161" cy="952443"/>
-          </a:xfrm>
-          <a:prstGeom prst="rect">
-            <a:avLst/>
-          </a:prstGeom>
-          <a:noFill/>
-          <a:ln>
-            <a:solidFill>
-              <a:schemeClr val="tx1"/>
-            </a:solidFill>
-          </a:ln>
-          <a:effectLst/>
-        </p:spPr>
-        <p:style>
-          <a:lnRef idx="1">
-            <a:schemeClr val="accent1"/>
-          </a:lnRef>
-          <a:fillRef idx="3">
-            <a:schemeClr val="accent1"/>
-          </a:fillRef>
-          <a:effectRef idx="2">
-            <a:schemeClr val="accent1"/>
-          </a:effectRef>
-          <a:fontRef idx="minor">
-            <a:schemeClr val="lt1"/>
-          </a:fontRef>
-        </p:style>
-        <p:txBody>
-          <a:bodyPr rtlCol="0" anchor="ctr"/>
-          <a:lstStyle/>
-          <a:p>
-            <a:r>
-              <a:rPr lang="en-US" dirty="0" err="1">
+          <a:p>
+            <a:r>
+              <a:rPr lang="en-US" dirty="0">
                 <a:solidFill>
                   <a:schemeClr val="tx1"/>
                 </a:solidFill>
                 <a:latin typeface="Courier"/>
                 <a:cs typeface="Courier"/>
               </a:rPr>
-              <a:t>p</a:t>
-            </a:r>
-            <a:r>
-              <a:rPr lang="en-US" dirty="0" err="1" smtClean="0">
+              <a:t>n</a:t>
+            </a:r>
+            <a:r>
+              <a:rPr lang="en-US" dirty="0" smtClean="0">
                 <a:solidFill>
                   <a:schemeClr val="tx1"/>
                 </a:solidFill>
                 <a:latin typeface="Courier"/>
                 <a:cs typeface="Courier"/>
               </a:rPr>
-              <a:t>rev</a:t>
-            </a:r>
-            <a:r>
-              <a:rPr lang="en-US" dirty="0" smtClean="0">
-                <a:solidFill>
-                  <a:schemeClr val="tx1"/>
-                </a:solidFill>
-                <a:latin typeface="Courier"/>
-                <a:cs typeface="Courier"/>
-              </a:rPr>
-              <a:t>: </a:t>
-            </a:r>
-            <a:r>
-              <a:rPr lang="en-US" dirty="0" smtClean="0">
-                <a:solidFill>
-                  <a:schemeClr val="tx1"/>
-                </a:solidFill>
-                <a:latin typeface="Courier"/>
-                <a:cs typeface="Courier"/>
-              </a:rPr>
-              <a:t>002b</a:t>
-            </a:r>
-            <a:endParaRPr lang="en-US" dirty="0" smtClean="0">
-              <a:solidFill>
-                <a:schemeClr val="tx1"/>
-              </a:solidFill>
-              <a:latin typeface="Courier"/>
-              <a:cs typeface="Courier"/>
-            </a:endParaRPr>
-          </a:p>
-          <a:p>
-            <a:r>
-              <a:rPr lang="en-US" dirty="0" err="1" smtClean="0">
-                <a:solidFill>
-                  <a:schemeClr val="tx1"/>
-                </a:solidFill>
-                <a:latin typeface="Courier"/>
-                <a:cs typeface="Courier"/>
-              </a:rPr>
-              <a:t>t</a:t>
-            </a:r>
-            <a:r>
-              <a:rPr lang="en-US" dirty="0" err="1" smtClean="0">
-                <a:solidFill>
-                  <a:schemeClr val="tx1"/>
-                </a:solidFill>
-                <a:latin typeface="Courier"/>
-                <a:cs typeface="Courier"/>
-              </a:rPr>
-              <a:t>xns</a:t>
-            </a:r>
-            <a:endParaRPr lang="en-US" dirty="0" smtClean="0">
-              <a:solidFill>
-                <a:schemeClr val="tx1"/>
-              </a:solidFill>
-              <a:latin typeface="Courier"/>
-              <a:cs typeface="Courier"/>
-            </a:endParaRPr>
-          </a:p>
-          <a:p>
-            <a:r>
-              <a:rPr lang="en-US" dirty="0">
-                <a:solidFill>
-                  <a:schemeClr val="tx1"/>
-                </a:solidFill>
-                <a:latin typeface="Courier"/>
-                <a:cs typeface="Courier"/>
-              </a:rPr>
-              <a:t>n</a:t>
-            </a:r>
-            <a:r>
-              <a:rPr lang="en-US" dirty="0" smtClean="0">
-                <a:solidFill>
-                  <a:schemeClr val="tx1"/>
-                </a:solidFill>
-                <a:latin typeface="Courier"/>
-                <a:cs typeface="Courier"/>
-              </a:rPr>
-              <a:t>once: </a:t>
-            </a:r>
-            <a:r>
-              <a:rPr lang="en-US" dirty="0" smtClean="0">
-                <a:solidFill>
-                  <a:schemeClr val="tx1"/>
-                </a:solidFill>
-                <a:latin typeface="Courier"/>
-                <a:cs typeface="Courier"/>
-              </a:rPr>
-              <a:t>34a8</a:t>
+              <a:t>once: 34a8</a:t>
             </a:r>
             <a:endParaRPr lang="en-US" dirty="0">
               <a:solidFill>
@@ -27108,13 +25079,6 @@
               </a:rPr>
               <a:t>Consensus critical</a:t>
             </a:r>
-            <a:endParaRPr lang="en-US" dirty="0" smtClean="0">
-              <a:solidFill>
-                <a:schemeClr val="bg1"/>
-              </a:solidFill>
-              <a:latin typeface="Helvetica Neue"/>
-              <a:cs typeface="Helvetica Neue"/>
-            </a:endParaRPr>
           </a:p>
         </p:txBody>
       </p:sp>
